--- a/PasswordManager.pptx
+++ b/PasswordManager.pptx
@@ -7,7 +7,7 @@
   <p:sldIdLst>
     <p:sldId id="256" r:id="rId2"/>
     <p:sldId id="257" r:id="rId3"/>
-    <p:sldId id="258" r:id="rId4"/>
+    <p:sldId id="262" r:id="rId4"/>
     <p:sldId id="259" r:id="rId5"/>
     <p:sldId id="260" r:id="rId6"/>
     <p:sldId id="261" r:id="rId7"/>
@@ -109,6 +109,11 @@
       </a:defRPr>
     </a:lvl9pPr>
   </p:defaultTextStyle>
+  <p:extLst>
+    <p:ext uri="{EFAFB233-063F-42B5-8137-9DF3F51BA10A}">
+      <p15:sldGuideLst xmlns:p15="http://schemas.microsoft.com/office/powerpoint/2012/main"/>
+    </p:ext>
+  </p:extLst>
 </p:presentation>
 </file>
 
@@ -1923,8 +1928,8 @@
 <file path=ppt/diagrams/data2.xml><?xml version="1.0" encoding="utf-8"?>
 <dgm:dataModel xmlns:dgm="http://schemas.openxmlformats.org/drawingml/2006/diagram" xmlns:a="http://schemas.openxmlformats.org/drawingml/2006/main">
   <dgm:ptLst>
-    <dgm:pt modelId="{75D35214-CD37-4514-A5F5-365C1A2B0EC8}" type="doc">
-      <dgm:prSet loTypeId="urn:microsoft.com/office/officeart/2005/8/layout/default" loCatId="list" qsTypeId="urn:microsoft.com/office/officeart/2005/8/quickstyle/simple1" qsCatId="simple" csTypeId="urn:microsoft.com/office/officeart/2005/8/colors/accent1_2" csCatId="accent1"/>
+    <dgm:pt modelId="{0498014E-EB02-48B0-B23E-46CF3CDD2C3E}" type="doc">
+      <dgm:prSet loTypeId="urn:microsoft.com/office/officeart/2018/2/layout/IconVerticalSolidList" loCatId="icon" qsTypeId="urn:microsoft.com/office/officeart/2005/8/quickstyle/simple1" qsCatId="simple" csTypeId="urn:microsoft.com/office/officeart/2005/8/colors/accent1_2" csCatId="accent1" phldr="1"/>
       <dgm:spPr/>
       <dgm:t>
         <a:bodyPr/>
@@ -1934,21 +1939,27 @@
         </a:p>
       </dgm:t>
     </dgm:pt>
-    <dgm:pt modelId="{B30C8DFF-A624-4AA7-B348-9AE951C1B23E}">
+    <dgm:pt modelId="{1F032AC1-2166-40D5-A991-56DF9AE9E9E3}">
       <dgm:prSet/>
       <dgm:spPr/>
       <dgm:t>
         <a:bodyPr/>
         <a:lstStyle/>
         <a:p>
+          <a:pPr>
+            <a:lnSpc>
+              <a:spcPct val="100000"/>
+            </a:lnSpc>
+          </a:pPr>
           <a:r>
-            <a:rPr lang="en-US"/>
-            <a:t>Feature Showcase: SecurePass at a Glance</a:t>
+            <a:rPr lang="fi-FI"/>
+            <a:t>Master password is only known to the user which is salted and hashed before uploating to ther server.</a:t>
           </a:r>
+          <a:endParaRPr lang="en-US"/>
         </a:p>
       </dgm:t>
     </dgm:pt>
-    <dgm:pt modelId="{3EAC37F7-6FB2-40C0-A6E3-0C4BB05A3552}" type="parTrans" cxnId="{3E8DC4D9-7E52-47BB-AB07-5303B303AC60}">
+    <dgm:pt modelId="{E294E487-49A1-4A43-B0CA-D1397754E12E}" type="parTrans" cxnId="{C1DF48A2-FEB9-4F2E-835E-2F6496DF353F}">
       <dgm:prSet/>
       <dgm:spPr/>
       <dgm:t>
@@ -1959,7 +1970,7 @@
         </a:p>
       </dgm:t>
     </dgm:pt>
-    <dgm:pt modelId="{F23BA889-AE55-45E2-8178-43E67D0B266B}" type="sibTrans" cxnId="{3E8DC4D9-7E52-47BB-AB07-5303B303AC60}">
+    <dgm:pt modelId="{276BF111-B286-4798-B437-4CF1AB37F643}" type="sibTrans" cxnId="{C1DF48A2-FEB9-4F2E-835E-2F6496DF353F}">
       <dgm:prSet/>
       <dgm:spPr/>
       <dgm:t>
@@ -1970,21 +1981,27 @@
         </a:p>
       </dgm:t>
     </dgm:pt>
-    <dgm:pt modelId="{0C89A7AA-D7D2-4CDB-8095-6AE75322416F}">
+    <dgm:pt modelId="{C036B21D-0ECA-47A2-AC03-1F47D8D2D580}">
       <dgm:prSet/>
       <dgm:spPr/>
       <dgm:t>
         <a:bodyPr/>
         <a:lstStyle/>
         <a:p>
+          <a:pPr>
+            <a:lnSpc>
+              <a:spcPct val="100000"/>
+            </a:lnSpc>
+          </a:pPr>
           <a:r>
-            <a:rPr lang="en-US"/>
-            <a:t>Client-Side Secure Password Encryption with AES GCM</a:t>
+            <a:rPr lang="fi-FI"/>
+            <a:t>HTTPS connection to ensure secure and encrypted data transfer.</a:t>
           </a:r>
+          <a:endParaRPr lang="en-US"/>
         </a:p>
       </dgm:t>
     </dgm:pt>
-    <dgm:pt modelId="{3CBCDF49-C39D-4132-8FA6-F6B5A2B23967}" type="parTrans" cxnId="{9CB4EDA6-6F15-40C4-8965-3974BDEBAD3A}">
+    <dgm:pt modelId="{03348512-C5D6-4011-8D3C-45E0AA3610D6}" type="parTrans" cxnId="{1B003F24-3262-466D-A5E8-37BCECF58786}">
       <dgm:prSet/>
       <dgm:spPr/>
       <dgm:t>
@@ -1995,7 +2012,7 @@
         </a:p>
       </dgm:t>
     </dgm:pt>
-    <dgm:pt modelId="{57900CF3-7389-4317-B20B-4E6D2ACCF9BD}" type="sibTrans" cxnId="{9CB4EDA6-6F15-40C4-8965-3974BDEBAD3A}">
+    <dgm:pt modelId="{733C4C74-B0E4-44DC-A75A-505953396AB8}" type="sibTrans" cxnId="{1B003F24-3262-466D-A5E8-37BCECF58786}">
       <dgm:prSet/>
       <dgm:spPr/>
       <dgm:t>
@@ -2006,21 +2023,27 @@
         </a:p>
       </dgm:t>
     </dgm:pt>
-    <dgm:pt modelId="{071925E9-8428-4CE7-86E1-9A7DC5B80E64}">
+    <dgm:pt modelId="{25465CEC-527E-45A5-95DF-2E90B9549978}">
       <dgm:prSet/>
       <dgm:spPr/>
       <dgm:t>
         <a:bodyPr/>
         <a:lstStyle/>
         <a:p>
+          <a:pPr>
+            <a:lnSpc>
+              <a:spcPct val="100000"/>
+            </a:lnSpc>
+          </a:pPr>
           <a:r>
-            <a:rPr lang="en-US"/>
-            <a:t>Utilizes AES-GCM encryption to safeguard passwords locally, ensuring maximum security before transmission.</a:t>
+            <a:rPr lang="fi-FI"/>
+            <a:t>Usage of docker network allows only the server to communicate with the database.</a:t>
           </a:r>
+          <a:endParaRPr lang="en-US"/>
         </a:p>
       </dgm:t>
     </dgm:pt>
-    <dgm:pt modelId="{5CC9C912-5072-48B9-9C48-19209A6F3267}" type="parTrans" cxnId="{3B018A48-29D3-4911-9871-44A17923145C}">
+    <dgm:pt modelId="{CBBC8F45-CBF3-47FD-B0CF-03C3CEE9F16A}" type="parTrans" cxnId="{01751E68-01D1-4E2D-B983-9ACB512671B6}">
       <dgm:prSet/>
       <dgm:spPr/>
       <dgm:t>
@@ -2031,7 +2054,7 @@
         </a:p>
       </dgm:t>
     </dgm:pt>
-    <dgm:pt modelId="{ACED7110-F325-4B64-A9F1-FAA1339C5B7F}" type="sibTrans" cxnId="{3B018A48-29D3-4911-9871-44A17923145C}">
+    <dgm:pt modelId="{9893F159-E6C9-4EFA-9AA6-BCE34B462BCF}" type="sibTrans" cxnId="{01751E68-01D1-4E2D-B983-9ACB512671B6}">
       <dgm:prSet/>
       <dgm:spPr/>
       <dgm:t>
@@ -2042,21 +2065,27 @@
         </a:p>
       </dgm:t>
     </dgm:pt>
-    <dgm:pt modelId="{7E898C3E-87F9-4E9B-B547-1EEB8E6C3995}">
+    <dgm:pt modelId="{DC9F36B7-B64C-4579-919F-68D317F43796}">
       <dgm:prSet/>
       <dgm:spPr/>
       <dgm:t>
         <a:bodyPr/>
         <a:lstStyle/>
         <a:p>
+          <a:pPr>
+            <a:lnSpc>
+              <a:spcPct val="100000"/>
+            </a:lnSpc>
+          </a:pPr>
           <a:r>
-            <a:rPr lang="en-US"/>
-            <a:t>Securely Generate Random Passwords</a:t>
+            <a:rPr lang="fi-FI"/>
+            <a:t>Passwords are encrypted on the client side using AES-GCM.</a:t>
           </a:r>
+          <a:endParaRPr lang="en-US"/>
         </a:p>
       </dgm:t>
     </dgm:pt>
-    <dgm:pt modelId="{24567E59-D325-43C4-AEA5-24A5FBA896BD}" type="parTrans" cxnId="{0D0E9F08-9156-49E5-8950-0190778DC901}">
+    <dgm:pt modelId="{4BD482C2-BD81-4C84-AA23-8F0ADE05CA83}" type="parTrans" cxnId="{7196E43A-3C1C-4B6E-9EBA-CE19DDEC02A0}">
       <dgm:prSet/>
       <dgm:spPr/>
       <dgm:t>
@@ -2067,7 +2096,7 @@
         </a:p>
       </dgm:t>
     </dgm:pt>
-    <dgm:pt modelId="{23601476-F845-4673-9BC3-6171A7CA63E2}" type="sibTrans" cxnId="{0D0E9F08-9156-49E5-8950-0190778DC901}">
+    <dgm:pt modelId="{A0A23153-896B-4C21-87A5-29F3CF498B90}" type="sibTrans" cxnId="{7196E43A-3C1C-4B6E-9EBA-CE19DDEC02A0}">
       <dgm:prSet/>
       <dgm:spPr/>
       <dgm:t>
@@ -2078,21 +2107,27 @@
         </a:p>
       </dgm:t>
     </dgm:pt>
-    <dgm:pt modelId="{994A79B8-674E-4753-B376-86CEBD3929B4}">
+    <dgm:pt modelId="{4730BD74-14AA-47D8-98C2-EB97CEC2C889}">
       <dgm:prSet/>
       <dgm:spPr/>
       <dgm:t>
         <a:bodyPr/>
         <a:lstStyle/>
         <a:p>
+          <a:pPr>
+            <a:lnSpc>
+              <a:spcPct val="100000"/>
+            </a:lnSpc>
+          </a:pPr>
           <a:r>
-            <a:rPr lang="en-US"/>
-            <a:t>Seamlessly generate highly secure passwords using robust cryptographic methods, enhancing your online protection.</a:t>
+            <a:rPr lang="fi-FI"/>
+            <a:t>Derived key is created from master password using PBKDF2 which is used as encryption/decryption key.</a:t>
           </a:r>
+          <a:endParaRPr lang="en-US"/>
         </a:p>
       </dgm:t>
     </dgm:pt>
-    <dgm:pt modelId="{58DBEC02-977D-4C3D-998D-29CEAB01F386}" type="parTrans" cxnId="{5C0E3C29-426C-4655-B55A-C9272CE2CA6B}">
+    <dgm:pt modelId="{0853C513-ECD8-424A-AA2D-251DBBB2C4BA}" type="parTrans" cxnId="{6FF2149C-535D-4BFD-971F-FBD4FA7E7861}">
       <dgm:prSet/>
       <dgm:spPr/>
       <dgm:t>
@@ -2103,7 +2138,7 @@
         </a:p>
       </dgm:t>
     </dgm:pt>
-    <dgm:pt modelId="{5E4BE519-06C6-4592-978B-CD597C586892}" type="sibTrans" cxnId="{5C0E3C29-426C-4655-B55A-C9272CE2CA6B}">
+    <dgm:pt modelId="{2F3A9AF1-1AB6-4F9B-A361-D1B2A959041D}" type="sibTrans" cxnId="{6FF2149C-535D-4BFD-971F-FBD4FA7E7861}">
       <dgm:prSet/>
       <dgm:spPr/>
       <dgm:t>
@@ -2114,296 +2149,8 @@
         </a:p>
       </dgm:t>
     </dgm:pt>
-    <dgm:pt modelId="{40360323-D8A5-40E0-8367-C271A1A21608}">
-      <dgm:prSet/>
-      <dgm:spPr/>
-      <dgm:t>
-        <a:bodyPr/>
-        <a:lstStyle/>
-        <a:p>
-          <a:r>
-            <a:rPr lang="en-US"/>
-            <a:t>Secure Storage in PostgreSQL Database</a:t>
-          </a:r>
-        </a:p>
-      </dgm:t>
-    </dgm:pt>
-    <dgm:pt modelId="{B9F2F3C9-C15D-41E3-9EA7-71DB3E7C26FE}" type="parTrans" cxnId="{32E2C7F3-BC57-4371-B0A4-D80DBD14FBD2}">
-      <dgm:prSet/>
-      <dgm:spPr/>
-      <dgm:t>
-        <a:bodyPr/>
-        <a:lstStyle/>
-        <a:p>
-          <a:endParaRPr lang="en-US"/>
-        </a:p>
-      </dgm:t>
-    </dgm:pt>
-    <dgm:pt modelId="{EE9FB1F7-8B56-427C-A5EC-CDD57675D257}" type="sibTrans" cxnId="{32E2C7F3-BC57-4371-B0A4-D80DBD14FBD2}">
-      <dgm:prSet/>
-      <dgm:spPr/>
-      <dgm:t>
-        <a:bodyPr/>
-        <a:lstStyle/>
-        <a:p>
-          <a:endParaRPr lang="en-US"/>
-        </a:p>
-      </dgm:t>
-    </dgm:pt>
-    <dgm:pt modelId="{2F563A90-978C-4BC9-8401-B6EACA8006BE}">
-      <dgm:prSet/>
-      <dgm:spPr/>
-      <dgm:t>
-        <a:bodyPr/>
-        <a:lstStyle/>
-        <a:p>
-          <a:r>
-            <a:rPr lang="en-US"/>
-            <a:t>All passwords securely stored in a PostgreSQL database, inaccessible to external threats, ensuring data integrity and confidentiality.</a:t>
-          </a:r>
-        </a:p>
-      </dgm:t>
-    </dgm:pt>
-    <dgm:pt modelId="{4666719F-7186-4CBC-9CB5-797D296FCF58}" type="parTrans" cxnId="{A6FDB8CA-CE45-4592-A114-5814083305D0}">
-      <dgm:prSet/>
-      <dgm:spPr/>
-      <dgm:t>
-        <a:bodyPr/>
-        <a:lstStyle/>
-        <a:p>
-          <a:endParaRPr lang="en-US"/>
-        </a:p>
-      </dgm:t>
-    </dgm:pt>
-    <dgm:pt modelId="{C5E14EEE-030A-40D9-97A3-56BB3765E877}" type="sibTrans" cxnId="{A6FDB8CA-CE45-4592-A114-5814083305D0}">
-      <dgm:prSet/>
-      <dgm:spPr/>
-      <dgm:t>
-        <a:bodyPr/>
-        <a:lstStyle/>
-        <a:p>
-          <a:endParaRPr lang="en-US"/>
-        </a:p>
-      </dgm:t>
-    </dgm:pt>
-    <dgm:pt modelId="{6879BC41-B778-421D-B957-6953A7687C19}">
-      <dgm:prSet/>
-      <dgm:spPr/>
-      <dgm:t>
-        <a:bodyPr/>
-        <a:lstStyle/>
-        <a:p>
-          <a:r>
-            <a:rPr lang="en-US"/>
-            <a:t>Multi-User Support</a:t>
-          </a:r>
-        </a:p>
-      </dgm:t>
-    </dgm:pt>
-    <dgm:pt modelId="{0AA4028E-D9A0-4907-BC4D-1D78642B7909}" type="parTrans" cxnId="{9F75A022-C235-4B01-8789-0AA6AFC5AFC0}">
-      <dgm:prSet/>
-      <dgm:spPr/>
-      <dgm:t>
-        <a:bodyPr/>
-        <a:lstStyle/>
-        <a:p>
-          <a:endParaRPr lang="en-US"/>
-        </a:p>
-      </dgm:t>
-    </dgm:pt>
-    <dgm:pt modelId="{BBB058FC-08A9-48FC-A8C9-40B555604241}" type="sibTrans" cxnId="{9F75A022-C235-4B01-8789-0AA6AFC5AFC0}">
-      <dgm:prSet/>
-      <dgm:spPr/>
-      <dgm:t>
-        <a:bodyPr/>
-        <a:lstStyle/>
-        <a:p>
-          <a:endParaRPr lang="en-US"/>
-        </a:p>
-      </dgm:t>
-    </dgm:pt>
-    <dgm:pt modelId="{92E60DCB-478C-4DE5-94CE-3E5E7656A545}">
-      <dgm:prSet/>
-      <dgm:spPr/>
-      <dgm:t>
-        <a:bodyPr/>
-        <a:lstStyle/>
-        <a:p>
-          <a:r>
-            <a:rPr lang="en-US"/>
-            <a:t>Flexible user management system allowing multiple users to securely access and manage their passwords within the platform.</a:t>
-          </a:r>
-        </a:p>
-      </dgm:t>
-    </dgm:pt>
-    <dgm:pt modelId="{89E0AAD4-736F-4646-8D2D-9CC63E8EE58A}" type="parTrans" cxnId="{93D210B9-2E09-4B5C-88F9-690EB257B8E1}">
-      <dgm:prSet/>
-      <dgm:spPr/>
-      <dgm:t>
-        <a:bodyPr/>
-        <a:lstStyle/>
-        <a:p>
-          <a:endParaRPr lang="en-US"/>
-        </a:p>
-      </dgm:t>
-    </dgm:pt>
-    <dgm:pt modelId="{6502662A-ED46-47BF-A1CC-41D26762C471}" type="sibTrans" cxnId="{93D210B9-2E09-4B5C-88F9-690EB257B8E1}">
-      <dgm:prSet/>
-      <dgm:spPr/>
-      <dgm:t>
-        <a:bodyPr/>
-        <a:lstStyle/>
-        <a:p>
-          <a:endParaRPr lang="en-US"/>
-        </a:p>
-      </dgm:t>
-    </dgm:pt>
-    <dgm:pt modelId="{B89B6CA5-A44E-409D-9064-2416F835407D}">
-      <dgm:prSet/>
-      <dgm:spPr/>
-      <dgm:t>
-        <a:bodyPr/>
-        <a:lstStyle/>
-        <a:p>
-          <a:r>
-            <a:rPr lang="en-US"/>
-            <a:t>Intuitive React Interface</a:t>
-          </a:r>
-        </a:p>
-      </dgm:t>
-    </dgm:pt>
-    <dgm:pt modelId="{A2FBD5B5-C6AB-433C-B06D-02359C0E566D}" type="parTrans" cxnId="{43C7A2ED-CD7D-44AD-A8F2-BDCC6A58C9E4}">
-      <dgm:prSet/>
-      <dgm:spPr/>
-      <dgm:t>
-        <a:bodyPr/>
-        <a:lstStyle/>
-        <a:p>
-          <a:endParaRPr lang="en-US"/>
-        </a:p>
-      </dgm:t>
-    </dgm:pt>
-    <dgm:pt modelId="{57026105-1468-4B14-98C6-5C0A11C5899C}" type="sibTrans" cxnId="{43C7A2ED-CD7D-44AD-A8F2-BDCC6A58C9E4}">
-      <dgm:prSet/>
-      <dgm:spPr/>
-      <dgm:t>
-        <a:bodyPr/>
-        <a:lstStyle/>
-        <a:p>
-          <a:endParaRPr lang="en-US"/>
-        </a:p>
-      </dgm:t>
-    </dgm:pt>
-    <dgm:pt modelId="{5ECB4316-C10E-4C41-BDE8-C5C06BCB0FF4}">
-      <dgm:prSet/>
-      <dgm:spPr/>
-      <dgm:t>
-        <a:bodyPr/>
-        <a:lstStyle/>
-        <a:p>
-          <a:r>
-            <a:rPr lang="en-US"/>
-            <a:t>User-friendly React interface offering a seamless and responsive user experience across devices, prioritizing accessibility and ease of use.</a:t>
-          </a:r>
-        </a:p>
-      </dgm:t>
-    </dgm:pt>
-    <dgm:pt modelId="{87ED577D-FCB2-4339-B438-242471C99541}" type="parTrans" cxnId="{5243FA84-BE31-4047-ADE3-46C22C912C56}">
-      <dgm:prSet/>
-      <dgm:spPr/>
-      <dgm:t>
-        <a:bodyPr/>
-        <a:lstStyle/>
-        <a:p>
-          <a:endParaRPr lang="en-US"/>
-        </a:p>
-      </dgm:t>
-    </dgm:pt>
-    <dgm:pt modelId="{E10C5954-72B2-4428-9E96-61B717750A15}" type="sibTrans" cxnId="{5243FA84-BE31-4047-ADE3-46C22C912C56}">
-      <dgm:prSet/>
-      <dgm:spPr/>
-      <dgm:t>
-        <a:bodyPr/>
-        <a:lstStyle/>
-        <a:p>
-          <a:endParaRPr lang="en-US"/>
-        </a:p>
-      </dgm:t>
-    </dgm:pt>
-    <dgm:pt modelId="{CF1F82D9-203C-44F1-A3A0-096F36C9AC10}">
-      <dgm:prSet/>
-      <dgm:spPr/>
-      <dgm:t>
-        <a:bodyPr/>
-        <a:lstStyle/>
-        <a:p>
-          <a:r>
-            <a:rPr lang="en-US"/>
-            <a:t>SQL Injection Prevention</a:t>
-          </a:r>
-        </a:p>
-      </dgm:t>
-    </dgm:pt>
-    <dgm:pt modelId="{EB3DFAEC-5673-4BCC-93A5-5B53CE6333B9}" type="parTrans" cxnId="{6D9F97D0-28F6-425B-B0A5-13243450074D}">
-      <dgm:prSet/>
-      <dgm:spPr/>
-      <dgm:t>
-        <a:bodyPr/>
-        <a:lstStyle/>
-        <a:p>
-          <a:endParaRPr lang="en-US"/>
-        </a:p>
-      </dgm:t>
-    </dgm:pt>
-    <dgm:pt modelId="{F68C1CA5-8391-4DC2-912B-E74CD920EF6C}" type="sibTrans" cxnId="{6D9F97D0-28F6-425B-B0A5-13243450074D}">
-      <dgm:prSet/>
-      <dgm:spPr/>
-      <dgm:t>
-        <a:bodyPr/>
-        <a:lstStyle/>
-        <a:p>
-          <a:endParaRPr lang="en-US"/>
-        </a:p>
-      </dgm:t>
-    </dgm:pt>
-    <dgm:pt modelId="{F6D5346A-59C5-4E88-B96A-77CF3FD90427}">
-      <dgm:prSet/>
-      <dgm:spPr/>
-      <dgm:t>
-        <a:bodyPr/>
-        <a:lstStyle/>
-        <a:p>
-          <a:r>
-            <a:rPr lang="en-US"/>
-            <a:t>Built-in measures to prevent SQL injection attacks, ensuring the integrity and security of stored data at all times.</a:t>
-          </a:r>
-        </a:p>
-      </dgm:t>
-    </dgm:pt>
-    <dgm:pt modelId="{2D482033-3817-4964-BEBE-E9358643486A}" type="parTrans" cxnId="{658232A7-3E91-4CFB-BF56-18C6F9EE2AAD}">
-      <dgm:prSet/>
-      <dgm:spPr/>
-      <dgm:t>
-        <a:bodyPr/>
-        <a:lstStyle/>
-        <a:p>
-          <a:endParaRPr lang="en-US"/>
-        </a:p>
-      </dgm:t>
-    </dgm:pt>
-    <dgm:pt modelId="{7C5DBCEB-498D-4795-9FAD-A65C22804F5A}" type="sibTrans" cxnId="{658232A7-3E91-4CFB-BF56-18C6F9EE2AAD}">
-      <dgm:prSet/>
-      <dgm:spPr/>
-      <dgm:t>
-        <a:bodyPr/>
-        <a:lstStyle/>
-        <a:p>
-          <a:endParaRPr lang="en-US"/>
-        </a:p>
-      </dgm:t>
-    </dgm:pt>
-    <dgm:pt modelId="{D182B9E7-E9DA-402C-B14E-C135FB8B6E31}" type="pres">
-      <dgm:prSet presAssocID="{75D35214-CD37-4514-A5F5-365C1A2B0EC8}" presName="diagram" presStyleCnt="0">
+    <dgm:pt modelId="{6D24B3E3-71E4-49CC-B01F-D2F6C84D4C0C}" type="pres">
+      <dgm:prSet presAssocID="{0498014E-EB02-48B0-B23E-46CF3CDD2C3E}" presName="root" presStyleCnt="0">
         <dgm:presLayoutVars>
           <dgm:dir/>
           <dgm:resizeHandles val="exact"/>
@@ -2411,212 +2158,294 @@
       </dgm:prSet>
       <dgm:spPr/>
     </dgm:pt>
-    <dgm:pt modelId="{B78D510A-384F-415A-9FF8-6DE58068D919}" type="pres">
-      <dgm:prSet presAssocID="{B30C8DFF-A624-4AA7-B348-9AE951C1B23E}" presName="node" presStyleLbl="node1" presStyleIdx="0" presStyleCnt="13">
+    <dgm:pt modelId="{447868F7-0B47-4EE5-B137-771429607E56}" type="pres">
+      <dgm:prSet presAssocID="{1F032AC1-2166-40D5-A991-56DF9AE9E9E3}" presName="compNode" presStyleCnt="0"/>
+      <dgm:spPr/>
+    </dgm:pt>
+    <dgm:pt modelId="{C7374EEB-96D9-42C5-B29D-7807D857642B}" type="pres">
+      <dgm:prSet presAssocID="{1F032AC1-2166-40D5-A991-56DF9AE9E9E3}" presName="bgRect" presStyleLbl="bgShp" presStyleIdx="0" presStyleCnt="5"/>
+      <dgm:spPr/>
+    </dgm:pt>
+    <dgm:pt modelId="{ACBF57E7-0717-4BC3-AFB5-5EE512371650}" type="pres">
+      <dgm:prSet presAssocID="{1F032AC1-2166-40D5-A991-56DF9AE9E9E3}" presName="iconRect" presStyleLbl="node1" presStyleIdx="0" presStyleCnt="5"/>
+      <dgm:spPr>
+        <a:blipFill>
+          <a:blip xmlns:r="http://schemas.openxmlformats.org/officeDocument/2006/relationships" r:embed="rId1">
+            <a:extLst>
+              <a:ext uri="{28A0092B-C50C-407E-A947-70E740481C1C}">
+                <a14:useLocalDpi xmlns:a14="http://schemas.microsoft.com/office/drawing/2010/main" val="0"/>
+              </a:ext>
+              <a:ext uri="{96DAC541-7B7A-43D3-8B79-37D633B846F1}">
+                <asvg:svgBlip xmlns:asvg="http://schemas.microsoft.com/office/drawing/2016/SVG/main" r:embed="rId2"/>
+              </a:ext>
+            </a:extLst>
+          </a:blip>
+          <a:stretch>
+            <a:fillRect/>
+          </a:stretch>
+        </a:blipFill>
+      </dgm:spPr>
+      <dgm:extLst>
+        <a:ext uri="{E40237B7-FDA0-4F09-8148-C483321AD2D9}">
+          <dgm14:cNvPr xmlns:dgm14="http://schemas.microsoft.com/office/drawing/2010/diagram" id="0" name="" descr="Yhteys katkaistu"/>
+        </a:ext>
+      </dgm:extLst>
+    </dgm:pt>
+    <dgm:pt modelId="{65647463-A06D-4592-AE0C-5F8BE75989F9}" type="pres">
+      <dgm:prSet presAssocID="{1F032AC1-2166-40D5-A991-56DF9AE9E9E3}" presName="spaceRect" presStyleCnt="0"/>
+      <dgm:spPr/>
+    </dgm:pt>
+    <dgm:pt modelId="{E931A9A1-A83B-4D00-9F43-C14E61C2A905}" type="pres">
+      <dgm:prSet presAssocID="{1F032AC1-2166-40D5-A991-56DF9AE9E9E3}" presName="parTx" presStyleLbl="revTx" presStyleIdx="0" presStyleCnt="5">
         <dgm:presLayoutVars>
-          <dgm:bulletEnabled val="1"/>
+          <dgm:chMax val="0"/>
+          <dgm:chPref val="0"/>
         </dgm:presLayoutVars>
       </dgm:prSet>
       <dgm:spPr/>
     </dgm:pt>
-    <dgm:pt modelId="{AD9B9FD1-AFCB-4731-A54E-D8CB278CFC15}" type="pres">
-      <dgm:prSet presAssocID="{F23BA889-AE55-45E2-8178-43E67D0B266B}" presName="sibTrans" presStyleCnt="0"/>
+    <dgm:pt modelId="{A1847171-9E19-46BA-B52C-44D235F5587C}" type="pres">
+      <dgm:prSet presAssocID="{276BF111-B286-4798-B437-4CF1AB37F643}" presName="sibTrans" presStyleCnt="0"/>
       <dgm:spPr/>
     </dgm:pt>
-    <dgm:pt modelId="{C55275CA-363D-437A-BA84-755A9A3C4A5D}" type="pres">
-      <dgm:prSet presAssocID="{0C89A7AA-D7D2-4CDB-8095-6AE75322416F}" presName="node" presStyleLbl="node1" presStyleIdx="1" presStyleCnt="13">
+    <dgm:pt modelId="{51591AD6-FD25-4EA4-B1C0-24D7B2F95210}" type="pres">
+      <dgm:prSet presAssocID="{C036B21D-0ECA-47A2-AC03-1F47D8D2D580}" presName="compNode" presStyleCnt="0"/>
+      <dgm:spPr/>
+    </dgm:pt>
+    <dgm:pt modelId="{83901762-5EF6-4F63-96EF-AF4C2337FBB4}" type="pres">
+      <dgm:prSet presAssocID="{C036B21D-0ECA-47A2-AC03-1F47D8D2D580}" presName="bgRect" presStyleLbl="bgShp" presStyleIdx="1" presStyleCnt="5"/>
+      <dgm:spPr/>
+    </dgm:pt>
+    <dgm:pt modelId="{71DF8A43-F5E1-4C8C-9F49-A54F7CECFFE2}" type="pres">
+      <dgm:prSet presAssocID="{C036B21D-0ECA-47A2-AC03-1F47D8D2D580}" presName="iconRect" presStyleLbl="node1" presStyleIdx="1" presStyleCnt="5"/>
+      <dgm:spPr>
+        <a:blipFill>
+          <a:blip xmlns:r="http://schemas.openxmlformats.org/officeDocument/2006/relationships" r:embed="rId3">
+            <a:extLst>
+              <a:ext uri="{28A0092B-C50C-407E-A947-70E740481C1C}">
+                <a14:useLocalDpi xmlns:a14="http://schemas.microsoft.com/office/drawing/2010/main" val="0"/>
+              </a:ext>
+              <a:ext uri="{96DAC541-7B7A-43D3-8B79-37D633B846F1}">
+                <asvg:svgBlip xmlns:asvg="http://schemas.microsoft.com/office/drawing/2016/SVG/main" r:embed="rId4"/>
+              </a:ext>
+            </a:extLst>
+          </a:blip>
+          <a:stretch>
+            <a:fillRect/>
+          </a:stretch>
+        </a:blipFill>
+      </dgm:spPr>
+      <dgm:extLst>
+        <a:ext uri="{E40237B7-FDA0-4F09-8148-C483321AD2D9}">
+          <dgm14:cNvPr xmlns:dgm14="http://schemas.microsoft.com/office/drawing/2010/diagram" id="0" name="" descr="Lukitse"/>
+        </a:ext>
+      </dgm:extLst>
+    </dgm:pt>
+    <dgm:pt modelId="{BAB57515-1FB8-4FEF-A691-7C72C1693589}" type="pres">
+      <dgm:prSet presAssocID="{C036B21D-0ECA-47A2-AC03-1F47D8D2D580}" presName="spaceRect" presStyleCnt="0"/>
+      <dgm:spPr/>
+    </dgm:pt>
+    <dgm:pt modelId="{CDBB3761-4F7F-4CCF-B849-DE01E046135D}" type="pres">
+      <dgm:prSet presAssocID="{C036B21D-0ECA-47A2-AC03-1F47D8D2D580}" presName="parTx" presStyleLbl="revTx" presStyleIdx="1" presStyleCnt="5">
         <dgm:presLayoutVars>
-          <dgm:bulletEnabled val="1"/>
+          <dgm:chMax val="0"/>
+          <dgm:chPref val="0"/>
         </dgm:presLayoutVars>
       </dgm:prSet>
       <dgm:spPr/>
     </dgm:pt>
-    <dgm:pt modelId="{E1CC14AB-1EFE-4195-92FD-B3EF3C9C97C5}" type="pres">
-      <dgm:prSet presAssocID="{57900CF3-7389-4317-B20B-4E6D2ACCF9BD}" presName="sibTrans" presStyleCnt="0"/>
+    <dgm:pt modelId="{589021F2-AE29-4D95-A5CA-B9361ACC7338}" type="pres">
+      <dgm:prSet presAssocID="{733C4C74-B0E4-44DC-A75A-505953396AB8}" presName="sibTrans" presStyleCnt="0"/>
       <dgm:spPr/>
     </dgm:pt>
-    <dgm:pt modelId="{38B979DB-6192-411A-B5E4-D0E983128013}" type="pres">
-      <dgm:prSet presAssocID="{071925E9-8428-4CE7-86E1-9A7DC5B80E64}" presName="node" presStyleLbl="node1" presStyleIdx="2" presStyleCnt="13">
+    <dgm:pt modelId="{EA85AE67-9CC4-417A-94BF-8FA91D27CFF1}" type="pres">
+      <dgm:prSet presAssocID="{25465CEC-527E-45A5-95DF-2E90B9549978}" presName="compNode" presStyleCnt="0"/>
+      <dgm:spPr/>
+    </dgm:pt>
+    <dgm:pt modelId="{1094DAE5-E4CD-4842-A876-8ADAB991EB70}" type="pres">
+      <dgm:prSet presAssocID="{25465CEC-527E-45A5-95DF-2E90B9549978}" presName="bgRect" presStyleLbl="bgShp" presStyleIdx="2" presStyleCnt="5"/>
+      <dgm:spPr/>
+    </dgm:pt>
+    <dgm:pt modelId="{1B5429A5-F645-4373-B6F2-3E2D6667F0EA}" type="pres">
+      <dgm:prSet presAssocID="{25465CEC-527E-45A5-95DF-2E90B9549978}" presName="iconRect" presStyleLbl="node1" presStyleIdx="2" presStyleCnt="5"/>
+      <dgm:spPr>
+        <a:blipFill>
+          <a:blip xmlns:r="http://schemas.openxmlformats.org/officeDocument/2006/relationships" r:embed="rId5">
+            <a:extLst>
+              <a:ext uri="{28A0092B-C50C-407E-A947-70E740481C1C}">
+                <a14:useLocalDpi xmlns:a14="http://schemas.microsoft.com/office/drawing/2010/main" val="0"/>
+              </a:ext>
+              <a:ext uri="{96DAC541-7B7A-43D3-8B79-37D633B846F1}">
+                <asvg:svgBlip xmlns:asvg="http://schemas.microsoft.com/office/drawing/2016/SVG/main" r:embed="rId6"/>
+              </a:ext>
+            </a:extLst>
+          </a:blip>
+          <a:stretch>
+            <a:fillRect/>
+          </a:stretch>
+        </a:blipFill>
+      </dgm:spPr>
+      <dgm:extLst>
+        <a:ext uri="{E40237B7-FDA0-4F09-8148-C483321AD2D9}">
+          <dgm14:cNvPr xmlns:dgm14="http://schemas.microsoft.com/office/drawing/2010/diagram" id="0" name="" descr="Palvelin"/>
+        </a:ext>
+      </dgm:extLst>
+    </dgm:pt>
+    <dgm:pt modelId="{D1CAB049-3DE3-41FA-BA6B-73FE7879FD0A}" type="pres">
+      <dgm:prSet presAssocID="{25465CEC-527E-45A5-95DF-2E90B9549978}" presName="spaceRect" presStyleCnt="0"/>
+      <dgm:spPr/>
+    </dgm:pt>
+    <dgm:pt modelId="{491CEB66-2EC7-4F0E-A3E0-30216A5C2BC9}" type="pres">
+      <dgm:prSet presAssocID="{25465CEC-527E-45A5-95DF-2E90B9549978}" presName="parTx" presStyleLbl="revTx" presStyleIdx="2" presStyleCnt="5">
         <dgm:presLayoutVars>
-          <dgm:bulletEnabled val="1"/>
+          <dgm:chMax val="0"/>
+          <dgm:chPref val="0"/>
         </dgm:presLayoutVars>
       </dgm:prSet>
       <dgm:spPr/>
     </dgm:pt>
-    <dgm:pt modelId="{EE892628-4156-4327-ABD6-46108BF023AB}" type="pres">
-      <dgm:prSet presAssocID="{ACED7110-F325-4B64-A9F1-FAA1339C5B7F}" presName="sibTrans" presStyleCnt="0"/>
+    <dgm:pt modelId="{C9ACF3A3-428C-4F28-8C08-8771F79087EB}" type="pres">
+      <dgm:prSet presAssocID="{9893F159-E6C9-4EFA-9AA6-BCE34B462BCF}" presName="sibTrans" presStyleCnt="0"/>
       <dgm:spPr/>
     </dgm:pt>
-    <dgm:pt modelId="{362FF93F-D2A3-4AFE-A36B-1D5DB1B0A889}" type="pres">
-      <dgm:prSet presAssocID="{7E898C3E-87F9-4E9B-B547-1EEB8E6C3995}" presName="node" presStyleLbl="node1" presStyleIdx="3" presStyleCnt="13">
+    <dgm:pt modelId="{9854FDE8-52C5-4482-BE77-1C92D7DA39EB}" type="pres">
+      <dgm:prSet presAssocID="{DC9F36B7-B64C-4579-919F-68D317F43796}" presName="compNode" presStyleCnt="0"/>
+      <dgm:spPr/>
+    </dgm:pt>
+    <dgm:pt modelId="{7DAA1061-B0F3-4FB7-9B40-2974B68C9231}" type="pres">
+      <dgm:prSet presAssocID="{DC9F36B7-B64C-4579-919F-68D317F43796}" presName="bgRect" presStyleLbl="bgShp" presStyleIdx="3" presStyleCnt="5"/>
+      <dgm:spPr/>
+    </dgm:pt>
+    <dgm:pt modelId="{EF820310-14C2-4B2A-A684-227CB488E93F}" type="pres">
+      <dgm:prSet presAssocID="{DC9F36B7-B64C-4579-919F-68D317F43796}" presName="iconRect" presStyleLbl="node1" presStyleIdx="3" presStyleCnt="5"/>
+      <dgm:spPr>
+        <a:blipFill>
+          <a:blip xmlns:r="http://schemas.openxmlformats.org/officeDocument/2006/relationships" r:embed="rId7">
+            <a:extLst>
+              <a:ext uri="{28A0092B-C50C-407E-A947-70E740481C1C}">
+                <a14:useLocalDpi xmlns:a14="http://schemas.microsoft.com/office/drawing/2010/main" val="0"/>
+              </a:ext>
+              <a:ext uri="{96DAC541-7B7A-43D3-8B79-37D633B846F1}">
+                <asvg:svgBlip xmlns:asvg="http://schemas.microsoft.com/office/drawing/2016/SVG/main" r:embed="rId8"/>
+              </a:ext>
+            </a:extLst>
+          </a:blip>
+          <a:stretch>
+            <a:fillRect/>
+          </a:stretch>
+        </a:blipFill>
+      </dgm:spPr>
+      <dgm:extLst>
+        <a:ext uri="{E40237B7-FDA0-4F09-8148-C483321AD2D9}">
+          <dgm14:cNvPr xmlns:dgm14="http://schemas.microsoft.com/office/drawing/2010/diagram" id="0" name="" descr="Avain"/>
+        </a:ext>
+      </dgm:extLst>
+    </dgm:pt>
+    <dgm:pt modelId="{6D81AA8F-6C7C-4CB2-8D17-90822F8C3597}" type="pres">
+      <dgm:prSet presAssocID="{DC9F36B7-B64C-4579-919F-68D317F43796}" presName="spaceRect" presStyleCnt="0"/>
+      <dgm:spPr/>
+    </dgm:pt>
+    <dgm:pt modelId="{882B0266-83C4-4D72-8CDC-95613AE644AF}" type="pres">
+      <dgm:prSet presAssocID="{DC9F36B7-B64C-4579-919F-68D317F43796}" presName="parTx" presStyleLbl="revTx" presStyleIdx="3" presStyleCnt="5">
         <dgm:presLayoutVars>
-          <dgm:bulletEnabled val="1"/>
+          <dgm:chMax val="0"/>
+          <dgm:chPref val="0"/>
         </dgm:presLayoutVars>
       </dgm:prSet>
       <dgm:spPr/>
     </dgm:pt>
-    <dgm:pt modelId="{6F6FF8F2-5F5E-484D-976E-B619036D1484}" type="pres">
-      <dgm:prSet presAssocID="{23601476-F845-4673-9BC3-6171A7CA63E2}" presName="sibTrans" presStyleCnt="0"/>
+    <dgm:pt modelId="{0DA8BC39-D667-4EEC-BA5E-EDBDE363404F}" type="pres">
+      <dgm:prSet presAssocID="{A0A23153-896B-4C21-87A5-29F3CF498B90}" presName="sibTrans" presStyleCnt="0"/>
       <dgm:spPr/>
     </dgm:pt>
-    <dgm:pt modelId="{8AB869EA-1EFE-417E-8097-7E70E9E29B2A}" type="pres">
-      <dgm:prSet presAssocID="{994A79B8-674E-4753-B376-86CEBD3929B4}" presName="node" presStyleLbl="node1" presStyleIdx="4" presStyleCnt="13">
-        <dgm:presLayoutVars>
-          <dgm:bulletEnabled val="1"/>
-        </dgm:presLayoutVars>
-      </dgm:prSet>
+    <dgm:pt modelId="{CF518451-0461-473A-B41D-8E4DACBB9670}" type="pres">
+      <dgm:prSet presAssocID="{4730BD74-14AA-47D8-98C2-EB97CEC2C889}" presName="compNode" presStyleCnt="0"/>
       <dgm:spPr/>
     </dgm:pt>
-    <dgm:pt modelId="{3A7D9AF9-A591-4527-842D-409492A1C382}" type="pres">
-      <dgm:prSet presAssocID="{5E4BE519-06C6-4592-978B-CD597C586892}" presName="sibTrans" presStyleCnt="0"/>
+    <dgm:pt modelId="{D73A1BBD-8010-43FF-998E-3739A71BA1DC}" type="pres">
+      <dgm:prSet presAssocID="{4730BD74-14AA-47D8-98C2-EB97CEC2C889}" presName="bgRect" presStyleLbl="bgShp" presStyleIdx="4" presStyleCnt="5"/>
       <dgm:spPr/>
     </dgm:pt>
-    <dgm:pt modelId="{86E29782-4DEA-4C69-81CF-13150D983227}" type="pres">
-      <dgm:prSet presAssocID="{40360323-D8A5-40E0-8367-C271A1A21608}" presName="node" presStyleLbl="node1" presStyleIdx="5" presStyleCnt="13">
-        <dgm:presLayoutVars>
-          <dgm:bulletEnabled val="1"/>
-        </dgm:presLayoutVars>
-      </dgm:prSet>
+    <dgm:pt modelId="{B54676CA-7F19-4EA0-A142-14FBE9A6AA96}" type="pres">
+      <dgm:prSet presAssocID="{4730BD74-14AA-47D8-98C2-EB97CEC2C889}" presName="iconRect" presStyleLbl="node1" presStyleIdx="4" presStyleCnt="5"/>
+      <dgm:spPr>
+        <a:blipFill>
+          <a:blip xmlns:r="http://schemas.openxmlformats.org/officeDocument/2006/relationships" r:embed="rId9">
+            <a:extLst>
+              <a:ext uri="{28A0092B-C50C-407E-A947-70E740481C1C}">
+                <a14:useLocalDpi xmlns:a14="http://schemas.microsoft.com/office/drawing/2010/main" val="0"/>
+              </a:ext>
+              <a:ext uri="{96DAC541-7B7A-43D3-8B79-37D633B846F1}">
+                <asvg:svgBlip xmlns:asvg="http://schemas.microsoft.com/office/drawing/2016/SVG/main" r:embed="rId10"/>
+              </a:ext>
+            </a:extLst>
+          </a:blip>
+          <a:stretch>
+            <a:fillRect/>
+          </a:stretch>
+        </a:blipFill>
+      </dgm:spPr>
+      <dgm:extLst>
+        <a:ext uri="{E40237B7-FDA0-4F09-8148-C483321AD2D9}">
+          <dgm14:cNvPr xmlns:dgm14="http://schemas.microsoft.com/office/drawing/2010/diagram" id="0" name="" descr="Lukon avaaminen"/>
+        </a:ext>
+      </dgm:extLst>
+    </dgm:pt>
+    <dgm:pt modelId="{53DC28E4-007D-4A57-A135-6409493ACB37}" type="pres">
+      <dgm:prSet presAssocID="{4730BD74-14AA-47D8-98C2-EB97CEC2C889}" presName="spaceRect" presStyleCnt="0"/>
       <dgm:spPr/>
     </dgm:pt>
-    <dgm:pt modelId="{D12833F7-D60E-4337-AB0E-7D55A60AFA53}" type="pres">
-      <dgm:prSet presAssocID="{EE9FB1F7-8B56-427C-A5EC-CDD57675D257}" presName="sibTrans" presStyleCnt="0"/>
-      <dgm:spPr/>
-    </dgm:pt>
-    <dgm:pt modelId="{E7C045B1-E44A-4AB0-9411-9E1FA3E34C47}" type="pres">
-      <dgm:prSet presAssocID="{2F563A90-978C-4BC9-8401-B6EACA8006BE}" presName="node" presStyleLbl="node1" presStyleIdx="6" presStyleCnt="13">
+    <dgm:pt modelId="{37FA8320-246D-4F77-9E21-B6896F57BEBD}" type="pres">
+      <dgm:prSet presAssocID="{4730BD74-14AA-47D8-98C2-EB97CEC2C889}" presName="parTx" presStyleLbl="revTx" presStyleIdx="4" presStyleCnt="5">
         <dgm:presLayoutVars>
-          <dgm:bulletEnabled val="1"/>
-        </dgm:presLayoutVars>
-      </dgm:prSet>
-      <dgm:spPr/>
-    </dgm:pt>
-    <dgm:pt modelId="{43D9B436-7857-49C1-A3A0-24C5A902722F}" type="pres">
-      <dgm:prSet presAssocID="{C5E14EEE-030A-40D9-97A3-56BB3765E877}" presName="sibTrans" presStyleCnt="0"/>
-      <dgm:spPr/>
-    </dgm:pt>
-    <dgm:pt modelId="{FF65DDFE-9B63-4E1F-B3D0-C7385ADC9B16}" type="pres">
-      <dgm:prSet presAssocID="{6879BC41-B778-421D-B957-6953A7687C19}" presName="node" presStyleLbl="node1" presStyleIdx="7" presStyleCnt="13">
-        <dgm:presLayoutVars>
-          <dgm:bulletEnabled val="1"/>
-        </dgm:presLayoutVars>
-      </dgm:prSet>
-      <dgm:spPr/>
-    </dgm:pt>
-    <dgm:pt modelId="{0439872E-2E08-43E9-94A9-E1F79C9756E3}" type="pres">
-      <dgm:prSet presAssocID="{BBB058FC-08A9-48FC-A8C9-40B555604241}" presName="sibTrans" presStyleCnt="0"/>
-      <dgm:spPr/>
-    </dgm:pt>
-    <dgm:pt modelId="{95D1D628-4A0D-4554-BB46-2CF07FC6394F}" type="pres">
-      <dgm:prSet presAssocID="{92E60DCB-478C-4DE5-94CE-3E5E7656A545}" presName="node" presStyleLbl="node1" presStyleIdx="8" presStyleCnt="13">
-        <dgm:presLayoutVars>
-          <dgm:bulletEnabled val="1"/>
-        </dgm:presLayoutVars>
-      </dgm:prSet>
-      <dgm:spPr/>
-    </dgm:pt>
-    <dgm:pt modelId="{374B2D64-1883-458A-959E-39FDC3657BF3}" type="pres">
-      <dgm:prSet presAssocID="{6502662A-ED46-47BF-A1CC-41D26762C471}" presName="sibTrans" presStyleCnt="0"/>
-      <dgm:spPr/>
-    </dgm:pt>
-    <dgm:pt modelId="{A285FD7B-607F-473A-95C2-B11D599B9EEB}" type="pres">
-      <dgm:prSet presAssocID="{B89B6CA5-A44E-409D-9064-2416F835407D}" presName="node" presStyleLbl="node1" presStyleIdx="9" presStyleCnt="13">
-        <dgm:presLayoutVars>
-          <dgm:bulletEnabled val="1"/>
-        </dgm:presLayoutVars>
-      </dgm:prSet>
-      <dgm:spPr/>
-    </dgm:pt>
-    <dgm:pt modelId="{AF55D13B-9518-46DB-81D1-6BBBD3E19E2C}" type="pres">
-      <dgm:prSet presAssocID="{57026105-1468-4B14-98C6-5C0A11C5899C}" presName="sibTrans" presStyleCnt="0"/>
-      <dgm:spPr/>
-    </dgm:pt>
-    <dgm:pt modelId="{4495D6BE-7734-46EC-9ADD-6E793AFF238C}" type="pres">
-      <dgm:prSet presAssocID="{5ECB4316-C10E-4C41-BDE8-C5C06BCB0FF4}" presName="node" presStyleLbl="node1" presStyleIdx="10" presStyleCnt="13">
-        <dgm:presLayoutVars>
-          <dgm:bulletEnabled val="1"/>
-        </dgm:presLayoutVars>
-      </dgm:prSet>
-      <dgm:spPr/>
-    </dgm:pt>
-    <dgm:pt modelId="{01864A49-C72A-4CB5-8A78-078B7893D486}" type="pres">
-      <dgm:prSet presAssocID="{E10C5954-72B2-4428-9E96-61B717750A15}" presName="sibTrans" presStyleCnt="0"/>
-      <dgm:spPr/>
-    </dgm:pt>
-    <dgm:pt modelId="{1DA35101-65DB-4B0E-AD21-791C275009FC}" type="pres">
-      <dgm:prSet presAssocID="{CF1F82D9-203C-44F1-A3A0-096F36C9AC10}" presName="node" presStyleLbl="node1" presStyleIdx="11" presStyleCnt="13">
-        <dgm:presLayoutVars>
-          <dgm:bulletEnabled val="1"/>
-        </dgm:presLayoutVars>
-      </dgm:prSet>
-      <dgm:spPr/>
-    </dgm:pt>
-    <dgm:pt modelId="{DAF04923-C07A-49B6-98B9-2ACB85766DF9}" type="pres">
-      <dgm:prSet presAssocID="{F68C1CA5-8391-4DC2-912B-E74CD920EF6C}" presName="sibTrans" presStyleCnt="0"/>
-      <dgm:spPr/>
-    </dgm:pt>
-    <dgm:pt modelId="{1901A4B3-F53D-4955-B47D-4F47B744F9DA}" type="pres">
-      <dgm:prSet presAssocID="{F6D5346A-59C5-4E88-B96A-77CF3FD90427}" presName="node" presStyleLbl="node1" presStyleIdx="12" presStyleCnt="13">
-        <dgm:presLayoutVars>
-          <dgm:bulletEnabled val="1"/>
+          <dgm:chMax val="0"/>
+          <dgm:chPref val="0"/>
         </dgm:presLayoutVars>
       </dgm:prSet>
       <dgm:spPr/>
     </dgm:pt>
   </dgm:ptLst>
   <dgm:cxnLst>
-    <dgm:cxn modelId="{0D0E9F08-9156-49E5-8950-0190778DC901}" srcId="{75D35214-CD37-4514-A5F5-365C1A2B0EC8}" destId="{7E898C3E-87F9-4E9B-B547-1EEB8E6C3995}" srcOrd="3" destOrd="0" parTransId="{24567E59-D325-43C4-AEA5-24A5FBA896BD}" sibTransId="{23601476-F845-4673-9BC3-6171A7CA63E2}"/>
-    <dgm:cxn modelId="{9F75A022-C235-4B01-8789-0AA6AFC5AFC0}" srcId="{75D35214-CD37-4514-A5F5-365C1A2B0EC8}" destId="{6879BC41-B778-421D-B957-6953A7687C19}" srcOrd="7" destOrd="0" parTransId="{0AA4028E-D9A0-4907-BC4D-1D78642B7909}" sibTransId="{BBB058FC-08A9-48FC-A8C9-40B555604241}"/>
-    <dgm:cxn modelId="{5C0E3C29-426C-4655-B55A-C9272CE2CA6B}" srcId="{75D35214-CD37-4514-A5F5-365C1A2B0EC8}" destId="{994A79B8-674E-4753-B376-86CEBD3929B4}" srcOrd="4" destOrd="0" parTransId="{58DBEC02-977D-4C3D-998D-29CEAB01F386}" sibTransId="{5E4BE519-06C6-4592-978B-CD597C586892}"/>
-    <dgm:cxn modelId="{B8238A38-3FE9-4158-857D-473DB55627FC}" type="presOf" srcId="{75D35214-CD37-4514-A5F5-365C1A2B0EC8}" destId="{D182B9E7-E9DA-402C-B14E-C135FB8B6E31}" srcOrd="0" destOrd="0" presId="urn:microsoft.com/office/officeart/2005/8/layout/default"/>
-    <dgm:cxn modelId="{57565661-BC53-4A8E-B153-1FC9035B0498}" type="presOf" srcId="{7E898C3E-87F9-4E9B-B547-1EEB8E6C3995}" destId="{362FF93F-D2A3-4AFE-A36B-1D5DB1B0A889}" srcOrd="0" destOrd="0" presId="urn:microsoft.com/office/officeart/2005/8/layout/default"/>
-    <dgm:cxn modelId="{3B018A48-29D3-4911-9871-44A17923145C}" srcId="{75D35214-CD37-4514-A5F5-365C1A2B0EC8}" destId="{071925E9-8428-4CE7-86E1-9A7DC5B80E64}" srcOrd="2" destOrd="0" parTransId="{5CC9C912-5072-48B9-9C48-19209A6F3267}" sibTransId="{ACED7110-F325-4B64-A9F1-FAA1339C5B7F}"/>
-    <dgm:cxn modelId="{934A0B6A-7EB7-4D92-A5BB-CFF6DC7EAE7D}" type="presOf" srcId="{5ECB4316-C10E-4C41-BDE8-C5C06BCB0FF4}" destId="{4495D6BE-7734-46EC-9ADD-6E793AFF238C}" srcOrd="0" destOrd="0" presId="urn:microsoft.com/office/officeart/2005/8/layout/default"/>
-    <dgm:cxn modelId="{4BAA716B-14D9-4903-BDED-1AAE53EB62CE}" type="presOf" srcId="{0C89A7AA-D7D2-4CDB-8095-6AE75322416F}" destId="{C55275CA-363D-437A-BA84-755A9A3C4A5D}" srcOrd="0" destOrd="0" presId="urn:microsoft.com/office/officeart/2005/8/layout/default"/>
-    <dgm:cxn modelId="{5243FA84-BE31-4047-ADE3-46C22C912C56}" srcId="{75D35214-CD37-4514-A5F5-365C1A2B0EC8}" destId="{5ECB4316-C10E-4C41-BDE8-C5C06BCB0FF4}" srcOrd="10" destOrd="0" parTransId="{87ED577D-FCB2-4339-B438-242471C99541}" sibTransId="{E10C5954-72B2-4428-9E96-61B717750A15}"/>
-    <dgm:cxn modelId="{C2298C8A-C2F3-4A17-BE13-25E6B04D877C}" type="presOf" srcId="{CF1F82D9-203C-44F1-A3A0-096F36C9AC10}" destId="{1DA35101-65DB-4B0E-AD21-791C275009FC}" srcOrd="0" destOrd="0" presId="urn:microsoft.com/office/officeart/2005/8/layout/default"/>
-    <dgm:cxn modelId="{D7336492-41D0-4C1C-A499-C937EFA2D43F}" type="presOf" srcId="{071925E9-8428-4CE7-86E1-9A7DC5B80E64}" destId="{38B979DB-6192-411A-B5E4-D0E983128013}" srcOrd="0" destOrd="0" presId="urn:microsoft.com/office/officeart/2005/8/layout/default"/>
-    <dgm:cxn modelId="{23389A95-ADCD-4ED0-B76A-E63BB606F5A6}" type="presOf" srcId="{B89B6CA5-A44E-409D-9064-2416F835407D}" destId="{A285FD7B-607F-473A-95C2-B11D599B9EEB}" srcOrd="0" destOrd="0" presId="urn:microsoft.com/office/officeart/2005/8/layout/default"/>
-    <dgm:cxn modelId="{D5F43FA3-1AB2-413A-981C-B388C2AB5587}" type="presOf" srcId="{F6D5346A-59C5-4E88-B96A-77CF3FD90427}" destId="{1901A4B3-F53D-4955-B47D-4F47B744F9DA}" srcOrd="0" destOrd="0" presId="urn:microsoft.com/office/officeart/2005/8/layout/default"/>
-    <dgm:cxn modelId="{9CB4EDA6-6F15-40C4-8965-3974BDEBAD3A}" srcId="{75D35214-CD37-4514-A5F5-365C1A2B0EC8}" destId="{0C89A7AA-D7D2-4CDB-8095-6AE75322416F}" srcOrd="1" destOrd="0" parTransId="{3CBCDF49-C39D-4132-8FA6-F6B5A2B23967}" sibTransId="{57900CF3-7389-4317-B20B-4E6D2ACCF9BD}"/>
-    <dgm:cxn modelId="{658232A7-3E91-4CFB-BF56-18C6F9EE2AAD}" srcId="{75D35214-CD37-4514-A5F5-365C1A2B0EC8}" destId="{F6D5346A-59C5-4E88-B96A-77CF3FD90427}" srcOrd="12" destOrd="0" parTransId="{2D482033-3817-4964-BEBE-E9358643486A}" sibTransId="{7C5DBCEB-498D-4795-9FAD-A65C22804F5A}"/>
-    <dgm:cxn modelId="{93D210B9-2E09-4B5C-88F9-690EB257B8E1}" srcId="{75D35214-CD37-4514-A5F5-365C1A2B0EC8}" destId="{92E60DCB-478C-4DE5-94CE-3E5E7656A545}" srcOrd="8" destOrd="0" parTransId="{89E0AAD4-736F-4646-8D2D-9CC63E8EE58A}" sibTransId="{6502662A-ED46-47BF-A1CC-41D26762C471}"/>
-    <dgm:cxn modelId="{5B0EB9BC-6A26-4BEA-B922-7DA82C8BB657}" type="presOf" srcId="{40360323-D8A5-40E0-8367-C271A1A21608}" destId="{86E29782-4DEA-4C69-81CF-13150D983227}" srcOrd="0" destOrd="0" presId="urn:microsoft.com/office/officeart/2005/8/layout/default"/>
-    <dgm:cxn modelId="{10C648C9-7362-41B7-BAFD-EA5BEC8F90B4}" type="presOf" srcId="{994A79B8-674E-4753-B376-86CEBD3929B4}" destId="{8AB869EA-1EFE-417E-8097-7E70E9E29B2A}" srcOrd="0" destOrd="0" presId="urn:microsoft.com/office/officeart/2005/8/layout/default"/>
-    <dgm:cxn modelId="{A6FDB8CA-CE45-4592-A114-5814083305D0}" srcId="{75D35214-CD37-4514-A5F5-365C1A2B0EC8}" destId="{2F563A90-978C-4BC9-8401-B6EACA8006BE}" srcOrd="6" destOrd="0" parTransId="{4666719F-7186-4CBC-9CB5-797D296FCF58}" sibTransId="{C5E14EEE-030A-40D9-97A3-56BB3765E877}"/>
-    <dgm:cxn modelId="{2BCECFCC-F0BC-4DDF-AE84-3A10AAF266FB}" type="presOf" srcId="{6879BC41-B778-421D-B957-6953A7687C19}" destId="{FF65DDFE-9B63-4E1F-B3D0-C7385ADC9B16}" srcOrd="0" destOrd="0" presId="urn:microsoft.com/office/officeart/2005/8/layout/default"/>
-    <dgm:cxn modelId="{6D9F97D0-28F6-425B-B0A5-13243450074D}" srcId="{75D35214-CD37-4514-A5F5-365C1A2B0EC8}" destId="{CF1F82D9-203C-44F1-A3A0-096F36C9AC10}" srcOrd="11" destOrd="0" parTransId="{EB3DFAEC-5673-4BCC-93A5-5B53CE6333B9}" sibTransId="{F68C1CA5-8391-4DC2-912B-E74CD920EF6C}"/>
-    <dgm:cxn modelId="{74B5AED4-EC0C-464C-A778-F9A49CC7D591}" type="presOf" srcId="{B30C8DFF-A624-4AA7-B348-9AE951C1B23E}" destId="{B78D510A-384F-415A-9FF8-6DE58068D919}" srcOrd="0" destOrd="0" presId="urn:microsoft.com/office/officeart/2005/8/layout/default"/>
-    <dgm:cxn modelId="{3E8DC4D9-7E52-47BB-AB07-5303B303AC60}" srcId="{75D35214-CD37-4514-A5F5-365C1A2B0EC8}" destId="{B30C8DFF-A624-4AA7-B348-9AE951C1B23E}" srcOrd="0" destOrd="0" parTransId="{3EAC37F7-6FB2-40C0-A6E3-0C4BB05A3552}" sibTransId="{F23BA889-AE55-45E2-8178-43E67D0B266B}"/>
-    <dgm:cxn modelId="{CC5A1ADD-239D-43F9-BB0A-3816B3B56C07}" type="presOf" srcId="{92E60DCB-478C-4DE5-94CE-3E5E7656A545}" destId="{95D1D628-4A0D-4554-BB46-2CF07FC6394F}" srcOrd="0" destOrd="0" presId="urn:microsoft.com/office/officeart/2005/8/layout/default"/>
-    <dgm:cxn modelId="{CEF9EBE1-864D-4ECB-9B66-0DF836C3E4FA}" type="presOf" srcId="{2F563A90-978C-4BC9-8401-B6EACA8006BE}" destId="{E7C045B1-E44A-4AB0-9411-9E1FA3E34C47}" srcOrd="0" destOrd="0" presId="urn:microsoft.com/office/officeart/2005/8/layout/default"/>
-    <dgm:cxn modelId="{43C7A2ED-CD7D-44AD-A8F2-BDCC6A58C9E4}" srcId="{75D35214-CD37-4514-A5F5-365C1A2B0EC8}" destId="{B89B6CA5-A44E-409D-9064-2416F835407D}" srcOrd="9" destOrd="0" parTransId="{A2FBD5B5-C6AB-433C-B06D-02359C0E566D}" sibTransId="{57026105-1468-4B14-98C6-5C0A11C5899C}"/>
-    <dgm:cxn modelId="{32E2C7F3-BC57-4371-B0A4-D80DBD14FBD2}" srcId="{75D35214-CD37-4514-A5F5-365C1A2B0EC8}" destId="{40360323-D8A5-40E0-8367-C271A1A21608}" srcOrd="5" destOrd="0" parTransId="{B9F2F3C9-C15D-41E3-9EA7-71DB3E7C26FE}" sibTransId="{EE9FB1F7-8B56-427C-A5EC-CDD57675D257}"/>
-    <dgm:cxn modelId="{19468149-F8DB-4E4C-B2E1-5BD0153A77FA}" type="presParOf" srcId="{D182B9E7-E9DA-402C-B14E-C135FB8B6E31}" destId="{B78D510A-384F-415A-9FF8-6DE58068D919}" srcOrd="0" destOrd="0" presId="urn:microsoft.com/office/officeart/2005/8/layout/default"/>
-    <dgm:cxn modelId="{C64A7FCF-08BC-43B9-BD19-F435571CD212}" type="presParOf" srcId="{D182B9E7-E9DA-402C-B14E-C135FB8B6E31}" destId="{AD9B9FD1-AFCB-4731-A54E-D8CB278CFC15}" srcOrd="1" destOrd="0" presId="urn:microsoft.com/office/officeart/2005/8/layout/default"/>
-    <dgm:cxn modelId="{27133686-8CC0-4C31-8CB4-233D48852999}" type="presParOf" srcId="{D182B9E7-E9DA-402C-B14E-C135FB8B6E31}" destId="{C55275CA-363D-437A-BA84-755A9A3C4A5D}" srcOrd="2" destOrd="0" presId="urn:microsoft.com/office/officeart/2005/8/layout/default"/>
-    <dgm:cxn modelId="{358477C8-3B12-4BA6-89D4-4C65148381F9}" type="presParOf" srcId="{D182B9E7-E9DA-402C-B14E-C135FB8B6E31}" destId="{E1CC14AB-1EFE-4195-92FD-B3EF3C9C97C5}" srcOrd="3" destOrd="0" presId="urn:microsoft.com/office/officeart/2005/8/layout/default"/>
-    <dgm:cxn modelId="{F1B79371-23C7-4E90-AE6D-498DCD46460C}" type="presParOf" srcId="{D182B9E7-E9DA-402C-B14E-C135FB8B6E31}" destId="{38B979DB-6192-411A-B5E4-D0E983128013}" srcOrd="4" destOrd="0" presId="urn:microsoft.com/office/officeart/2005/8/layout/default"/>
-    <dgm:cxn modelId="{90EA4C1B-61A2-4802-A0C4-4CE858FFF70A}" type="presParOf" srcId="{D182B9E7-E9DA-402C-B14E-C135FB8B6E31}" destId="{EE892628-4156-4327-ABD6-46108BF023AB}" srcOrd="5" destOrd="0" presId="urn:microsoft.com/office/officeart/2005/8/layout/default"/>
-    <dgm:cxn modelId="{CB6588FA-A1D5-4997-9F92-F45257804B54}" type="presParOf" srcId="{D182B9E7-E9DA-402C-B14E-C135FB8B6E31}" destId="{362FF93F-D2A3-4AFE-A36B-1D5DB1B0A889}" srcOrd="6" destOrd="0" presId="urn:microsoft.com/office/officeart/2005/8/layout/default"/>
-    <dgm:cxn modelId="{0BAD61D3-9718-4B0A-ADC7-9489D9734A25}" type="presParOf" srcId="{D182B9E7-E9DA-402C-B14E-C135FB8B6E31}" destId="{6F6FF8F2-5F5E-484D-976E-B619036D1484}" srcOrd="7" destOrd="0" presId="urn:microsoft.com/office/officeart/2005/8/layout/default"/>
-    <dgm:cxn modelId="{5535779B-AA00-4DED-B0EE-78C453328024}" type="presParOf" srcId="{D182B9E7-E9DA-402C-B14E-C135FB8B6E31}" destId="{8AB869EA-1EFE-417E-8097-7E70E9E29B2A}" srcOrd="8" destOrd="0" presId="urn:microsoft.com/office/officeart/2005/8/layout/default"/>
-    <dgm:cxn modelId="{4F7CE70A-6ECB-405A-90B2-F19FA4554600}" type="presParOf" srcId="{D182B9E7-E9DA-402C-B14E-C135FB8B6E31}" destId="{3A7D9AF9-A591-4527-842D-409492A1C382}" srcOrd="9" destOrd="0" presId="urn:microsoft.com/office/officeart/2005/8/layout/default"/>
-    <dgm:cxn modelId="{90939E36-833C-4B0D-9E53-178FB6EF6C4A}" type="presParOf" srcId="{D182B9E7-E9DA-402C-B14E-C135FB8B6E31}" destId="{86E29782-4DEA-4C69-81CF-13150D983227}" srcOrd="10" destOrd="0" presId="urn:microsoft.com/office/officeart/2005/8/layout/default"/>
-    <dgm:cxn modelId="{8CABF337-785A-48F5-9E8E-4F213EB0D8E9}" type="presParOf" srcId="{D182B9E7-E9DA-402C-B14E-C135FB8B6E31}" destId="{D12833F7-D60E-4337-AB0E-7D55A60AFA53}" srcOrd="11" destOrd="0" presId="urn:microsoft.com/office/officeart/2005/8/layout/default"/>
-    <dgm:cxn modelId="{D0A6CA3E-08B8-46CE-A670-10BAE2E27FFE}" type="presParOf" srcId="{D182B9E7-E9DA-402C-B14E-C135FB8B6E31}" destId="{E7C045B1-E44A-4AB0-9411-9E1FA3E34C47}" srcOrd="12" destOrd="0" presId="urn:microsoft.com/office/officeart/2005/8/layout/default"/>
-    <dgm:cxn modelId="{8C11E221-E656-4AB5-9C75-076CCC9E6336}" type="presParOf" srcId="{D182B9E7-E9DA-402C-B14E-C135FB8B6E31}" destId="{43D9B436-7857-49C1-A3A0-24C5A902722F}" srcOrd="13" destOrd="0" presId="urn:microsoft.com/office/officeart/2005/8/layout/default"/>
-    <dgm:cxn modelId="{9CC818CA-3B60-469D-9B51-37ACE7CA0295}" type="presParOf" srcId="{D182B9E7-E9DA-402C-B14E-C135FB8B6E31}" destId="{FF65DDFE-9B63-4E1F-B3D0-C7385ADC9B16}" srcOrd="14" destOrd="0" presId="urn:microsoft.com/office/officeart/2005/8/layout/default"/>
-    <dgm:cxn modelId="{ED771EA5-6E31-4AC7-973F-0606D73817CC}" type="presParOf" srcId="{D182B9E7-E9DA-402C-B14E-C135FB8B6E31}" destId="{0439872E-2E08-43E9-94A9-E1F79C9756E3}" srcOrd="15" destOrd="0" presId="urn:microsoft.com/office/officeart/2005/8/layout/default"/>
-    <dgm:cxn modelId="{99BC4499-9925-404C-9023-32243ED4D075}" type="presParOf" srcId="{D182B9E7-E9DA-402C-B14E-C135FB8B6E31}" destId="{95D1D628-4A0D-4554-BB46-2CF07FC6394F}" srcOrd="16" destOrd="0" presId="urn:microsoft.com/office/officeart/2005/8/layout/default"/>
-    <dgm:cxn modelId="{AD5D17CE-64B3-495A-8DFF-DD1956C363BF}" type="presParOf" srcId="{D182B9E7-E9DA-402C-B14E-C135FB8B6E31}" destId="{374B2D64-1883-458A-959E-39FDC3657BF3}" srcOrd="17" destOrd="0" presId="urn:microsoft.com/office/officeart/2005/8/layout/default"/>
-    <dgm:cxn modelId="{F7A8CADF-C82A-41E8-90EE-B57D9DCFDC07}" type="presParOf" srcId="{D182B9E7-E9DA-402C-B14E-C135FB8B6E31}" destId="{A285FD7B-607F-473A-95C2-B11D599B9EEB}" srcOrd="18" destOrd="0" presId="urn:microsoft.com/office/officeart/2005/8/layout/default"/>
-    <dgm:cxn modelId="{A5F93FB9-F54A-451D-9FC6-75DA16C82A21}" type="presParOf" srcId="{D182B9E7-E9DA-402C-B14E-C135FB8B6E31}" destId="{AF55D13B-9518-46DB-81D1-6BBBD3E19E2C}" srcOrd="19" destOrd="0" presId="urn:microsoft.com/office/officeart/2005/8/layout/default"/>
-    <dgm:cxn modelId="{9EA5F180-6F2B-48EB-BD12-68D5BEE7084E}" type="presParOf" srcId="{D182B9E7-E9DA-402C-B14E-C135FB8B6E31}" destId="{4495D6BE-7734-46EC-9ADD-6E793AFF238C}" srcOrd="20" destOrd="0" presId="urn:microsoft.com/office/officeart/2005/8/layout/default"/>
-    <dgm:cxn modelId="{AFF427F0-50E5-47EA-A751-CECA7E434B60}" type="presParOf" srcId="{D182B9E7-E9DA-402C-B14E-C135FB8B6E31}" destId="{01864A49-C72A-4CB5-8A78-078B7893D486}" srcOrd="21" destOrd="0" presId="urn:microsoft.com/office/officeart/2005/8/layout/default"/>
-    <dgm:cxn modelId="{5CC5C126-087A-4EB9-A645-5545AF6A6FDB}" type="presParOf" srcId="{D182B9E7-E9DA-402C-B14E-C135FB8B6E31}" destId="{1DA35101-65DB-4B0E-AD21-791C275009FC}" srcOrd="22" destOrd="0" presId="urn:microsoft.com/office/officeart/2005/8/layout/default"/>
-    <dgm:cxn modelId="{FBD7D500-CC4B-4CEA-8F87-C69995DF32FE}" type="presParOf" srcId="{D182B9E7-E9DA-402C-B14E-C135FB8B6E31}" destId="{DAF04923-C07A-49B6-98B9-2ACB85766DF9}" srcOrd="23" destOrd="0" presId="urn:microsoft.com/office/officeart/2005/8/layout/default"/>
-    <dgm:cxn modelId="{B5DDDCE0-0E15-4B78-A496-81FE671A99CD}" type="presParOf" srcId="{D182B9E7-E9DA-402C-B14E-C135FB8B6E31}" destId="{1901A4B3-F53D-4955-B47D-4F47B744F9DA}" srcOrd="24" destOrd="0" presId="urn:microsoft.com/office/officeart/2005/8/layout/default"/>
+    <dgm:cxn modelId="{D7EA1504-E097-4507-913D-5FFCF185A048}" type="presOf" srcId="{0498014E-EB02-48B0-B23E-46CF3CDD2C3E}" destId="{6D24B3E3-71E4-49CC-B01F-D2F6C84D4C0C}" srcOrd="0" destOrd="0" presId="urn:microsoft.com/office/officeart/2018/2/layout/IconVerticalSolidList"/>
+    <dgm:cxn modelId="{A5B5EC0D-08B9-4D33-B006-00B35A8C49A1}" type="presOf" srcId="{DC9F36B7-B64C-4579-919F-68D317F43796}" destId="{882B0266-83C4-4D72-8CDC-95613AE644AF}" srcOrd="0" destOrd="0" presId="urn:microsoft.com/office/officeart/2018/2/layout/IconVerticalSolidList"/>
+    <dgm:cxn modelId="{1B003F24-3262-466D-A5E8-37BCECF58786}" srcId="{0498014E-EB02-48B0-B23E-46CF3CDD2C3E}" destId="{C036B21D-0ECA-47A2-AC03-1F47D8D2D580}" srcOrd="1" destOrd="0" parTransId="{03348512-C5D6-4011-8D3C-45E0AA3610D6}" sibTransId="{733C4C74-B0E4-44DC-A75A-505953396AB8}"/>
+    <dgm:cxn modelId="{7196E43A-3C1C-4B6E-9EBA-CE19DDEC02A0}" srcId="{0498014E-EB02-48B0-B23E-46CF3CDD2C3E}" destId="{DC9F36B7-B64C-4579-919F-68D317F43796}" srcOrd="3" destOrd="0" parTransId="{4BD482C2-BD81-4C84-AA23-8F0ADE05CA83}" sibTransId="{A0A23153-896B-4C21-87A5-29F3CF498B90}"/>
+    <dgm:cxn modelId="{E616DC61-7E89-4BDD-801C-BC826F9ABC1B}" type="presOf" srcId="{25465CEC-527E-45A5-95DF-2E90B9549978}" destId="{491CEB66-2EC7-4F0E-A3E0-30216A5C2BC9}" srcOrd="0" destOrd="0" presId="urn:microsoft.com/office/officeart/2018/2/layout/IconVerticalSolidList"/>
+    <dgm:cxn modelId="{186D5465-B3F1-4235-87E2-7B4DC33285E0}" type="presOf" srcId="{4730BD74-14AA-47D8-98C2-EB97CEC2C889}" destId="{37FA8320-246D-4F77-9E21-B6896F57BEBD}" srcOrd="0" destOrd="0" presId="urn:microsoft.com/office/officeart/2018/2/layout/IconVerticalSolidList"/>
+    <dgm:cxn modelId="{01751E68-01D1-4E2D-B983-9ACB512671B6}" srcId="{0498014E-EB02-48B0-B23E-46CF3CDD2C3E}" destId="{25465CEC-527E-45A5-95DF-2E90B9549978}" srcOrd="2" destOrd="0" parTransId="{CBBC8F45-CBF3-47FD-B0CF-03C3CEE9F16A}" sibTransId="{9893F159-E6C9-4EFA-9AA6-BCE34B462BCF}"/>
+    <dgm:cxn modelId="{190F3A76-F0CF-46FE-8618-B4FEC53BA79E}" type="presOf" srcId="{1F032AC1-2166-40D5-A991-56DF9AE9E9E3}" destId="{E931A9A1-A83B-4D00-9F43-C14E61C2A905}" srcOrd="0" destOrd="0" presId="urn:microsoft.com/office/officeart/2018/2/layout/IconVerticalSolidList"/>
+    <dgm:cxn modelId="{6FF2149C-535D-4BFD-971F-FBD4FA7E7861}" srcId="{0498014E-EB02-48B0-B23E-46CF3CDD2C3E}" destId="{4730BD74-14AA-47D8-98C2-EB97CEC2C889}" srcOrd="4" destOrd="0" parTransId="{0853C513-ECD8-424A-AA2D-251DBBB2C4BA}" sibTransId="{2F3A9AF1-1AB6-4F9B-A361-D1B2A959041D}"/>
+    <dgm:cxn modelId="{C1DF48A2-FEB9-4F2E-835E-2F6496DF353F}" srcId="{0498014E-EB02-48B0-B23E-46CF3CDD2C3E}" destId="{1F032AC1-2166-40D5-A991-56DF9AE9E9E3}" srcOrd="0" destOrd="0" parTransId="{E294E487-49A1-4A43-B0CA-D1397754E12E}" sibTransId="{276BF111-B286-4798-B437-4CF1AB37F643}"/>
+    <dgm:cxn modelId="{B01154DD-03D4-4D07-9F6B-2ABEC58B1A20}" type="presOf" srcId="{C036B21D-0ECA-47A2-AC03-1F47D8D2D580}" destId="{CDBB3761-4F7F-4CCF-B849-DE01E046135D}" srcOrd="0" destOrd="0" presId="urn:microsoft.com/office/officeart/2018/2/layout/IconVerticalSolidList"/>
+    <dgm:cxn modelId="{FB6EC6A4-3F8B-429D-AD69-819B6529713C}" type="presParOf" srcId="{6D24B3E3-71E4-49CC-B01F-D2F6C84D4C0C}" destId="{447868F7-0B47-4EE5-B137-771429607E56}" srcOrd="0" destOrd="0" presId="urn:microsoft.com/office/officeart/2018/2/layout/IconVerticalSolidList"/>
+    <dgm:cxn modelId="{66B11F49-E677-4C5D-B95D-2D77936A28F0}" type="presParOf" srcId="{447868F7-0B47-4EE5-B137-771429607E56}" destId="{C7374EEB-96D9-42C5-B29D-7807D857642B}" srcOrd="0" destOrd="0" presId="urn:microsoft.com/office/officeart/2018/2/layout/IconVerticalSolidList"/>
+    <dgm:cxn modelId="{34D73AFD-D22D-4790-A907-6D14984AC1DE}" type="presParOf" srcId="{447868F7-0B47-4EE5-B137-771429607E56}" destId="{ACBF57E7-0717-4BC3-AFB5-5EE512371650}" srcOrd="1" destOrd="0" presId="urn:microsoft.com/office/officeart/2018/2/layout/IconVerticalSolidList"/>
+    <dgm:cxn modelId="{5DF99940-958E-403F-9184-B7C30D457008}" type="presParOf" srcId="{447868F7-0B47-4EE5-B137-771429607E56}" destId="{65647463-A06D-4592-AE0C-5F8BE75989F9}" srcOrd="2" destOrd="0" presId="urn:microsoft.com/office/officeart/2018/2/layout/IconVerticalSolidList"/>
+    <dgm:cxn modelId="{F7C56329-1252-4D79-8F0D-83201E4CF2F9}" type="presParOf" srcId="{447868F7-0B47-4EE5-B137-771429607E56}" destId="{E931A9A1-A83B-4D00-9F43-C14E61C2A905}" srcOrd="3" destOrd="0" presId="urn:microsoft.com/office/officeart/2018/2/layout/IconVerticalSolidList"/>
+    <dgm:cxn modelId="{E07FC022-F7E4-48D1-9BDE-4E2F169E163B}" type="presParOf" srcId="{6D24B3E3-71E4-49CC-B01F-D2F6C84D4C0C}" destId="{A1847171-9E19-46BA-B52C-44D235F5587C}" srcOrd="1" destOrd="0" presId="urn:microsoft.com/office/officeart/2018/2/layout/IconVerticalSolidList"/>
+    <dgm:cxn modelId="{9DB06D88-F44D-4458-96D6-D23AEA83BEB9}" type="presParOf" srcId="{6D24B3E3-71E4-49CC-B01F-D2F6C84D4C0C}" destId="{51591AD6-FD25-4EA4-B1C0-24D7B2F95210}" srcOrd="2" destOrd="0" presId="urn:microsoft.com/office/officeart/2018/2/layout/IconVerticalSolidList"/>
+    <dgm:cxn modelId="{4130EF9C-603B-47FC-B00B-3B184D46B1CE}" type="presParOf" srcId="{51591AD6-FD25-4EA4-B1C0-24D7B2F95210}" destId="{83901762-5EF6-4F63-96EF-AF4C2337FBB4}" srcOrd="0" destOrd="0" presId="urn:microsoft.com/office/officeart/2018/2/layout/IconVerticalSolidList"/>
+    <dgm:cxn modelId="{3DA09EB3-F00B-4207-88D8-26109933F952}" type="presParOf" srcId="{51591AD6-FD25-4EA4-B1C0-24D7B2F95210}" destId="{71DF8A43-F5E1-4C8C-9F49-A54F7CECFFE2}" srcOrd="1" destOrd="0" presId="urn:microsoft.com/office/officeart/2018/2/layout/IconVerticalSolidList"/>
+    <dgm:cxn modelId="{DE0C5C8F-43D7-4146-963B-56484E245C7F}" type="presParOf" srcId="{51591AD6-FD25-4EA4-B1C0-24D7B2F95210}" destId="{BAB57515-1FB8-4FEF-A691-7C72C1693589}" srcOrd="2" destOrd="0" presId="urn:microsoft.com/office/officeart/2018/2/layout/IconVerticalSolidList"/>
+    <dgm:cxn modelId="{E1619617-8026-4895-9176-10E782421A4B}" type="presParOf" srcId="{51591AD6-FD25-4EA4-B1C0-24D7B2F95210}" destId="{CDBB3761-4F7F-4CCF-B849-DE01E046135D}" srcOrd="3" destOrd="0" presId="urn:microsoft.com/office/officeart/2018/2/layout/IconVerticalSolidList"/>
+    <dgm:cxn modelId="{5172F7F2-8E2B-425C-AF18-92F71E22D55D}" type="presParOf" srcId="{6D24B3E3-71E4-49CC-B01F-D2F6C84D4C0C}" destId="{589021F2-AE29-4D95-A5CA-B9361ACC7338}" srcOrd="3" destOrd="0" presId="urn:microsoft.com/office/officeart/2018/2/layout/IconVerticalSolidList"/>
+    <dgm:cxn modelId="{1A2846B2-C06E-4CA2-B9B5-ACCC0A36E5CA}" type="presParOf" srcId="{6D24B3E3-71E4-49CC-B01F-D2F6C84D4C0C}" destId="{EA85AE67-9CC4-417A-94BF-8FA91D27CFF1}" srcOrd="4" destOrd="0" presId="urn:microsoft.com/office/officeart/2018/2/layout/IconVerticalSolidList"/>
+    <dgm:cxn modelId="{0EE19CE1-5847-457A-B4DC-AC347686CE2D}" type="presParOf" srcId="{EA85AE67-9CC4-417A-94BF-8FA91D27CFF1}" destId="{1094DAE5-E4CD-4842-A876-8ADAB991EB70}" srcOrd="0" destOrd="0" presId="urn:microsoft.com/office/officeart/2018/2/layout/IconVerticalSolidList"/>
+    <dgm:cxn modelId="{2A9F248B-351F-46F9-B89A-8590225ED422}" type="presParOf" srcId="{EA85AE67-9CC4-417A-94BF-8FA91D27CFF1}" destId="{1B5429A5-F645-4373-B6F2-3E2D6667F0EA}" srcOrd="1" destOrd="0" presId="urn:microsoft.com/office/officeart/2018/2/layout/IconVerticalSolidList"/>
+    <dgm:cxn modelId="{2A921D0A-53BF-476B-97A1-096E525E383A}" type="presParOf" srcId="{EA85AE67-9CC4-417A-94BF-8FA91D27CFF1}" destId="{D1CAB049-3DE3-41FA-BA6B-73FE7879FD0A}" srcOrd="2" destOrd="0" presId="urn:microsoft.com/office/officeart/2018/2/layout/IconVerticalSolidList"/>
+    <dgm:cxn modelId="{9144B318-18F8-4D4E-A7C2-9D5F6E1F71C6}" type="presParOf" srcId="{EA85AE67-9CC4-417A-94BF-8FA91D27CFF1}" destId="{491CEB66-2EC7-4F0E-A3E0-30216A5C2BC9}" srcOrd="3" destOrd="0" presId="urn:microsoft.com/office/officeart/2018/2/layout/IconVerticalSolidList"/>
+    <dgm:cxn modelId="{D636DBBA-B719-4541-9F04-945B8F237BDE}" type="presParOf" srcId="{6D24B3E3-71E4-49CC-B01F-D2F6C84D4C0C}" destId="{C9ACF3A3-428C-4F28-8C08-8771F79087EB}" srcOrd="5" destOrd="0" presId="urn:microsoft.com/office/officeart/2018/2/layout/IconVerticalSolidList"/>
+    <dgm:cxn modelId="{C86B034D-2D73-4597-A521-882779BC1B06}" type="presParOf" srcId="{6D24B3E3-71E4-49CC-B01F-D2F6C84D4C0C}" destId="{9854FDE8-52C5-4482-BE77-1C92D7DA39EB}" srcOrd="6" destOrd="0" presId="urn:microsoft.com/office/officeart/2018/2/layout/IconVerticalSolidList"/>
+    <dgm:cxn modelId="{B8E11447-0E71-416A-ABF0-02D78DE9DBCF}" type="presParOf" srcId="{9854FDE8-52C5-4482-BE77-1C92D7DA39EB}" destId="{7DAA1061-B0F3-4FB7-9B40-2974B68C9231}" srcOrd="0" destOrd="0" presId="urn:microsoft.com/office/officeart/2018/2/layout/IconVerticalSolidList"/>
+    <dgm:cxn modelId="{82F17B8C-E61E-4B79-8084-CAA1C02EB53B}" type="presParOf" srcId="{9854FDE8-52C5-4482-BE77-1C92D7DA39EB}" destId="{EF820310-14C2-4B2A-A684-227CB488E93F}" srcOrd="1" destOrd="0" presId="urn:microsoft.com/office/officeart/2018/2/layout/IconVerticalSolidList"/>
+    <dgm:cxn modelId="{B5F9E4F8-516B-4ECA-900F-9D83E407B73E}" type="presParOf" srcId="{9854FDE8-52C5-4482-BE77-1C92D7DA39EB}" destId="{6D81AA8F-6C7C-4CB2-8D17-90822F8C3597}" srcOrd="2" destOrd="0" presId="urn:microsoft.com/office/officeart/2018/2/layout/IconVerticalSolidList"/>
+    <dgm:cxn modelId="{18C7390F-956E-4C54-B07A-6628343EE530}" type="presParOf" srcId="{9854FDE8-52C5-4482-BE77-1C92D7DA39EB}" destId="{882B0266-83C4-4D72-8CDC-95613AE644AF}" srcOrd="3" destOrd="0" presId="urn:microsoft.com/office/officeart/2018/2/layout/IconVerticalSolidList"/>
+    <dgm:cxn modelId="{BB33232A-3841-4824-B10F-CFF6FB7BCF29}" type="presParOf" srcId="{6D24B3E3-71E4-49CC-B01F-D2F6C84D4C0C}" destId="{0DA8BC39-D667-4EEC-BA5E-EDBDE363404F}" srcOrd="7" destOrd="0" presId="urn:microsoft.com/office/officeart/2018/2/layout/IconVerticalSolidList"/>
+    <dgm:cxn modelId="{7351E796-81BD-4CF3-AB54-F7D5354CDCE5}" type="presParOf" srcId="{6D24B3E3-71E4-49CC-B01F-D2F6C84D4C0C}" destId="{CF518451-0461-473A-B41D-8E4DACBB9670}" srcOrd="8" destOrd="0" presId="urn:microsoft.com/office/officeart/2018/2/layout/IconVerticalSolidList"/>
+    <dgm:cxn modelId="{9890D30B-260F-4985-AE60-F2A445EBFFDE}" type="presParOf" srcId="{CF518451-0461-473A-B41D-8E4DACBB9670}" destId="{D73A1BBD-8010-43FF-998E-3739A71BA1DC}" srcOrd="0" destOrd="0" presId="urn:microsoft.com/office/officeart/2018/2/layout/IconVerticalSolidList"/>
+    <dgm:cxn modelId="{EF7420C0-AFE3-4288-BED5-80AB4D0BAAD4}" type="presParOf" srcId="{CF518451-0461-473A-B41D-8E4DACBB9670}" destId="{B54676CA-7F19-4EA0-A142-14FBE9A6AA96}" srcOrd="1" destOrd="0" presId="urn:microsoft.com/office/officeart/2018/2/layout/IconVerticalSolidList"/>
+    <dgm:cxn modelId="{45815874-AC64-4160-9249-F89370EAD6E0}" type="presParOf" srcId="{CF518451-0461-473A-B41D-8E4DACBB9670}" destId="{53DC28E4-007D-4A57-A135-6409493ACB37}" srcOrd="2" destOrd="0" presId="urn:microsoft.com/office/officeart/2018/2/layout/IconVerticalSolidList"/>
+    <dgm:cxn modelId="{849C8E5A-85A0-4954-AE06-2D5FFCD9C614}" type="presParOf" srcId="{CF518451-0461-473A-B41D-8E4DACBB9670}" destId="{37FA8320-246D-4F77-9E21-B6896F57BEBD}" srcOrd="3" destOrd="0" presId="urn:microsoft.com/office/officeart/2018/2/layout/IconVerticalSolidList"/>
   </dgm:cxnLst>
   <dgm:bg/>
   <dgm:whole/>
@@ -2999,27 +2828,76 @@
       <dsp:cNvGrpSpPr/>
     </dsp:nvGrpSpPr>
     <dsp:grpSpPr/>
-    <dsp:sp modelId="{B78D510A-384F-415A-9FF8-6DE58068D919}">
+    <dsp:sp modelId="{C7374EEB-96D9-42C5-B29D-7807D857642B}">
       <dsp:nvSpPr>
         <dsp:cNvPr id="0" name=""/>
         <dsp:cNvSpPr/>
       </dsp:nvSpPr>
       <dsp:spPr>
         <a:xfrm>
-          <a:off x="3500" y="84439"/>
-          <a:ext cx="1895236" cy="1137142"/>
+          <a:off x="0" y="3093"/>
+          <a:ext cx="10241280" cy="658860"/>
         </a:xfrm>
-        <a:prstGeom prst="rect">
-          <a:avLst/>
+        <a:prstGeom prst="roundRect">
+          <a:avLst>
+            <a:gd name="adj" fmla="val 10000"/>
+          </a:avLst>
         </a:prstGeom>
         <a:solidFill>
           <a:schemeClr val="accent1">
+            <a:tint val="40000"/>
             <a:hueOff val="0"/>
             <a:satOff val="0"/>
             <a:lumOff val="0"/>
             <a:alphaOff val="0"/>
           </a:schemeClr>
         </a:solidFill>
+        <a:ln>
+          <a:noFill/>
+        </a:ln>
+        <a:effectLst/>
+      </dsp:spPr>
+      <dsp:style>
+        <a:lnRef idx="0">
+          <a:scrgbClr r="0" g="0" b="0"/>
+        </a:lnRef>
+        <a:fillRef idx="1">
+          <a:scrgbClr r="0" g="0" b="0"/>
+        </a:fillRef>
+        <a:effectRef idx="0">
+          <a:scrgbClr r="0" g="0" b="0"/>
+        </a:effectRef>
+        <a:fontRef idx="minor"/>
+      </dsp:style>
+    </dsp:sp>
+    <dsp:sp modelId="{ACBF57E7-0717-4BC3-AFB5-5EE512371650}">
+      <dsp:nvSpPr>
+        <dsp:cNvPr id="0" name=""/>
+        <dsp:cNvSpPr/>
+      </dsp:nvSpPr>
+      <dsp:spPr>
+        <a:xfrm>
+          <a:off x="199305" y="151336"/>
+          <a:ext cx="362373" cy="362373"/>
+        </a:xfrm>
+        <a:prstGeom prst="rect">
+          <a:avLst/>
+        </a:prstGeom>
+        <a:blipFill>
+          <a:blip xmlns:r="http://schemas.openxmlformats.org/officeDocument/2006/relationships" r:embed="rId1">
+            <a:extLst>
+              <a:ext uri="{28A0092B-C50C-407E-A947-70E740481C1C}">
+                <a14:useLocalDpi xmlns:a14="http://schemas.microsoft.com/office/drawing/2010/main" val="0"/>
+              </a:ext>
+              <a:ext uri="{96DAC541-7B7A-43D3-8B79-37D633B846F1}">
+                <asvg:svgBlip xmlns:asvg="http://schemas.microsoft.com/office/drawing/2016/SVG/main" r:embed="rId2"/>
+              </a:ext>
+            </a:extLst>
+          </a:blip>
+          <a:stretch>
+            <a:fillRect/>
+          </a:stretch>
+        </a:blipFill>
         <a:ln w="12700" cap="flat" cmpd="sng" algn="ctr">
           <a:solidFill>
             <a:schemeClr val="lt1">
@@ -3048,15 +2926,47 @@
           <a:schemeClr val="lt1"/>
         </a:fontRef>
       </dsp:style>
+    </dsp:sp>
+    <dsp:sp modelId="{E931A9A1-A83B-4D00-9F43-C14E61C2A905}">
+      <dsp:nvSpPr>
+        <dsp:cNvPr id="0" name=""/>
+        <dsp:cNvSpPr/>
+      </dsp:nvSpPr>
+      <dsp:spPr>
+        <a:xfrm>
+          <a:off x="760984" y="3093"/>
+          <a:ext cx="9480295" cy="658860"/>
+        </a:xfrm>
+        <a:prstGeom prst="rect">
+          <a:avLst/>
+        </a:prstGeom>
+        <a:noFill/>
+        <a:ln>
+          <a:noFill/>
+        </a:ln>
+        <a:effectLst/>
+      </dsp:spPr>
+      <dsp:style>
+        <a:lnRef idx="0">
+          <a:scrgbClr r="0" g="0" b="0"/>
+        </a:lnRef>
+        <a:fillRef idx="0">
+          <a:scrgbClr r="0" g="0" b="0"/>
+        </a:fillRef>
+        <a:effectRef idx="0">
+          <a:scrgbClr r="0" g="0" b="0"/>
+        </a:effectRef>
+        <a:fontRef idx="minor"/>
+      </dsp:style>
       <dsp:txBody>
-        <a:bodyPr spcFirstLastPara="0" vert="horz" wrap="square" lIns="41910" tIns="41910" rIns="41910" bIns="41910" numCol="1" spcCol="1270" anchor="ctr" anchorCtr="0">
+        <a:bodyPr spcFirstLastPara="0" vert="horz" wrap="square" lIns="69729" tIns="69729" rIns="69729" bIns="69729" numCol="1" spcCol="1270" anchor="ctr" anchorCtr="0">
           <a:noAutofit/>
         </a:bodyPr>
         <a:lstStyle/>
         <a:p>
-          <a:pPr marL="0" lvl="0" indent="0" algn="ctr" defTabSz="488950">
+          <a:pPr marL="0" lvl="0" indent="0" algn="l" defTabSz="711200">
             <a:lnSpc>
-              <a:spcPct val="90000"/>
+              <a:spcPct val="100000"/>
             </a:lnSpc>
             <a:spcBef>
               <a:spcPct val="0"/>
@@ -3067,37 +2977,87 @@
             <a:buNone/>
           </a:pPr>
           <a:r>
-            <a:rPr lang="en-US" sz="1100" kern="1200"/>
-            <a:t>Feature Showcase: SecurePass at a Glance</a:t>
+            <a:rPr lang="fi-FI" sz="1600" kern="1200"/>
+            <a:t>Master password is only known to the user which is salted and hashed before uploating to ther server.</a:t>
           </a:r>
+          <a:endParaRPr lang="en-US" sz="1600" kern="1200"/>
         </a:p>
       </dsp:txBody>
       <dsp:txXfrm>
-        <a:off x="3500" y="84439"/>
-        <a:ext cx="1895236" cy="1137142"/>
+        <a:off x="760984" y="3093"/>
+        <a:ext cx="9480295" cy="658860"/>
       </dsp:txXfrm>
     </dsp:sp>
-    <dsp:sp modelId="{C55275CA-363D-437A-BA84-755A9A3C4A5D}">
+    <dsp:sp modelId="{83901762-5EF6-4F63-96EF-AF4C2337FBB4}">
       <dsp:nvSpPr>
         <dsp:cNvPr id="0" name=""/>
         <dsp:cNvSpPr/>
       </dsp:nvSpPr>
       <dsp:spPr>
         <a:xfrm>
-          <a:off x="2088260" y="84439"/>
-          <a:ext cx="1895236" cy="1137142"/>
+          <a:off x="0" y="826669"/>
+          <a:ext cx="10241280" cy="658860"/>
         </a:xfrm>
-        <a:prstGeom prst="rect">
-          <a:avLst/>
+        <a:prstGeom prst="roundRect">
+          <a:avLst>
+            <a:gd name="adj" fmla="val 10000"/>
+          </a:avLst>
         </a:prstGeom>
         <a:solidFill>
           <a:schemeClr val="accent1">
+            <a:tint val="40000"/>
             <a:hueOff val="0"/>
             <a:satOff val="0"/>
             <a:lumOff val="0"/>
             <a:alphaOff val="0"/>
           </a:schemeClr>
         </a:solidFill>
+        <a:ln>
+          <a:noFill/>
+        </a:ln>
+        <a:effectLst/>
+      </dsp:spPr>
+      <dsp:style>
+        <a:lnRef idx="0">
+          <a:scrgbClr r="0" g="0" b="0"/>
+        </a:lnRef>
+        <a:fillRef idx="1">
+          <a:scrgbClr r="0" g="0" b="0"/>
+        </a:fillRef>
+        <a:effectRef idx="0">
+          <a:scrgbClr r="0" g="0" b="0"/>
+        </a:effectRef>
+        <a:fontRef idx="minor"/>
+      </dsp:style>
+    </dsp:sp>
+    <dsp:sp modelId="{71DF8A43-F5E1-4C8C-9F49-A54F7CECFFE2}">
+      <dsp:nvSpPr>
+        <dsp:cNvPr id="0" name=""/>
+        <dsp:cNvSpPr/>
+      </dsp:nvSpPr>
+      <dsp:spPr>
+        <a:xfrm>
+          <a:off x="199305" y="974913"/>
+          <a:ext cx="362373" cy="362373"/>
+        </a:xfrm>
+        <a:prstGeom prst="rect">
+          <a:avLst/>
+        </a:prstGeom>
+        <a:blipFill>
+          <a:blip xmlns:r="http://schemas.openxmlformats.org/officeDocument/2006/relationships" r:embed="rId3">
+            <a:extLst>
+              <a:ext uri="{28A0092B-C50C-407E-A947-70E740481C1C}">
+                <a14:useLocalDpi xmlns:a14="http://schemas.microsoft.com/office/drawing/2010/main" val="0"/>
+              </a:ext>
+              <a:ext uri="{96DAC541-7B7A-43D3-8B79-37D633B846F1}">
+                <asvg:svgBlip xmlns:asvg="http://schemas.microsoft.com/office/drawing/2016/SVG/main" r:embed="rId4"/>
+              </a:ext>
+            </a:extLst>
+          </a:blip>
+          <a:stretch>
+            <a:fillRect/>
+          </a:stretch>
+        </a:blipFill>
         <a:ln w="12700" cap="flat" cmpd="sng" algn="ctr">
           <a:solidFill>
             <a:schemeClr val="lt1">
@@ -3126,15 +3086,47 @@
           <a:schemeClr val="lt1"/>
         </a:fontRef>
       </dsp:style>
+    </dsp:sp>
+    <dsp:sp modelId="{CDBB3761-4F7F-4CCF-B849-DE01E046135D}">
+      <dsp:nvSpPr>
+        <dsp:cNvPr id="0" name=""/>
+        <dsp:cNvSpPr/>
+      </dsp:nvSpPr>
+      <dsp:spPr>
+        <a:xfrm>
+          <a:off x="760984" y="826669"/>
+          <a:ext cx="9480295" cy="658860"/>
+        </a:xfrm>
+        <a:prstGeom prst="rect">
+          <a:avLst/>
+        </a:prstGeom>
+        <a:noFill/>
+        <a:ln>
+          <a:noFill/>
+        </a:ln>
+        <a:effectLst/>
+      </dsp:spPr>
+      <dsp:style>
+        <a:lnRef idx="0">
+          <a:scrgbClr r="0" g="0" b="0"/>
+        </a:lnRef>
+        <a:fillRef idx="0">
+          <a:scrgbClr r="0" g="0" b="0"/>
+        </a:fillRef>
+        <a:effectRef idx="0">
+          <a:scrgbClr r="0" g="0" b="0"/>
+        </a:effectRef>
+        <a:fontRef idx="minor"/>
+      </dsp:style>
       <dsp:txBody>
-        <a:bodyPr spcFirstLastPara="0" vert="horz" wrap="square" lIns="41910" tIns="41910" rIns="41910" bIns="41910" numCol="1" spcCol="1270" anchor="ctr" anchorCtr="0">
+        <a:bodyPr spcFirstLastPara="0" vert="horz" wrap="square" lIns="69729" tIns="69729" rIns="69729" bIns="69729" numCol="1" spcCol="1270" anchor="ctr" anchorCtr="0">
           <a:noAutofit/>
         </a:bodyPr>
         <a:lstStyle/>
         <a:p>
-          <a:pPr marL="0" lvl="0" indent="0" algn="ctr" defTabSz="488950">
+          <a:pPr marL="0" lvl="0" indent="0" algn="l" defTabSz="711200">
             <a:lnSpc>
-              <a:spcPct val="90000"/>
+              <a:spcPct val="100000"/>
             </a:lnSpc>
             <a:spcBef>
               <a:spcPct val="0"/>
@@ -3145,37 +3137,87 @@
             <a:buNone/>
           </a:pPr>
           <a:r>
-            <a:rPr lang="en-US" sz="1100" kern="1200"/>
-            <a:t>Client-Side Secure Password Encryption with AES GCM</a:t>
+            <a:rPr lang="fi-FI" sz="1600" kern="1200"/>
+            <a:t>HTTPS connection to ensure secure and encrypted data transfer.</a:t>
           </a:r>
+          <a:endParaRPr lang="en-US" sz="1600" kern="1200"/>
         </a:p>
       </dsp:txBody>
       <dsp:txXfrm>
-        <a:off x="2088260" y="84439"/>
-        <a:ext cx="1895236" cy="1137142"/>
+        <a:off x="760984" y="826669"/>
+        <a:ext cx="9480295" cy="658860"/>
       </dsp:txXfrm>
     </dsp:sp>
-    <dsp:sp modelId="{38B979DB-6192-411A-B5E4-D0E983128013}">
+    <dsp:sp modelId="{1094DAE5-E4CD-4842-A876-8ADAB991EB70}">
       <dsp:nvSpPr>
         <dsp:cNvPr id="0" name=""/>
         <dsp:cNvSpPr/>
       </dsp:nvSpPr>
       <dsp:spPr>
         <a:xfrm>
-          <a:off x="4173021" y="84439"/>
-          <a:ext cx="1895236" cy="1137142"/>
+          <a:off x="0" y="1650245"/>
+          <a:ext cx="10241280" cy="658860"/>
         </a:xfrm>
-        <a:prstGeom prst="rect">
-          <a:avLst/>
+        <a:prstGeom prst="roundRect">
+          <a:avLst>
+            <a:gd name="adj" fmla="val 10000"/>
+          </a:avLst>
         </a:prstGeom>
         <a:solidFill>
           <a:schemeClr val="accent1">
+            <a:tint val="40000"/>
             <a:hueOff val="0"/>
             <a:satOff val="0"/>
             <a:lumOff val="0"/>
             <a:alphaOff val="0"/>
           </a:schemeClr>
         </a:solidFill>
+        <a:ln>
+          <a:noFill/>
+        </a:ln>
+        <a:effectLst/>
+      </dsp:spPr>
+      <dsp:style>
+        <a:lnRef idx="0">
+          <a:scrgbClr r="0" g="0" b="0"/>
+        </a:lnRef>
+        <a:fillRef idx="1">
+          <a:scrgbClr r="0" g="0" b="0"/>
+        </a:fillRef>
+        <a:effectRef idx="0">
+          <a:scrgbClr r="0" g="0" b="0"/>
+        </a:effectRef>
+        <a:fontRef idx="minor"/>
+      </dsp:style>
+    </dsp:sp>
+    <dsp:sp modelId="{1B5429A5-F645-4373-B6F2-3E2D6667F0EA}">
+      <dsp:nvSpPr>
+        <dsp:cNvPr id="0" name=""/>
+        <dsp:cNvSpPr/>
+      </dsp:nvSpPr>
+      <dsp:spPr>
+        <a:xfrm>
+          <a:off x="199305" y="1798489"/>
+          <a:ext cx="362373" cy="362373"/>
+        </a:xfrm>
+        <a:prstGeom prst="rect">
+          <a:avLst/>
+        </a:prstGeom>
+        <a:blipFill>
+          <a:blip xmlns:r="http://schemas.openxmlformats.org/officeDocument/2006/relationships" r:embed="rId5">
+            <a:extLst>
+              <a:ext uri="{28A0092B-C50C-407E-A947-70E740481C1C}">
+                <a14:useLocalDpi xmlns:a14="http://schemas.microsoft.com/office/drawing/2010/main" val="0"/>
+              </a:ext>
+              <a:ext uri="{96DAC541-7B7A-43D3-8B79-37D633B846F1}">
+                <asvg:svgBlip xmlns:asvg="http://schemas.microsoft.com/office/drawing/2016/SVG/main" r:embed="rId6"/>
+              </a:ext>
+            </a:extLst>
+          </a:blip>
+          <a:stretch>
+            <a:fillRect/>
+          </a:stretch>
+        </a:blipFill>
         <a:ln w="12700" cap="flat" cmpd="sng" algn="ctr">
           <a:solidFill>
             <a:schemeClr val="lt1">
@@ -3204,15 +3246,47 @@
           <a:schemeClr val="lt1"/>
         </a:fontRef>
       </dsp:style>
+    </dsp:sp>
+    <dsp:sp modelId="{491CEB66-2EC7-4F0E-A3E0-30216A5C2BC9}">
+      <dsp:nvSpPr>
+        <dsp:cNvPr id="0" name=""/>
+        <dsp:cNvSpPr/>
+      </dsp:nvSpPr>
+      <dsp:spPr>
+        <a:xfrm>
+          <a:off x="760984" y="1650245"/>
+          <a:ext cx="9480295" cy="658860"/>
+        </a:xfrm>
+        <a:prstGeom prst="rect">
+          <a:avLst/>
+        </a:prstGeom>
+        <a:noFill/>
+        <a:ln>
+          <a:noFill/>
+        </a:ln>
+        <a:effectLst/>
+      </dsp:spPr>
+      <dsp:style>
+        <a:lnRef idx="0">
+          <a:scrgbClr r="0" g="0" b="0"/>
+        </a:lnRef>
+        <a:fillRef idx="0">
+          <a:scrgbClr r="0" g="0" b="0"/>
+        </a:fillRef>
+        <a:effectRef idx="0">
+          <a:scrgbClr r="0" g="0" b="0"/>
+        </a:effectRef>
+        <a:fontRef idx="minor"/>
+      </dsp:style>
       <dsp:txBody>
-        <a:bodyPr spcFirstLastPara="0" vert="horz" wrap="square" lIns="41910" tIns="41910" rIns="41910" bIns="41910" numCol="1" spcCol="1270" anchor="ctr" anchorCtr="0">
+        <a:bodyPr spcFirstLastPara="0" vert="horz" wrap="square" lIns="69729" tIns="69729" rIns="69729" bIns="69729" numCol="1" spcCol="1270" anchor="ctr" anchorCtr="0">
           <a:noAutofit/>
         </a:bodyPr>
         <a:lstStyle/>
         <a:p>
-          <a:pPr marL="0" lvl="0" indent="0" algn="ctr" defTabSz="488950">
+          <a:pPr marL="0" lvl="0" indent="0" algn="l" defTabSz="711200">
             <a:lnSpc>
-              <a:spcPct val="90000"/>
+              <a:spcPct val="100000"/>
             </a:lnSpc>
             <a:spcBef>
               <a:spcPct val="0"/>
@@ -3223,37 +3297,87 @@
             <a:buNone/>
           </a:pPr>
           <a:r>
-            <a:rPr lang="en-US" sz="1100" kern="1200"/>
-            <a:t>Utilizes AES-GCM encryption to safeguard passwords locally, ensuring maximum security before transmission.</a:t>
+            <a:rPr lang="fi-FI" sz="1600" kern="1200"/>
+            <a:t>Usage of docker network allows only the server to communicate with the database.</a:t>
           </a:r>
+          <a:endParaRPr lang="en-US" sz="1600" kern="1200"/>
         </a:p>
       </dsp:txBody>
       <dsp:txXfrm>
-        <a:off x="4173021" y="84439"/>
-        <a:ext cx="1895236" cy="1137142"/>
+        <a:off x="760984" y="1650245"/>
+        <a:ext cx="9480295" cy="658860"/>
       </dsp:txXfrm>
     </dsp:sp>
-    <dsp:sp modelId="{362FF93F-D2A3-4AFE-A36B-1D5DB1B0A889}">
+    <dsp:sp modelId="{7DAA1061-B0F3-4FB7-9B40-2974B68C9231}">
       <dsp:nvSpPr>
         <dsp:cNvPr id="0" name=""/>
         <dsp:cNvSpPr/>
       </dsp:nvSpPr>
       <dsp:spPr>
         <a:xfrm>
-          <a:off x="6257782" y="84439"/>
-          <a:ext cx="1895236" cy="1137142"/>
+          <a:off x="0" y="2473821"/>
+          <a:ext cx="10241280" cy="658860"/>
         </a:xfrm>
-        <a:prstGeom prst="rect">
-          <a:avLst/>
+        <a:prstGeom prst="roundRect">
+          <a:avLst>
+            <a:gd name="adj" fmla="val 10000"/>
+          </a:avLst>
         </a:prstGeom>
         <a:solidFill>
           <a:schemeClr val="accent1">
+            <a:tint val="40000"/>
             <a:hueOff val="0"/>
             <a:satOff val="0"/>
             <a:lumOff val="0"/>
             <a:alphaOff val="0"/>
           </a:schemeClr>
         </a:solidFill>
+        <a:ln>
+          <a:noFill/>
+        </a:ln>
+        <a:effectLst/>
+      </dsp:spPr>
+      <dsp:style>
+        <a:lnRef idx="0">
+          <a:scrgbClr r="0" g="0" b="0"/>
+        </a:lnRef>
+        <a:fillRef idx="1">
+          <a:scrgbClr r="0" g="0" b="0"/>
+        </a:fillRef>
+        <a:effectRef idx="0">
+          <a:scrgbClr r="0" g="0" b="0"/>
+        </a:effectRef>
+        <a:fontRef idx="minor"/>
+      </dsp:style>
+    </dsp:sp>
+    <dsp:sp modelId="{EF820310-14C2-4B2A-A684-227CB488E93F}">
+      <dsp:nvSpPr>
+        <dsp:cNvPr id="0" name=""/>
+        <dsp:cNvSpPr/>
+      </dsp:nvSpPr>
+      <dsp:spPr>
+        <a:xfrm>
+          <a:off x="199305" y="2622065"/>
+          <a:ext cx="362373" cy="362373"/>
+        </a:xfrm>
+        <a:prstGeom prst="rect">
+          <a:avLst/>
+        </a:prstGeom>
+        <a:blipFill>
+          <a:blip xmlns:r="http://schemas.openxmlformats.org/officeDocument/2006/relationships" r:embed="rId7">
+            <a:extLst>
+              <a:ext uri="{28A0092B-C50C-407E-A947-70E740481C1C}">
+                <a14:useLocalDpi xmlns:a14="http://schemas.microsoft.com/office/drawing/2010/main" val="0"/>
+              </a:ext>
+              <a:ext uri="{96DAC541-7B7A-43D3-8B79-37D633B846F1}">
+                <asvg:svgBlip xmlns:asvg="http://schemas.microsoft.com/office/drawing/2016/SVG/main" r:embed="rId8"/>
+              </a:ext>
+            </a:extLst>
+          </a:blip>
+          <a:stretch>
+            <a:fillRect/>
+          </a:stretch>
+        </a:blipFill>
         <a:ln w="12700" cap="flat" cmpd="sng" algn="ctr">
           <a:solidFill>
             <a:schemeClr val="lt1">
@@ -3282,15 +3406,47 @@
           <a:schemeClr val="lt1"/>
         </a:fontRef>
       </dsp:style>
+    </dsp:sp>
+    <dsp:sp modelId="{882B0266-83C4-4D72-8CDC-95613AE644AF}">
+      <dsp:nvSpPr>
+        <dsp:cNvPr id="0" name=""/>
+        <dsp:cNvSpPr/>
+      </dsp:nvSpPr>
+      <dsp:spPr>
+        <a:xfrm>
+          <a:off x="760984" y="2473821"/>
+          <a:ext cx="9480295" cy="658860"/>
+        </a:xfrm>
+        <a:prstGeom prst="rect">
+          <a:avLst/>
+        </a:prstGeom>
+        <a:noFill/>
+        <a:ln>
+          <a:noFill/>
+        </a:ln>
+        <a:effectLst/>
+      </dsp:spPr>
+      <dsp:style>
+        <a:lnRef idx="0">
+          <a:scrgbClr r="0" g="0" b="0"/>
+        </a:lnRef>
+        <a:fillRef idx="0">
+          <a:scrgbClr r="0" g="0" b="0"/>
+        </a:fillRef>
+        <a:effectRef idx="0">
+          <a:scrgbClr r="0" g="0" b="0"/>
+        </a:effectRef>
+        <a:fontRef idx="minor"/>
+      </dsp:style>
       <dsp:txBody>
-        <a:bodyPr spcFirstLastPara="0" vert="horz" wrap="square" lIns="41910" tIns="41910" rIns="41910" bIns="41910" numCol="1" spcCol="1270" anchor="ctr" anchorCtr="0">
+        <a:bodyPr spcFirstLastPara="0" vert="horz" wrap="square" lIns="69729" tIns="69729" rIns="69729" bIns="69729" numCol="1" spcCol="1270" anchor="ctr" anchorCtr="0">
           <a:noAutofit/>
         </a:bodyPr>
         <a:lstStyle/>
         <a:p>
-          <a:pPr marL="0" lvl="0" indent="0" algn="ctr" defTabSz="488950">
+          <a:pPr marL="0" lvl="0" indent="0" algn="l" defTabSz="711200">
             <a:lnSpc>
-              <a:spcPct val="90000"/>
+              <a:spcPct val="100000"/>
             </a:lnSpc>
             <a:spcBef>
               <a:spcPct val="0"/>
@@ -3301,37 +3457,87 @@
             <a:buNone/>
           </a:pPr>
           <a:r>
-            <a:rPr lang="en-US" sz="1100" kern="1200"/>
-            <a:t>Securely Generate Random Passwords</a:t>
+            <a:rPr lang="fi-FI" sz="1600" kern="1200"/>
+            <a:t>Passwords are encrypted on the client side using AES-GCM.</a:t>
           </a:r>
+          <a:endParaRPr lang="en-US" sz="1600" kern="1200"/>
         </a:p>
       </dsp:txBody>
       <dsp:txXfrm>
-        <a:off x="6257782" y="84439"/>
-        <a:ext cx="1895236" cy="1137142"/>
+        <a:off x="760984" y="2473821"/>
+        <a:ext cx="9480295" cy="658860"/>
       </dsp:txXfrm>
     </dsp:sp>
-    <dsp:sp modelId="{8AB869EA-1EFE-417E-8097-7E70E9E29B2A}">
+    <dsp:sp modelId="{D73A1BBD-8010-43FF-998E-3739A71BA1DC}">
       <dsp:nvSpPr>
         <dsp:cNvPr id="0" name=""/>
         <dsp:cNvSpPr/>
       </dsp:nvSpPr>
       <dsp:spPr>
         <a:xfrm>
-          <a:off x="8342542" y="84439"/>
-          <a:ext cx="1895236" cy="1137142"/>
+          <a:off x="0" y="3297397"/>
+          <a:ext cx="10241280" cy="658860"/>
         </a:xfrm>
-        <a:prstGeom prst="rect">
-          <a:avLst/>
+        <a:prstGeom prst="roundRect">
+          <a:avLst>
+            <a:gd name="adj" fmla="val 10000"/>
+          </a:avLst>
         </a:prstGeom>
         <a:solidFill>
           <a:schemeClr val="accent1">
+            <a:tint val="40000"/>
             <a:hueOff val="0"/>
             <a:satOff val="0"/>
             <a:lumOff val="0"/>
             <a:alphaOff val="0"/>
           </a:schemeClr>
         </a:solidFill>
+        <a:ln>
+          <a:noFill/>
+        </a:ln>
+        <a:effectLst/>
+      </dsp:spPr>
+      <dsp:style>
+        <a:lnRef idx="0">
+          <a:scrgbClr r="0" g="0" b="0"/>
+        </a:lnRef>
+        <a:fillRef idx="1">
+          <a:scrgbClr r="0" g="0" b="0"/>
+        </a:fillRef>
+        <a:effectRef idx="0">
+          <a:scrgbClr r="0" g="0" b="0"/>
+        </a:effectRef>
+        <a:fontRef idx="minor"/>
+      </dsp:style>
+    </dsp:sp>
+    <dsp:sp modelId="{B54676CA-7F19-4EA0-A142-14FBE9A6AA96}">
+      <dsp:nvSpPr>
+        <dsp:cNvPr id="0" name=""/>
+        <dsp:cNvSpPr/>
+      </dsp:nvSpPr>
+      <dsp:spPr>
+        <a:xfrm>
+          <a:off x="199305" y="3445641"/>
+          <a:ext cx="362373" cy="362373"/>
+        </a:xfrm>
+        <a:prstGeom prst="rect">
+          <a:avLst/>
+        </a:prstGeom>
+        <a:blipFill>
+          <a:blip xmlns:r="http://schemas.openxmlformats.org/officeDocument/2006/relationships" r:embed="rId9">
+            <a:extLst>
+              <a:ext uri="{28A0092B-C50C-407E-A947-70E740481C1C}">
+                <a14:useLocalDpi xmlns:a14="http://schemas.microsoft.com/office/drawing/2010/main" val="0"/>
+              </a:ext>
+              <a:ext uri="{96DAC541-7B7A-43D3-8B79-37D633B846F1}">
+                <asvg:svgBlip xmlns:asvg="http://schemas.microsoft.com/office/drawing/2016/SVG/main" r:embed="rId10"/>
+              </a:ext>
+            </a:extLst>
+          </a:blip>
+          <a:stretch>
+            <a:fillRect/>
+          </a:stretch>
+        </a:blipFill>
         <a:ln w="12700" cap="flat" cmpd="sng" algn="ctr">
           <a:solidFill>
             <a:schemeClr val="lt1">
@@ -3360,15 +3566,47 @@
           <a:schemeClr val="lt1"/>
         </a:fontRef>
       </dsp:style>
+    </dsp:sp>
+    <dsp:sp modelId="{37FA8320-246D-4F77-9E21-B6896F57BEBD}">
+      <dsp:nvSpPr>
+        <dsp:cNvPr id="0" name=""/>
+        <dsp:cNvSpPr/>
+      </dsp:nvSpPr>
+      <dsp:spPr>
+        <a:xfrm>
+          <a:off x="760984" y="3297397"/>
+          <a:ext cx="9480295" cy="658860"/>
+        </a:xfrm>
+        <a:prstGeom prst="rect">
+          <a:avLst/>
+        </a:prstGeom>
+        <a:noFill/>
+        <a:ln>
+          <a:noFill/>
+        </a:ln>
+        <a:effectLst/>
+      </dsp:spPr>
+      <dsp:style>
+        <a:lnRef idx="0">
+          <a:scrgbClr r="0" g="0" b="0"/>
+        </a:lnRef>
+        <a:fillRef idx="0">
+          <a:scrgbClr r="0" g="0" b="0"/>
+        </a:fillRef>
+        <a:effectRef idx="0">
+          <a:scrgbClr r="0" g="0" b="0"/>
+        </a:effectRef>
+        <a:fontRef idx="minor"/>
+      </dsp:style>
       <dsp:txBody>
-        <a:bodyPr spcFirstLastPara="0" vert="horz" wrap="square" lIns="41910" tIns="41910" rIns="41910" bIns="41910" numCol="1" spcCol="1270" anchor="ctr" anchorCtr="0">
+        <a:bodyPr spcFirstLastPara="0" vert="horz" wrap="square" lIns="69729" tIns="69729" rIns="69729" bIns="69729" numCol="1" spcCol="1270" anchor="ctr" anchorCtr="0">
           <a:noAutofit/>
         </a:bodyPr>
         <a:lstStyle/>
         <a:p>
-          <a:pPr marL="0" lvl="0" indent="0" algn="ctr" defTabSz="488950">
+          <a:pPr marL="0" lvl="0" indent="0" algn="l" defTabSz="711200">
             <a:lnSpc>
-              <a:spcPct val="90000"/>
+              <a:spcPct val="100000"/>
             </a:lnSpc>
             <a:spcBef>
               <a:spcPct val="0"/>
@@ -3379,638 +3617,15 @@
             <a:buNone/>
           </a:pPr>
           <a:r>
-            <a:rPr lang="en-US" sz="1100" kern="1200"/>
-            <a:t>Seamlessly generate highly secure passwords using robust cryptographic methods, enhancing your online protection.</a:t>
+            <a:rPr lang="fi-FI" sz="1600" kern="1200"/>
+            <a:t>Derived key is created from master password using PBKDF2 which is used as encryption/decryption key.</a:t>
           </a:r>
+          <a:endParaRPr lang="en-US" sz="1600" kern="1200"/>
         </a:p>
       </dsp:txBody>
       <dsp:txXfrm>
-        <a:off x="8342542" y="84439"/>
-        <a:ext cx="1895236" cy="1137142"/>
-      </dsp:txXfrm>
-    </dsp:sp>
-    <dsp:sp modelId="{86E29782-4DEA-4C69-81CF-13150D983227}">
-      <dsp:nvSpPr>
-        <dsp:cNvPr id="0" name=""/>
-        <dsp:cNvSpPr/>
-      </dsp:nvSpPr>
-      <dsp:spPr>
-        <a:xfrm>
-          <a:off x="3500" y="1411104"/>
-          <a:ext cx="1895236" cy="1137142"/>
-        </a:xfrm>
-        <a:prstGeom prst="rect">
-          <a:avLst/>
-        </a:prstGeom>
-        <a:solidFill>
-          <a:schemeClr val="accent1">
-            <a:hueOff val="0"/>
-            <a:satOff val="0"/>
-            <a:lumOff val="0"/>
-            <a:alphaOff val="0"/>
-          </a:schemeClr>
-        </a:solidFill>
-        <a:ln w="12700" cap="flat" cmpd="sng" algn="ctr">
-          <a:solidFill>
-            <a:schemeClr val="lt1">
-              <a:hueOff val="0"/>
-              <a:satOff val="0"/>
-              <a:lumOff val="0"/>
-              <a:alphaOff val="0"/>
-            </a:schemeClr>
-          </a:solidFill>
-          <a:prstDash val="solid"/>
-          <a:miter lim="800000"/>
-        </a:ln>
-        <a:effectLst/>
-      </dsp:spPr>
-      <dsp:style>
-        <a:lnRef idx="2">
-          <a:scrgbClr r="0" g="0" b="0"/>
-        </a:lnRef>
-        <a:fillRef idx="1">
-          <a:scrgbClr r="0" g="0" b="0"/>
-        </a:fillRef>
-        <a:effectRef idx="0">
-          <a:scrgbClr r="0" g="0" b="0"/>
-        </a:effectRef>
-        <a:fontRef idx="minor">
-          <a:schemeClr val="lt1"/>
-        </a:fontRef>
-      </dsp:style>
-      <dsp:txBody>
-        <a:bodyPr spcFirstLastPara="0" vert="horz" wrap="square" lIns="41910" tIns="41910" rIns="41910" bIns="41910" numCol="1" spcCol="1270" anchor="ctr" anchorCtr="0">
-          <a:noAutofit/>
-        </a:bodyPr>
-        <a:lstStyle/>
-        <a:p>
-          <a:pPr marL="0" lvl="0" indent="0" algn="ctr" defTabSz="488950">
-            <a:lnSpc>
-              <a:spcPct val="90000"/>
-            </a:lnSpc>
-            <a:spcBef>
-              <a:spcPct val="0"/>
-            </a:spcBef>
-            <a:spcAft>
-              <a:spcPct val="35000"/>
-            </a:spcAft>
-            <a:buNone/>
-          </a:pPr>
-          <a:r>
-            <a:rPr lang="en-US" sz="1100" kern="1200"/>
-            <a:t>Secure Storage in PostgreSQL Database</a:t>
-          </a:r>
-        </a:p>
-      </dsp:txBody>
-      <dsp:txXfrm>
-        <a:off x="3500" y="1411104"/>
-        <a:ext cx="1895236" cy="1137142"/>
-      </dsp:txXfrm>
-    </dsp:sp>
-    <dsp:sp modelId="{E7C045B1-E44A-4AB0-9411-9E1FA3E34C47}">
-      <dsp:nvSpPr>
-        <dsp:cNvPr id="0" name=""/>
-        <dsp:cNvSpPr/>
-      </dsp:nvSpPr>
-      <dsp:spPr>
-        <a:xfrm>
-          <a:off x="2088261" y="1411104"/>
-          <a:ext cx="1895236" cy="1137142"/>
-        </a:xfrm>
-        <a:prstGeom prst="rect">
-          <a:avLst/>
-        </a:prstGeom>
-        <a:solidFill>
-          <a:schemeClr val="accent1">
-            <a:hueOff val="0"/>
-            <a:satOff val="0"/>
-            <a:lumOff val="0"/>
-            <a:alphaOff val="0"/>
-          </a:schemeClr>
-        </a:solidFill>
-        <a:ln w="12700" cap="flat" cmpd="sng" algn="ctr">
-          <a:solidFill>
-            <a:schemeClr val="lt1">
-              <a:hueOff val="0"/>
-              <a:satOff val="0"/>
-              <a:lumOff val="0"/>
-              <a:alphaOff val="0"/>
-            </a:schemeClr>
-          </a:solidFill>
-          <a:prstDash val="solid"/>
-          <a:miter lim="800000"/>
-        </a:ln>
-        <a:effectLst/>
-      </dsp:spPr>
-      <dsp:style>
-        <a:lnRef idx="2">
-          <a:scrgbClr r="0" g="0" b="0"/>
-        </a:lnRef>
-        <a:fillRef idx="1">
-          <a:scrgbClr r="0" g="0" b="0"/>
-        </a:fillRef>
-        <a:effectRef idx="0">
-          <a:scrgbClr r="0" g="0" b="0"/>
-        </a:effectRef>
-        <a:fontRef idx="minor">
-          <a:schemeClr val="lt1"/>
-        </a:fontRef>
-      </dsp:style>
-      <dsp:txBody>
-        <a:bodyPr spcFirstLastPara="0" vert="horz" wrap="square" lIns="41910" tIns="41910" rIns="41910" bIns="41910" numCol="1" spcCol="1270" anchor="ctr" anchorCtr="0">
-          <a:noAutofit/>
-        </a:bodyPr>
-        <a:lstStyle/>
-        <a:p>
-          <a:pPr marL="0" lvl="0" indent="0" algn="ctr" defTabSz="488950">
-            <a:lnSpc>
-              <a:spcPct val="90000"/>
-            </a:lnSpc>
-            <a:spcBef>
-              <a:spcPct val="0"/>
-            </a:spcBef>
-            <a:spcAft>
-              <a:spcPct val="35000"/>
-            </a:spcAft>
-            <a:buNone/>
-          </a:pPr>
-          <a:r>
-            <a:rPr lang="en-US" sz="1100" kern="1200"/>
-            <a:t>All passwords securely stored in a PostgreSQL database, inaccessible to external threats, ensuring data integrity and confidentiality.</a:t>
-          </a:r>
-        </a:p>
-      </dsp:txBody>
-      <dsp:txXfrm>
-        <a:off x="2088261" y="1411104"/>
-        <a:ext cx="1895236" cy="1137142"/>
-      </dsp:txXfrm>
-    </dsp:sp>
-    <dsp:sp modelId="{FF65DDFE-9B63-4E1F-B3D0-C7385ADC9B16}">
-      <dsp:nvSpPr>
-        <dsp:cNvPr id="0" name=""/>
-        <dsp:cNvSpPr/>
-      </dsp:nvSpPr>
-      <dsp:spPr>
-        <a:xfrm>
-          <a:off x="4173021" y="1411104"/>
-          <a:ext cx="1895236" cy="1137142"/>
-        </a:xfrm>
-        <a:prstGeom prst="rect">
-          <a:avLst/>
-        </a:prstGeom>
-        <a:solidFill>
-          <a:schemeClr val="accent1">
-            <a:hueOff val="0"/>
-            <a:satOff val="0"/>
-            <a:lumOff val="0"/>
-            <a:alphaOff val="0"/>
-          </a:schemeClr>
-        </a:solidFill>
-        <a:ln w="12700" cap="flat" cmpd="sng" algn="ctr">
-          <a:solidFill>
-            <a:schemeClr val="lt1">
-              <a:hueOff val="0"/>
-              <a:satOff val="0"/>
-              <a:lumOff val="0"/>
-              <a:alphaOff val="0"/>
-            </a:schemeClr>
-          </a:solidFill>
-          <a:prstDash val="solid"/>
-          <a:miter lim="800000"/>
-        </a:ln>
-        <a:effectLst/>
-      </dsp:spPr>
-      <dsp:style>
-        <a:lnRef idx="2">
-          <a:scrgbClr r="0" g="0" b="0"/>
-        </a:lnRef>
-        <a:fillRef idx="1">
-          <a:scrgbClr r="0" g="0" b="0"/>
-        </a:fillRef>
-        <a:effectRef idx="0">
-          <a:scrgbClr r="0" g="0" b="0"/>
-        </a:effectRef>
-        <a:fontRef idx="minor">
-          <a:schemeClr val="lt1"/>
-        </a:fontRef>
-      </dsp:style>
-      <dsp:txBody>
-        <a:bodyPr spcFirstLastPara="0" vert="horz" wrap="square" lIns="41910" tIns="41910" rIns="41910" bIns="41910" numCol="1" spcCol="1270" anchor="ctr" anchorCtr="0">
-          <a:noAutofit/>
-        </a:bodyPr>
-        <a:lstStyle/>
-        <a:p>
-          <a:pPr marL="0" lvl="0" indent="0" algn="ctr" defTabSz="488950">
-            <a:lnSpc>
-              <a:spcPct val="90000"/>
-            </a:lnSpc>
-            <a:spcBef>
-              <a:spcPct val="0"/>
-            </a:spcBef>
-            <a:spcAft>
-              <a:spcPct val="35000"/>
-            </a:spcAft>
-            <a:buNone/>
-          </a:pPr>
-          <a:r>
-            <a:rPr lang="en-US" sz="1100" kern="1200"/>
-            <a:t>Multi-User Support</a:t>
-          </a:r>
-        </a:p>
-      </dsp:txBody>
-      <dsp:txXfrm>
-        <a:off x="4173021" y="1411104"/>
-        <a:ext cx="1895236" cy="1137142"/>
-      </dsp:txXfrm>
-    </dsp:sp>
-    <dsp:sp modelId="{95D1D628-4A0D-4554-BB46-2CF07FC6394F}">
-      <dsp:nvSpPr>
-        <dsp:cNvPr id="0" name=""/>
-        <dsp:cNvSpPr/>
-      </dsp:nvSpPr>
-      <dsp:spPr>
-        <a:xfrm>
-          <a:off x="6257782" y="1411104"/>
-          <a:ext cx="1895236" cy="1137142"/>
-        </a:xfrm>
-        <a:prstGeom prst="rect">
-          <a:avLst/>
-        </a:prstGeom>
-        <a:solidFill>
-          <a:schemeClr val="accent1">
-            <a:hueOff val="0"/>
-            <a:satOff val="0"/>
-            <a:lumOff val="0"/>
-            <a:alphaOff val="0"/>
-          </a:schemeClr>
-        </a:solidFill>
-        <a:ln w="12700" cap="flat" cmpd="sng" algn="ctr">
-          <a:solidFill>
-            <a:schemeClr val="lt1">
-              <a:hueOff val="0"/>
-              <a:satOff val="0"/>
-              <a:lumOff val="0"/>
-              <a:alphaOff val="0"/>
-            </a:schemeClr>
-          </a:solidFill>
-          <a:prstDash val="solid"/>
-          <a:miter lim="800000"/>
-        </a:ln>
-        <a:effectLst/>
-      </dsp:spPr>
-      <dsp:style>
-        <a:lnRef idx="2">
-          <a:scrgbClr r="0" g="0" b="0"/>
-        </a:lnRef>
-        <a:fillRef idx="1">
-          <a:scrgbClr r="0" g="0" b="0"/>
-        </a:fillRef>
-        <a:effectRef idx="0">
-          <a:scrgbClr r="0" g="0" b="0"/>
-        </a:effectRef>
-        <a:fontRef idx="minor">
-          <a:schemeClr val="lt1"/>
-        </a:fontRef>
-      </dsp:style>
-      <dsp:txBody>
-        <a:bodyPr spcFirstLastPara="0" vert="horz" wrap="square" lIns="41910" tIns="41910" rIns="41910" bIns="41910" numCol="1" spcCol="1270" anchor="ctr" anchorCtr="0">
-          <a:noAutofit/>
-        </a:bodyPr>
-        <a:lstStyle/>
-        <a:p>
-          <a:pPr marL="0" lvl="0" indent="0" algn="ctr" defTabSz="488950">
-            <a:lnSpc>
-              <a:spcPct val="90000"/>
-            </a:lnSpc>
-            <a:spcBef>
-              <a:spcPct val="0"/>
-            </a:spcBef>
-            <a:spcAft>
-              <a:spcPct val="35000"/>
-            </a:spcAft>
-            <a:buNone/>
-          </a:pPr>
-          <a:r>
-            <a:rPr lang="en-US" sz="1100" kern="1200"/>
-            <a:t>Flexible user management system allowing multiple users to securely access and manage their passwords within the platform.</a:t>
-          </a:r>
-        </a:p>
-      </dsp:txBody>
-      <dsp:txXfrm>
-        <a:off x="6257782" y="1411104"/>
-        <a:ext cx="1895236" cy="1137142"/>
-      </dsp:txXfrm>
-    </dsp:sp>
-    <dsp:sp modelId="{A285FD7B-607F-473A-95C2-B11D599B9EEB}">
-      <dsp:nvSpPr>
-        <dsp:cNvPr id="0" name=""/>
-        <dsp:cNvSpPr/>
-      </dsp:nvSpPr>
-      <dsp:spPr>
-        <a:xfrm>
-          <a:off x="8342542" y="1411104"/>
-          <a:ext cx="1895236" cy="1137142"/>
-        </a:xfrm>
-        <a:prstGeom prst="rect">
-          <a:avLst/>
-        </a:prstGeom>
-        <a:solidFill>
-          <a:schemeClr val="accent1">
-            <a:hueOff val="0"/>
-            <a:satOff val="0"/>
-            <a:lumOff val="0"/>
-            <a:alphaOff val="0"/>
-          </a:schemeClr>
-        </a:solidFill>
-        <a:ln w="12700" cap="flat" cmpd="sng" algn="ctr">
-          <a:solidFill>
-            <a:schemeClr val="lt1">
-              <a:hueOff val="0"/>
-              <a:satOff val="0"/>
-              <a:lumOff val="0"/>
-              <a:alphaOff val="0"/>
-            </a:schemeClr>
-          </a:solidFill>
-          <a:prstDash val="solid"/>
-          <a:miter lim="800000"/>
-        </a:ln>
-        <a:effectLst/>
-      </dsp:spPr>
-      <dsp:style>
-        <a:lnRef idx="2">
-          <a:scrgbClr r="0" g="0" b="0"/>
-        </a:lnRef>
-        <a:fillRef idx="1">
-          <a:scrgbClr r="0" g="0" b="0"/>
-        </a:fillRef>
-        <a:effectRef idx="0">
-          <a:scrgbClr r="0" g="0" b="0"/>
-        </a:effectRef>
-        <a:fontRef idx="minor">
-          <a:schemeClr val="lt1"/>
-        </a:fontRef>
-      </dsp:style>
-      <dsp:txBody>
-        <a:bodyPr spcFirstLastPara="0" vert="horz" wrap="square" lIns="41910" tIns="41910" rIns="41910" bIns="41910" numCol="1" spcCol="1270" anchor="ctr" anchorCtr="0">
-          <a:noAutofit/>
-        </a:bodyPr>
-        <a:lstStyle/>
-        <a:p>
-          <a:pPr marL="0" lvl="0" indent="0" algn="ctr" defTabSz="488950">
-            <a:lnSpc>
-              <a:spcPct val="90000"/>
-            </a:lnSpc>
-            <a:spcBef>
-              <a:spcPct val="0"/>
-            </a:spcBef>
-            <a:spcAft>
-              <a:spcPct val="35000"/>
-            </a:spcAft>
-            <a:buNone/>
-          </a:pPr>
-          <a:r>
-            <a:rPr lang="en-US" sz="1100" kern="1200"/>
-            <a:t>Intuitive React Interface</a:t>
-          </a:r>
-        </a:p>
-      </dsp:txBody>
-      <dsp:txXfrm>
-        <a:off x="8342542" y="1411104"/>
-        <a:ext cx="1895236" cy="1137142"/>
-      </dsp:txXfrm>
-    </dsp:sp>
-    <dsp:sp modelId="{4495D6BE-7734-46EC-9ADD-6E793AFF238C}">
-      <dsp:nvSpPr>
-        <dsp:cNvPr id="0" name=""/>
-        <dsp:cNvSpPr/>
-      </dsp:nvSpPr>
-      <dsp:spPr>
-        <a:xfrm>
-          <a:off x="2088261" y="2737770"/>
-          <a:ext cx="1895236" cy="1137142"/>
-        </a:xfrm>
-        <a:prstGeom prst="rect">
-          <a:avLst/>
-        </a:prstGeom>
-        <a:solidFill>
-          <a:schemeClr val="accent1">
-            <a:hueOff val="0"/>
-            <a:satOff val="0"/>
-            <a:lumOff val="0"/>
-            <a:alphaOff val="0"/>
-          </a:schemeClr>
-        </a:solidFill>
-        <a:ln w="12700" cap="flat" cmpd="sng" algn="ctr">
-          <a:solidFill>
-            <a:schemeClr val="lt1">
-              <a:hueOff val="0"/>
-              <a:satOff val="0"/>
-              <a:lumOff val="0"/>
-              <a:alphaOff val="0"/>
-            </a:schemeClr>
-          </a:solidFill>
-          <a:prstDash val="solid"/>
-          <a:miter lim="800000"/>
-        </a:ln>
-        <a:effectLst/>
-      </dsp:spPr>
-      <dsp:style>
-        <a:lnRef idx="2">
-          <a:scrgbClr r="0" g="0" b="0"/>
-        </a:lnRef>
-        <a:fillRef idx="1">
-          <a:scrgbClr r="0" g="0" b="0"/>
-        </a:fillRef>
-        <a:effectRef idx="0">
-          <a:scrgbClr r="0" g="0" b="0"/>
-        </a:effectRef>
-        <a:fontRef idx="minor">
-          <a:schemeClr val="lt1"/>
-        </a:fontRef>
-      </dsp:style>
-      <dsp:txBody>
-        <a:bodyPr spcFirstLastPara="0" vert="horz" wrap="square" lIns="41910" tIns="41910" rIns="41910" bIns="41910" numCol="1" spcCol="1270" anchor="ctr" anchorCtr="0">
-          <a:noAutofit/>
-        </a:bodyPr>
-        <a:lstStyle/>
-        <a:p>
-          <a:pPr marL="0" lvl="0" indent="0" algn="ctr" defTabSz="488950">
-            <a:lnSpc>
-              <a:spcPct val="90000"/>
-            </a:lnSpc>
-            <a:spcBef>
-              <a:spcPct val="0"/>
-            </a:spcBef>
-            <a:spcAft>
-              <a:spcPct val="35000"/>
-            </a:spcAft>
-            <a:buNone/>
-          </a:pPr>
-          <a:r>
-            <a:rPr lang="en-US" sz="1100" kern="1200"/>
-            <a:t>User-friendly React interface offering a seamless and responsive user experience across devices, prioritizing accessibility and ease of use.</a:t>
-          </a:r>
-        </a:p>
-      </dsp:txBody>
-      <dsp:txXfrm>
-        <a:off x="2088261" y="2737770"/>
-        <a:ext cx="1895236" cy="1137142"/>
-      </dsp:txXfrm>
-    </dsp:sp>
-    <dsp:sp modelId="{1DA35101-65DB-4B0E-AD21-791C275009FC}">
-      <dsp:nvSpPr>
-        <dsp:cNvPr id="0" name=""/>
-        <dsp:cNvSpPr/>
-      </dsp:nvSpPr>
-      <dsp:spPr>
-        <a:xfrm>
-          <a:off x="4173021" y="2737770"/>
-          <a:ext cx="1895236" cy="1137142"/>
-        </a:xfrm>
-        <a:prstGeom prst="rect">
-          <a:avLst/>
-        </a:prstGeom>
-        <a:solidFill>
-          <a:schemeClr val="accent1">
-            <a:hueOff val="0"/>
-            <a:satOff val="0"/>
-            <a:lumOff val="0"/>
-            <a:alphaOff val="0"/>
-          </a:schemeClr>
-        </a:solidFill>
-        <a:ln w="12700" cap="flat" cmpd="sng" algn="ctr">
-          <a:solidFill>
-            <a:schemeClr val="lt1">
-              <a:hueOff val="0"/>
-              <a:satOff val="0"/>
-              <a:lumOff val="0"/>
-              <a:alphaOff val="0"/>
-            </a:schemeClr>
-          </a:solidFill>
-          <a:prstDash val="solid"/>
-          <a:miter lim="800000"/>
-        </a:ln>
-        <a:effectLst/>
-      </dsp:spPr>
-      <dsp:style>
-        <a:lnRef idx="2">
-          <a:scrgbClr r="0" g="0" b="0"/>
-        </a:lnRef>
-        <a:fillRef idx="1">
-          <a:scrgbClr r="0" g="0" b="0"/>
-        </a:fillRef>
-        <a:effectRef idx="0">
-          <a:scrgbClr r="0" g="0" b="0"/>
-        </a:effectRef>
-        <a:fontRef idx="minor">
-          <a:schemeClr val="lt1"/>
-        </a:fontRef>
-      </dsp:style>
-      <dsp:txBody>
-        <a:bodyPr spcFirstLastPara="0" vert="horz" wrap="square" lIns="41910" tIns="41910" rIns="41910" bIns="41910" numCol="1" spcCol="1270" anchor="ctr" anchorCtr="0">
-          <a:noAutofit/>
-        </a:bodyPr>
-        <a:lstStyle/>
-        <a:p>
-          <a:pPr marL="0" lvl="0" indent="0" algn="ctr" defTabSz="488950">
-            <a:lnSpc>
-              <a:spcPct val="90000"/>
-            </a:lnSpc>
-            <a:spcBef>
-              <a:spcPct val="0"/>
-            </a:spcBef>
-            <a:spcAft>
-              <a:spcPct val="35000"/>
-            </a:spcAft>
-            <a:buNone/>
-          </a:pPr>
-          <a:r>
-            <a:rPr lang="en-US" sz="1100" kern="1200"/>
-            <a:t>SQL Injection Prevention</a:t>
-          </a:r>
-        </a:p>
-      </dsp:txBody>
-      <dsp:txXfrm>
-        <a:off x="4173021" y="2737770"/>
-        <a:ext cx="1895236" cy="1137142"/>
-      </dsp:txXfrm>
-    </dsp:sp>
-    <dsp:sp modelId="{1901A4B3-F53D-4955-B47D-4F47B744F9DA}">
-      <dsp:nvSpPr>
-        <dsp:cNvPr id="0" name=""/>
-        <dsp:cNvSpPr/>
-      </dsp:nvSpPr>
-      <dsp:spPr>
-        <a:xfrm>
-          <a:off x="6257782" y="2737770"/>
-          <a:ext cx="1895236" cy="1137142"/>
-        </a:xfrm>
-        <a:prstGeom prst="rect">
-          <a:avLst/>
-        </a:prstGeom>
-        <a:solidFill>
-          <a:schemeClr val="accent1">
-            <a:hueOff val="0"/>
-            <a:satOff val="0"/>
-            <a:lumOff val="0"/>
-            <a:alphaOff val="0"/>
-          </a:schemeClr>
-        </a:solidFill>
-        <a:ln w="12700" cap="flat" cmpd="sng" algn="ctr">
-          <a:solidFill>
-            <a:schemeClr val="lt1">
-              <a:hueOff val="0"/>
-              <a:satOff val="0"/>
-              <a:lumOff val="0"/>
-              <a:alphaOff val="0"/>
-            </a:schemeClr>
-          </a:solidFill>
-          <a:prstDash val="solid"/>
-          <a:miter lim="800000"/>
-        </a:ln>
-        <a:effectLst/>
-      </dsp:spPr>
-      <dsp:style>
-        <a:lnRef idx="2">
-          <a:scrgbClr r="0" g="0" b="0"/>
-        </a:lnRef>
-        <a:fillRef idx="1">
-          <a:scrgbClr r="0" g="0" b="0"/>
-        </a:fillRef>
-        <a:effectRef idx="0">
-          <a:scrgbClr r="0" g="0" b="0"/>
-        </a:effectRef>
-        <a:fontRef idx="minor">
-          <a:schemeClr val="lt1"/>
-        </a:fontRef>
-      </dsp:style>
-      <dsp:txBody>
-        <a:bodyPr spcFirstLastPara="0" vert="horz" wrap="square" lIns="41910" tIns="41910" rIns="41910" bIns="41910" numCol="1" spcCol="1270" anchor="ctr" anchorCtr="0">
-          <a:noAutofit/>
-        </a:bodyPr>
-        <a:lstStyle/>
-        <a:p>
-          <a:pPr marL="0" lvl="0" indent="0" algn="ctr" defTabSz="488950">
-            <a:lnSpc>
-              <a:spcPct val="90000"/>
-            </a:lnSpc>
-            <a:spcBef>
-              <a:spcPct val="0"/>
-            </a:spcBef>
-            <a:spcAft>
-              <a:spcPct val="35000"/>
-            </a:spcAft>
-            <a:buNone/>
-          </a:pPr>
-          <a:r>
-            <a:rPr lang="en-US" sz="1100" kern="1200"/>
-            <a:t>Built-in measures to prevent SQL injection attacks, ensuring the integrity and security of stored data at all times.</a:t>
-          </a:r>
-        </a:p>
-      </dsp:txBody>
-      <dsp:txXfrm>
-        <a:off x="6257782" y="2737770"/>
-        <a:ext cx="1895236" cy="1137142"/>
+        <a:off x="760984" y="3297397"/>
+        <a:ext cx="9480295" cy="658860"/>
       </dsp:txXfrm>
     </dsp:sp>
   </dsp:spTree>
@@ -4208,101 +3823,49 @@
 </file>
 
 <file path=ppt/diagrams/layout2.xml><?xml version="1.0" encoding="utf-8"?>
-<dgm:layoutDef xmlns:dgm="http://schemas.openxmlformats.org/drawingml/2006/diagram" xmlns:a="http://schemas.openxmlformats.org/drawingml/2006/main" uniqueId="urn:microsoft.com/office/officeart/2005/8/layout/default">
-  <dgm:title val=""/>
-  <dgm:desc val=""/>
+<dgm:layoutDef xmlns:dgm="http://schemas.openxmlformats.org/drawingml/2006/diagram" xmlns:a="http://schemas.openxmlformats.org/drawingml/2006/main" uniqueId="urn:microsoft.com/office/officeart/2018/2/layout/IconVerticalSolidList">
+  <dgm:title val="Icon Vertical Solid List"/>
+  <dgm:desc val="Use to show a series of visuals from top to bottom with Level 1 or Level 1 and Level 2 text grouped in a shape. Works best with icons or small pictures with lengthier descriptions."/>
   <dgm:catLst>
-    <dgm:cat type="list" pri="400"/>
+    <dgm:cat type="icon" pri="500"/>
   </dgm:catLst>
-  <dgm:sampData>
+  <dgm:sampData useDef="1">
     <dgm:dataModel>
-      <dgm:ptLst>
-        <dgm:pt modelId="0" type="doc"/>
-        <dgm:pt modelId="1">
-          <dgm:prSet phldr="1"/>
-        </dgm:pt>
-        <dgm:pt modelId="2">
-          <dgm:prSet phldr="1"/>
-        </dgm:pt>
-        <dgm:pt modelId="3">
-          <dgm:prSet phldr="1"/>
-        </dgm:pt>
-        <dgm:pt modelId="4">
-          <dgm:prSet phldr="1"/>
-        </dgm:pt>
-        <dgm:pt modelId="5">
-          <dgm:prSet phldr="1"/>
-        </dgm:pt>
-      </dgm:ptLst>
-      <dgm:cxnLst>
-        <dgm:cxn modelId="6" srcId="0" destId="1" srcOrd="0" destOrd="0"/>
-        <dgm:cxn modelId="7" srcId="0" destId="2" srcOrd="1" destOrd="0"/>
-        <dgm:cxn modelId="8" srcId="0" destId="3" srcOrd="2" destOrd="0"/>
-        <dgm:cxn modelId="9" srcId="0" destId="4" srcOrd="3" destOrd="0"/>
-        <dgm:cxn modelId="10" srcId="0" destId="5" srcOrd="4" destOrd="0"/>
-      </dgm:cxnLst>
+      <dgm:ptLst/>
       <dgm:bg/>
       <dgm:whole/>
     </dgm:dataModel>
   </dgm:sampData>
-  <dgm:styleData>
+  <dgm:styleData useDef="1">
     <dgm:dataModel>
-      <dgm:ptLst>
-        <dgm:pt modelId="0" type="doc"/>
-        <dgm:pt modelId="1"/>
-        <dgm:pt modelId="2"/>
-      </dgm:ptLst>
-      <dgm:cxnLst>
-        <dgm:cxn modelId="3" srcId="0" destId="1" srcOrd="0" destOrd="0"/>
-        <dgm:cxn modelId="4" srcId="0" destId="2" srcOrd="1" destOrd="0"/>
-      </dgm:cxnLst>
+      <dgm:ptLst/>
       <dgm:bg/>
       <dgm:whole/>
     </dgm:dataModel>
   </dgm:styleData>
-  <dgm:clrData>
+  <dgm:clrData useDef="1">
     <dgm:dataModel>
-      <dgm:ptLst>
-        <dgm:pt modelId="0" type="doc"/>
-        <dgm:pt modelId="1"/>
-        <dgm:pt modelId="2"/>
-        <dgm:pt modelId="3"/>
-        <dgm:pt modelId="4"/>
-        <dgm:pt modelId="5"/>
-        <dgm:pt modelId="6"/>
-      </dgm:ptLst>
-      <dgm:cxnLst>
-        <dgm:cxn modelId="7" srcId="0" destId="1" srcOrd="0" destOrd="0"/>
-        <dgm:cxn modelId="8" srcId="0" destId="2" srcOrd="1" destOrd="0"/>
-        <dgm:cxn modelId="9" srcId="0" destId="3" srcOrd="2" destOrd="0"/>
-        <dgm:cxn modelId="10" srcId="0" destId="4" srcOrd="3" destOrd="0"/>
-        <dgm:cxn modelId="11" srcId="0" destId="5" srcOrd="4" destOrd="0"/>
-        <dgm:cxn modelId="12" srcId="0" destId="6" srcOrd="5" destOrd="0"/>
-      </dgm:cxnLst>
+      <dgm:ptLst/>
       <dgm:bg/>
       <dgm:whole/>
     </dgm:dataModel>
   </dgm:clrData>
-  <dgm:layoutNode name="diagram">
+  <dgm:layoutNode name="root">
     <dgm:varLst>
       <dgm:dir/>
       <dgm:resizeHandles val="exact"/>
     </dgm:varLst>
     <dgm:choose name="Name0">
-      <dgm:if name="Name1" func="var" arg="dir" op="equ" val="norm">
-        <dgm:alg type="snake">
-          <dgm:param type="grDir" val="tL"/>
-          <dgm:param type="flowDir" val="row"/>
-          <dgm:param type="contDir" val="sameDir"/>
-          <dgm:param type="off" val="ctr"/>
+      <dgm:if name="Name1" axis="self" func="var" arg="dir" op="equ" val="norm">
+        <dgm:alg type="lin">
+          <dgm:param type="linDir" val="fromT"/>
+          <dgm:param type="nodeHorzAlign" val="l"/>
         </dgm:alg>
       </dgm:if>
       <dgm:else name="Name2">
-        <dgm:alg type="snake">
-          <dgm:param type="grDir" val="tR"/>
-          <dgm:param type="flowDir" val="row"/>
-          <dgm:param type="contDir" val="sameDir"/>
-          <dgm:param type="off" val="ctr"/>
+        <dgm:alg type="lin">
+          <dgm:param type="linDir" val="fromT"/>
+          <dgm:param type="nodeHorzAlign" val="r"/>
         </dgm:alg>
       </dgm:else>
     </dgm:choose>
@@ -4310,36 +3873,150 @@
       <dgm:adjLst/>
     </dgm:shape>
     <dgm:presOf/>
-    <dgm:constrLst>
-      <dgm:constr type="w" for="ch" forName="node" refType="w"/>
-      <dgm:constr type="h" for="ch" forName="node" refType="w" refFor="ch" refForName="node" fact="0.6"/>
-      <dgm:constr type="w" for="ch" forName="sibTrans" refType="w" refFor="ch" refForName="node" fact="0.1"/>
-      <dgm:constr type="sp" refType="w" refFor="ch" refForName="sibTrans"/>
-      <dgm:constr type="primFontSz" for="ch" forName="node" op="equ" val="65"/>
-    </dgm:constrLst>
-    <dgm:ruleLst/>
-    <dgm:forEach name="Name3" axis="ch" ptType="node">
-      <dgm:layoutNode name="node">
-        <dgm:varLst>
-          <dgm:bulletEnabled val="1"/>
-        </dgm:varLst>
-        <dgm:alg type="tx"/>
-        <dgm:shape xmlns:r="http://schemas.openxmlformats.org/officeDocument/2006/relationships" type="rect" r:blip="">
+    <dgm:choose name="Name3">
+      <dgm:if name="Name4" axis="ch" ptType="node" func="cnt" op="lte" val="3">
+        <dgm:constrLst>
+          <dgm:constr type="h" for="ch" forName="compNode" refType="h" fact="0.3"/>
+          <dgm:constr type="w" for="ch" forName="compNode" refType="w"/>
+          <dgm:constr type="h" for="ch" forName="sibTrans" refType="h" refFor="ch" refForName="compNode" fact="0.25"/>
+          <dgm:constr type="primFontSz" for="des" forName="parTx" val="25"/>
+          <dgm:constr type="primFontSz" for="des" forName="desTx" refType="primFontSz" refFor="des" refForName="parTx" op="lte" fact="0.75"/>
+          <dgm:constr type="h" for="des" forName="compNode" op="equ"/>
+          <dgm:constr type="h" for="des" forName="bgRect" op="equ"/>
+          <dgm:constr type="h" for="des" forName="iconRect" op="equ"/>
+          <dgm:constr type="w" for="des" forName="iconRect" op="equ"/>
+          <dgm:constr type="h" for="des" forName="spaceRect" op="equ"/>
+          <dgm:constr type="h" for="des" forName="parTx" op="equ"/>
+          <dgm:constr type="h" for="des" forName="desTx" op="equ"/>
+        </dgm:constrLst>
+      </dgm:if>
+      <dgm:if name="Name5" axis="ch" ptType="node" func="cnt" op="lte" val="4">
+        <dgm:constrLst>
+          <dgm:constr type="h" for="ch" forName="compNode" refType="h" fact="0.3"/>
+          <dgm:constr type="w" for="ch" forName="compNode" refType="w"/>
+          <dgm:constr type="h" for="ch" forName="sibTrans" refType="h" refFor="ch" refForName="compNode" fact="0.25"/>
+          <dgm:constr type="primFontSz" for="des" forName="parTx" val="22"/>
+          <dgm:constr type="primFontSz" for="des" forName="desTx" refType="primFontSz" refFor="des" refForName="parTx" op="lte" fact="0.75"/>
+          <dgm:constr type="h" for="des" forName="compNode" op="equ"/>
+          <dgm:constr type="h" for="des" forName="bgRect" op="equ"/>
+          <dgm:constr type="h" for="des" forName="iconRect" op="equ"/>
+          <dgm:constr type="w" for="des" forName="iconRect" op="equ"/>
+          <dgm:constr type="h" for="des" forName="spaceRect" op="equ"/>
+          <dgm:constr type="h" for="des" forName="parTx" op="equ"/>
+          <dgm:constr type="h" for="des" forName="desTx" op="equ"/>
+        </dgm:constrLst>
+      </dgm:if>
+      <dgm:if name="Name6" axis="ch" ptType="node" func="cnt" op="lte" val="6">
+        <dgm:constrLst>
+          <dgm:constr type="h" for="ch" forName="compNode" refType="h" fact="0.3"/>
+          <dgm:constr type="w" for="ch" forName="compNode" refType="w"/>
+          <dgm:constr type="h" for="ch" forName="sibTrans" refType="h" refFor="ch" refForName="compNode" fact="0.25"/>
+          <dgm:constr type="primFontSz" for="des" forName="parTx" val="19"/>
+          <dgm:constr type="primFontSz" for="des" forName="desTx" refType="primFontSz" refFor="des" refForName="parTx" op="lte" fact="0.75"/>
+          <dgm:constr type="h" for="des" forName="compNode" op="equ"/>
+          <dgm:constr type="h" for="des" forName="bgRect" op="equ"/>
+          <dgm:constr type="h" for="des" forName="iconRect" op="equ"/>
+          <dgm:constr type="w" for="des" forName="iconRect" op="equ"/>
+          <dgm:constr type="h" for="des" forName="spaceRect" op="equ"/>
+          <dgm:constr type="h" for="des" forName="parTx" op="equ"/>
+          <dgm:constr type="h" for="des" forName="desTx" op="equ"/>
+        </dgm:constrLst>
+      </dgm:if>
+      <dgm:else name="Name7">
+        <dgm:constrLst>
+          <dgm:constr type="h" for="ch" forName="compNode" refType="h" fact="0.3"/>
+          <dgm:constr type="w" for="ch" forName="compNode" refType="w"/>
+          <dgm:constr type="h" for="ch" forName="sibTrans" refType="h" refFor="ch" refForName="compNode" fact="0.25"/>
+          <dgm:constr type="primFontSz" for="des" forName="parTx" val="16"/>
+          <dgm:constr type="primFontSz" for="des" forName="desTx" refType="primFontSz" refFor="des" refForName="parTx" op="lte" fact="0.75"/>
+          <dgm:constr type="h" for="des" forName="compNode" op="equ"/>
+          <dgm:constr type="h" for="des" forName="bgRect" op="equ"/>
+          <dgm:constr type="h" for="des" forName="iconRect" op="equ"/>
+          <dgm:constr type="w" for="des" forName="iconRect" op="equ"/>
+          <dgm:constr type="h" for="des" forName="spaceRect" op="equ"/>
+          <dgm:constr type="h" for="des" forName="parTx" op="equ"/>
+          <dgm:constr type="h" for="des" forName="desTx" op="equ"/>
+        </dgm:constrLst>
+      </dgm:else>
+    </dgm:choose>
+    <dgm:ruleLst>
+      <dgm:rule type="h" for="ch" forName="compNode" val="0" fact="NaN" max="NaN"/>
+    </dgm:ruleLst>
+    <dgm:forEach name="Name8" axis="ch" ptType="node">
+      <dgm:layoutNode name="compNode">
+        <dgm:alg type="composite"/>
+        <dgm:shape xmlns:r="http://schemas.openxmlformats.org/officeDocument/2006/relationships" r:blip="">
           <dgm:adjLst/>
         </dgm:shape>
-        <dgm:presOf axis="desOrSelf" ptType="node"/>
-        <dgm:constrLst>
-          <dgm:constr type="lMarg" refType="primFontSz" fact="0.3"/>
-          <dgm:constr type="rMarg" refType="primFontSz" fact="0.3"/>
-          <dgm:constr type="tMarg" refType="primFontSz" fact="0.3"/>
-          <dgm:constr type="bMarg" refType="primFontSz" fact="0.3"/>
-        </dgm:constrLst>
+        <dgm:presOf axis="self"/>
+        <dgm:choose name="Name9">
+          <dgm:if name="Name10" axis="ch" ptType="node" func="cnt" op="gte" val="1">
+            <dgm:constrLst>
+              <dgm:constr type="w" for="ch" forName="bgRect" refType="w"/>
+              <dgm:constr type="h" for="ch" forName="bgRect" refType="h"/>
+              <dgm:constr type="l" for="ch" forName="bgRect"/>
+              <dgm:constr type="t" for="ch" forName="bgRect"/>
+              <dgm:constr type="h" for="ch" forName="iconRect" refType="h" fact="0.55"/>
+              <dgm:constr type="w" for="ch" forName="iconRect" refType="h" refFor="ch" refForName="iconRect"/>
+              <dgm:constr type="l" for="ch" forName="iconRect" refType="h" refFor="ch" refForName="iconRect" fact="0.55"/>
+              <dgm:constr type="ctrY" for="ch" forName="iconRect" refType="ctrY" refFor="ch" refForName="bgRect"/>
+              <dgm:constr type="w" for="ch" forName="spaceRect" refType="l" refFor="ch" refForName="iconRect"/>
+              <dgm:constr type="h" for="ch" forName="spaceRect" refType="h"/>
+              <dgm:constr type="l" for="ch" forName="spaceRect" refType="r" refFor="ch" refForName="iconRect"/>
+              <dgm:constr type="t" for="ch" forName="spaceRect"/>
+              <dgm:constr type="w" for="ch" forName="parTx" refType="w" fact="0.45"/>
+              <dgm:constr type="h" for="ch" forName="parTx" refType="h"/>
+              <dgm:constr type="l" for="ch" forName="parTx" refType="r" refFor="ch" refForName="spaceRect"/>
+              <dgm:constr type="t" for="ch" forName="parTx"/>
+              <dgm:constr type="h" for="ch" forName="desTx" refType="h"/>
+              <dgm:constr type="l" for="ch" forName="desTx" refType="r" refFor="ch" refForName="parTx"/>
+              <dgm:constr type="t" for="ch" forName="desTx"/>
+            </dgm:constrLst>
+          </dgm:if>
+          <dgm:else name="Name11">
+            <dgm:constrLst>
+              <dgm:constr type="w" for="ch" forName="bgRect" refType="w"/>
+              <dgm:constr type="h" for="ch" forName="bgRect" refType="h"/>
+              <dgm:constr type="l" for="ch" forName="bgRect"/>
+              <dgm:constr type="t" for="ch" forName="bgRect"/>
+              <dgm:constr type="h" for="ch" forName="iconRect" refType="h" fact="0.55"/>
+              <dgm:constr type="w" for="ch" forName="iconRect" refType="h" refFor="ch" refForName="iconRect"/>
+              <dgm:constr type="l" for="ch" forName="iconRect" refType="h" refFor="ch" refForName="iconRect" fact="0.55"/>
+              <dgm:constr type="ctrY" for="ch" forName="iconRect" refType="ctrY" refFor="ch" refForName="bgRect"/>
+              <dgm:constr type="w" for="ch" forName="spaceRect" refType="l" refFor="ch" refForName="iconRect"/>
+              <dgm:constr type="h" for="ch" forName="spaceRect" refType="h"/>
+              <dgm:constr type="l" for="ch" forName="spaceRect" refType="r" refFor="ch" refForName="iconRect"/>
+              <dgm:constr type="t" for="ch" forName="spaceRect"/>
+              <dgm:constr type="h" for="ch" forName="parTx" refType="h"/>
+              <dgm:constr type="l" for="ch" forName="parTx" refType="r" refFor="ch" refForName="spaceRect"/>
+              <dgm:constr type="t" for="ch" forName="parTx"/>
+            </dgm:constrLst>
+          </dgm:else>
+        </dgm:choose>
         <dgm:ruleLst>
-          <dgm:rule type="primFontSz" val="5" fact="NaN" max="NaN"/>
+          <dgm:rule type="h" val="INF" fact="NaN" max="NaN"/>
         </dgm:ruleLst>
-      </dgm:layoutNode>
-      <dgm:forEach name="Name4" axis="followSib" ptType="sibTrans" cnt="1">
-        <dgm:layoutNode name="sibTrans">
+        <dgm:layoutNode name="bgRect" styleLbl="bgShp">
+          <dgm:alg type="sp"/>
+          <dgm:shape xmlns:r="http://schemas.openxmlformats.org/officeDocument/2006/relationships" type="roundRect" r:blip="">
+            <dgm:adjLst>
+              <dgm:adj idx="1" val="0.1"/>
+            </dgm:adjLst>
+          </dgm:shape>
+          <dgm:presOf/>
+          <dgm:constrLst/>
+          <dgm:ruleLst/>
+        </dgm:layoutNode>
+        <dgm:layoutNode name="iconRect" styleLbl="node1">
+          <dgm:alg type="sp"/>
+          <dgm:shape xmlns:r="http://schemas.openxmlformats.org/officeDocument/2006/relationships" type="rect" r:blip="" blipPhldr="1">
+            <dgm:adjLst/>
+          </dgm:shape>
+          <dgm:presOf/>
+          <dgm:constrLst/>
+          <dgm:ruleLst/>
+        </dgm:layoutNode>
+        <dgm:layoutNode name="spaceRect">
           <dgm:alg type="sp"/>
           <dgm:shape xmlns:r="http://schemas.openxmlformats.org/officeDocument/2006/relationships" r:blip="">
             <dgm:adjLst/>
@@ -4348,9 +4025,94 @@
           <dgm:constrLst/>
           <dgm:ruleLst/>
         </dgm:layoutNode>
+        <dgm:layoutNode name="parTx" styleLbl="revTx">
+          <dgm:varLst>
+            <dgm:chMax val="0"/>
+            <dgm:chPref val="0"/>
+          </dgm:varLst>
+          <dgm:alg type="tx">
+            <dgm:param type="txAnchorVert" val="mid"/>
+            <dgm:param type="parTxLTRAlign" val="l"/>
+            <dgm:param type="shpTxLTRAlignCh" val="l"/>
+            <dgm:param type="parTxRTLAlign" val="r"/>
+            <dgm:param type="shpTxRTLAlignCh" val="r"/>
+          </dgm:alg>
+          <dgm:shape xmlns:r="http://schemas.openxmlformats.org/officeDocument/2006/relationships" type="rect" r:blip="">
+            <dgm:adjLst/>
+          </dgm:shape>
+          <dgm:presOf axis="self" ptType="node"/>
+          <dgm:constrLst>
+            <dgm:constr type="lMarg" refType="h" fact="0.3"/>
+            <dgm:constr type="rMarg" refType="h" fact="0.3"/>
+            <dgm:constr type="tMarg" refType="h" fact="0.3"/>
+            <dgm:constr type="bMarg" refType="h" fact="0.3"/>
+          </dgm:constrLst>
+          <dgm:ruleLst>
+            <dgm:rule type="primFontSz" val="14" fact="NaN" max="NaN"/>
+            <dgm:rule type="h" val="INF" fact="NaN" max="NaN"/>
+          </dgm:ruleLst>
+        </dgm:layoutNode>
+        <dgm:choose name="Name12">
+          <dgm:if name="Name13" axis="ch" ptType="node" func="cnt" op="gte" val="1">
+            <dgm:layoutNode name="desTx" styleLbl="revTx">
+              <dgm:varLst/>
+              <dgm:alg type="tx">
+                <dgm:param type="txAnchorVertCh" val="mid"/>
+                <dgm:param type="parTxLTRAlign" val="l"/>
+                <dgm:param type="shpTxLTRAlignCh" val="l"/>
+                <dgm:param type="parTxRTLAlign" val="r"/>
+                <dgm:param type="shpTxRTLAlignCh" val="r"/>
+                <dgm:param type="stBulletLvl" val="0"/>
+              </dgm:alg>
+              <dgm:shape xmlns:r="http://schemas.openxmlformats.org/officeDocument/2006/relationships" type="rect" r:blip="">
+                <dgm:adjLst/>
+              </dgm:shape>
+              <dgm:presOf axis="des" ptType="node"/>
+              <dgm:constrLst>
+                <dgm:constr type="primFontSz" val="18"/>
+                <dgm:constr type="secFontSz" refType="primFontSz"/>
+                <dgm:constr type="lMarg" refType="h" fact="0.3"/>
+                <dgm:constr type="rMarg" refType="h" fact="0.3"/>
+                <dgm:constr type="tMarg" refType="h" fact="0.3"/>
+                <dgm:constr type="bMarg" refType="h" fact="0.3"/>
+              </dgm:constrLst>
+              <dgm:ruleLst>
+                <dgm:rule type="primFontSz" val="11" fact="NaN" max="NaN"/>
+              </dgm:ruleLst>
+            </dgm:layoutNode>
+          </dgm:if>
+          <dgm:else name="Name14"/>
+        </dgm:choose>
+      </dgm:layoutNode>
+      <dgm:forEach name="Name15" axis="followSib" ptType="sibTrans" cnt="1">
+        <dgm:layoutNode name="sibTrans">
+          <dgm:alg type="sp"/>
+          <dgm:shape xmlns:r="http://schemas.openxmlformats.org/officeDocument/2006/relationships" r:blip="">
+            <dgm:adjLst/>
+          </dgm:shape>
+          <dgm:presOf axis="self"/>
+          <dgm:constrLst/>
+          <dgm:ruleLst/>
+        </dgm:layoutNode>
       </dgm:forEach>
     </dgm:forEach>
   </dgm:layoutNode>
+  <dgm:extLst>
+    <a:ext uri="{68A01E43-0DF5-4B5B-8FA6-DAF915123BFB}">
+      <dgm1612:lstStyle xmlns:dgm1612="http://schemas.microsoft.com/office/drawing/2016/12/diagram">
+        <a:lvl1pPr>
+          <a:lnSpc>
+            <a:spcPct val="100000"/>
+          </a:lnSpc>
+        </a:lvl1pPr>
+        <a:lvl2pPr>
+          <a:lnSpc>
+            <a:spcPct val="100000"/>
+          </a:lnSpc>
+        </a:lvl2pPr>
+      </dgm1612:lstStyle>
+    </a:ext>
+  </dgm:extLst>
 </dgm:layoutDef>
 </file>
 
@@ -10499,6 +10261,14 @@
 <file path=ppt/slides/slide3.xml><?xml version="1.0" encoding="utf-8"?>
 <p:sld xmlns:a="http://schemas.openxmlformats.org/drawingml/2006/main" xmlns:r="http://schemas.openxmlformats.org/officeDocument/2006/relationships" xmlns:p="http://schemas.openxmlformats.org/presentationml/2006/main">
   <p:cSld>
+    <p:bg>
+      <p:bgPr>
+        <a:solidFill>
+          <a:schemeClr val="bg1"/>
+        </a:solidFill>
+        <a:effectLst/>
+      </p:bgPr>
+    </p:bg>
     <p:spTree>
       <p:nvGrpSpPr>
         <p:cNvPr id="1" name=""/>
@@ -10513,12 +10283,88 @@
           <a:chExt cx="0" cy="0"/>
         </a:xfrm>
       </p:grpSpPr>
+      <p:sp useBgFill="1">
+        <p:nvSpPr>
+          <p:cNvPr id="15" name="Rectangle 8">
+            <a:extLst>
+              <a:ext uri="{FF2B5EF4-FFF2-40B4-BE49-F238E27FC236}">
+                <a16:creationId xmlns:a16="http://schemas.microsoft.com/office/drawing/2014/main" id="{1B15ED52-F352-441B-82BF-E0EA34836D08}"/>
+              </a:ext>
+              <a:ext uri="{C183D7F6-B498-43B3-948B-1728B52AA6E4}">
+                <adec:decorative xmlns:adec="http://schemas.microsoft.com/office/drawing/2017/decorative" val="1"/>
+              </a:ext>
+            </a:extLst>
+          </p:cNvPr>
+          <p:cNvSpPr>
+            <a:spLocks noGrp="1" noRot="1" noChangeAspect="1" noMove="1" noResize="1" noEditPoints="1" noAdjustHandles="1" noChangeArrowheads="1" noChangeShapeType="1" noTextEdit="1"/>
+          </p:cNvSpPr>
+          <p:nvPr>
+            <p:extLst>
+              <p:ext uri="{386F3935-93C4-4BCD-93E2-E3B085C9AB24}">
+                <p16:designElem xmlns:p16="http://schemas.microsoft.com/office/powerpoint/2015/main" val="1"/>
+              </p:ext>
+            </p:extLst>
+          </p:nvPr>
+        </p:nvSpPr>
+        <p:spPr>
+          <a:xfrm>
+            <a:off x="0" y="0"/>
+            <a:ext cx="12192000" cy="6858000"/>
+          </a:xfrm>
+          <a:prstGeom prst="rect">
+            <a:avLst/>
+          </a:prstGeom>
+          <a:ln w="12700" cap="flat" cmpd="sng" algn="ctr">
+            <a:noFill/>
+            <a:prstDash val="solid"/>
+            <a:miter lim="800000"/>
+          </a:ln>
+          <a:effectLst/>
+          <a:extLst>
+            <a:ext uri="{91240B29-F687-4F45-9708-019B960494DF}">
+              <a14:hiddenLine xmlns:a14="http://schemas.microsoft.com/office/drawing/2010/main" w="12700" cap="flat" cmpd="sng" algn="ctr">
+                <a:solidFill>
+                  <a:schemeClr val="accent1">
+                    <a:shade val="50000"/>
+                  </a:schemeClr>
+                </a:solidFill>
+                <a:prstDash val="solid"/>
+                <a:miter lim="800000"/>
+              </a14:hiddenLine>
+            </a:ext>
+          </a:extLst>
+        </p:spPr>
+        <p:style>
+          <a:lnRef idx="2">
+            <a:schemeClr val="accent1">
+              <a:shade val="50000"/>
+            </a:schemeClr>
+          </a:lnRef>
+          <a:fillRef idx="1">
+            <a:schemeClr val="accent1"/>
+          </a:fillRef>
+          <a:effectRef idx="0">
+            <a:schemeClr val="accent1"/>
+          </a:effectRef>
+          <a:fontRef idx="minor">
+            <a:schemeClr val="lt1"/>
+          </a:fontRef>
+        </p:style>
+        <p:txBody>
+          <a:bodyPr rtlCol="0" anchor="ctr"/>
+          <a:lstStyle/>
+          <a:p>
+            <a:pPr algn="ctr"/>
+            <a:endParaRPr lang="en-US"/>
+          </a:p>
+        </p:txBody>
+      </p:sp>
       <p:sp>
         <p:nvSpPr>
           <p:cNvPr id="2" name="Otsikko 1">
             <a:extLst>
               <a:ext uri="{FF2B5EF4-FFF2-40B4-BE49-F238E27FC236}">
-                <a16:creationId xmlns:a16="http://schemas.microsoft.com/office/drawing/2014/main" id="{3B265E39-7E51-7781-EE1C-5C2D99B9A553}"/>
+                <a16:creationId xmlns:a16="http://schemas.microsoft.com/office/drawing/2014/main" id="{68F12610-33DC-4FFE-482D-F041B364EC54}"/>
               </a:ext>
             </a:extLst>
           </p:cNvPr>
@@ -10529,49 +10375,341 @@
             <p:ph type="title"/>
           </p:nvPr>
         </p:nvSpPr>
-        <p:spPr/>
+        <p:spPr>
+          <a:xfrm>
+            <a:off x="1380236" y="286601"/>
+            <a:ext cx="5929422" cy="1852976"/>
+          </a:xfrm>
+        </p:spPr>
         <p:txBody>
-          <a:bodyPr/>
+          <a:bodyPr>
+            <a:normAutofit/>
+          </a:bodyPr>
           <a:lstStyle/>
           <a:p>
             <a:r>
-              <a:rPr lang="fi-FI"/>
-              <a:t>Features</a:t>
+              <a:rPr lang="fi-FI" sz="4000"/>
+              <a:t>Features	</a:t>
             </a:r>
-            <a:endParaRPr lang="fi-FI" dirty="0"/>
           </a:p>
         </p:txBody>
       </p:sp>
-      <p:graphicFrame>
-        <p:nvGraphicFramePr>
-          <p:cNvPr id="34" name="Sisällön paikkamerkki 2">
+      <p:sp>
+        <p:nvSpPr>
+          <p:cNvPr id="3" name="Sisällön paikkamerkki 2">
             <a:extLst>
               <a:ext uri="{FF2B5EF4-FFF2-40B4-BE49-F238E27FC236}">
-                <a16:creationId xmlns:a16="http://schemas.microsoft.com/office/drawing/2014/main" id="{F31F6047-D572-FD7A-795D-E1D109DB3D93}"/>
+                <a16:creationId xmlns:a16="http://schemas.microsoft.com/office/drawing/2014/main" id="{554F6C8B-5FE0-35ED-CA16-4A6DC83C4922}"/>
               </a:ext>
             </a:extLst>
           </p:cNvPr>
-          <p:cNvGraphicFramePr>
-            <a:graphicFrameLocks noGrp="1"/>
-          </p:cNvGraphicFramePr>
+          <p:cNvSpPr>
+            <a:spLocks noGrp="1"/>
+          </p:cNvSpPr>
           <p:nvPr>
             <p:ph idx="1"/>
           </p:nvPr>
-        </p:nvGraphicFramePr>
-        <p:xfrm>
-          <a:off x="1371600" y="2112264"/>
-          <a:ext cx="10241280" cy="3959352"/>
-        </p:xfrm>
-        <a:graphic>
-          <a:graphicData uri="http://schemas.openxmlformats.org/drawingml/2006/diagram">
-            <dgm:relIds xmlns:dgm="http://schemas.openxmlformats.org/drawingml/2006/diagram" xmlns:r="http://schemas.openxmlformats.org/officeDocument/2006/relationships" r:dm="rId2" r:lo="rId3" r:qs="rId4" r:cs="rId5"/>
-          </a:graphicData>
-        </a:graphic>
-      </p:graphicFrame>
+        </p:nvSpPr>
+        <p:spPr>
+          <a:xfrm>
+            <a:off x="1380237" y="2621381"/>
+            <a:ext cx="5929422" cy="3322219"/>
+          </a:xfrm>
+        </p:spPr>
+        <p:txBody>
+          <a:bodyPr>
+            <a:normAutofit/>
+          </a:bodyPr>
+          <a:lstStyle/>
+          <a:p>
+            <a:pPr>
+              <a:lnSpc>
+                <a:spcPct val="110000"/>
+              </a:lnSpc>
+            </a:pPr>
+            <a:r>
+              <a:rPr lang="en-US" sz="1500" dirty="0"/>
+              <a:t>Utilizes AES-GCM encryption to safeguard passwords locally, ensuring maximum security before transmission.</a:t>
+            </a:r>
+          </a:p>
+          <a:p>
+            <a:pPr>
+              <a:lnSpc>
+                <a:spcPct val="110000"/>
+              </a:lnSpc>
+            </a:pPr>
+            <a:r>
+              <a:rPr lang="en-US" sz="1500" dirty="0"/>
+              <a:t>Seamlessly generate highly secure passwords using robust cryptographic methods.</a:t>
+            </a:r>
+          </a:p>
+          <a:p>
+            <a:pPr>
+              <a:lnSpc>
+                <a:spcPct val="110000"/>
+              </a:lnSpc>
+            </a:pPr>
+            <a:r>
+              <a:rPr lang="en-US" sz="1500" dirty="0"/>
+              <a:t>All passwords securely stored in a PostgreSQL database inside docker network.</a:t>
+            </a:r>
+          </a:p>
+          <a:p>
+            <a:pPr>
+              <a:lnSpc>
+                <a:spcPct val="110000"/>
+              </a:lnSpc>
+            </a:pPr>
+            <a:r>
+              <a:rPr lang="en-US" sz="1500" dirty="0"/>
+              <a:t>Flexible user management system allowing multiple users to securely access and manage their passwords within the platform.</a:t>
+            </a:r>
+          </a:p>
+          <a:p>
+            <a:pPr>
+              <a:lnSpc>
+                <a:spcPct val="110000"/>
+              </a:lnSpc>
+            </a:pPr>
+            <a:r>
+              <a:rPr lang="fi-FI" sz="1500" dirty="0" err="1"/>
+              <a:t>Intuitive</a:t>
+            </a:r>
+            <a:r>
+              <a:rPr lang="fi-FI" sz="1500" dirty="0"/>
+              <a:t> </a:t>
+            </a:r>
+            <a:r>
+              <a:rPr lang="fi-FI" sz="1500" dirty="0" err="1"/>
+              <a:t>React</a:t>
+            </a:r>
+            <a:r>
+              <a:rPr lang="fi-FI" sz="1500" dirty="0"/>
+              <a:t> </a:t>
+            </a:r>
+            <a:r>
+              <a:rPr lang="fi-FI" sz="1500" dirty="0" err="1"/>
+              <a:t>Interface</a:t>
+            </a:r>
+            <a:r>
+              <a:rPr lang="fi-FI" sz="1500" dirty="0"/>
+              <a:t>.</a:t>
+            </a:r>
+          </a:p>
+          <a:p>
+            <a:pPr>
+              <a:lnSpc>
+                <a:spcPct val="110000"/>
+              </a:lnSpc>
+            </a:pPr>
+            <a:r>
+              <a:rPr lang="en-US" sz="1500" dirty="0"/>
+              <a:t>Built-in measures to prevent SQL injection attacks.</a:t>
+            </a:r>
+            <a:endParaRPr lang="fi-FI" sz="1500" dirty="0"/>
+          </a:p>
+          <a:p>
+            <a:pPr>
+              <a:lnSpc>
+                <a:spcPct val="110000"/>
+              </a:lnSpc>
+            </a:pPr>
+            <a:endParaRPr lang="fi-FI" sz="1500" dirty="0"/>
+          </a:p>
+          <a:p>
+            <a:pPr>
+              <a:lnSpc>
+                <a:spcPct val="110000"/>
+              </a:lnSpc>
+            </a:pPr>
+            <a:endParaRPr lang="fi-FI" sz="1500" dirty="0"/>
+          </a:p>
+        </p:txBody>
+      </p:sp>
+      <p:sp>
+        <p:nvSpPr>
+          <p:cNvPr id="16" name="Rectangle 10">
+            <a:extLst>
+              <a:ext uri="{FF2B5EF4-FFF2-40B4-BE49-F238E27FC236}">
+                <a16:creationId xmlns:a16="http://schemas.microsoft.com/office/drawing/2014/main" id="{61707E60-CEC9-4661-AA82-69242EB4BDC3}"/>
+              </a:ext>
+              <a:ext uri="{C183D7F6-B498-43B3-948B-1728B52AA6E4}">
+                <adec:decorative xmlns:adec="http://schemas.microsoft.com/office/drawing/2017/decorative" val="1"/>
+              </a:ext>
+            </a:extLst>
+          </p:cNvPr>
+          <p:cNvSpPr>
+            <a:spLocks noGrp="1" noRot="1" noChangeAspect="1" noMove="1" noResize="1" noEditPoints="1" noAdjustHandles="1" noChangeArrowheads="1" noChangeShapeType="1" noTextEdit="1"/>
+          </p:cNvSpPr>
+          <p:nvPr>
+            <p:extLst>
+              <p:ext uri="{386F3935-93C4-4BCD-93E2-E3B085C9AB24}">
+                <p16:designElem xmlns:p16="http://schemas.microsoft.com/office/powerpoint/2015/main" val="1"/>
+              </p:ext>
+            </p:extLst>
+          </p:nvPr>
+        </p:nvSpPr>
+        <p:spPr>
+          <a:xfrm flipH="1">
+            <a:off x="0" y="6406116"/>
+            <a:ext cx="12191998" cy="461774"/>
+          </a:xfrm>
+          <a:prstGeom prst="rect">
+            <a:avLst/>
+          </a:prstGeom>
+          <a:gradFill>
+            <a:gsLst>
+              <a:gs pos="0">
+                <a:schemeClr val="accent5"/>
+              </a:gs>
+              <a:gs pos="100000">
+                <a:schemeClr val="accent2">
+                  <a:lumMod val="60000"/>
+                  <a:lumOff val="40000"/>
+                  <a:alpha val="59000"/>
+                </a:schemeClr>
+              </a:gs>
+            </a:gsLst>
+            <a:lin ang="15000000" scaled="0"/>
+          </a:gradFill>
+          <a:ln>
+            <a:noFill/>
+          </a:ln>
+        </p:spPr>
+        <p:style>
+          <a:lnRef idx="2">
+            <a:schemeClr val="accent1">
+              <a:shade val="50000"/>
+            </a:schemeClr>
+          </a:lnRef>
+          <a:fillRef idx="1">
+            <a:schemeClr val="accent1"/>
+          </a:fillRef>
+          <a:effectRef idx="0">
+            <a:schemeClr val="accent1"/>
+          </a:effectRef>
+          <a:fontRef idx="minor">
+            <a:schemeClr val="lt1"/>
+          </a:fontRef>
+        </p:style>
+        <p:txBody>
+          <a:bodyPr rtlCol="0" anchor="ctr"/>
+          <a:lstStyle/>
+          <a:p>
+            <a:pPr algn="ctr"/>
+            <a:endParaRPr lang="en-US"/>
+          </a:p>
+        </p:txBody>
+      </p:sp>
+      <p:sp>
+        <p:nvSpPr>
+          <p:cNvPr id="17" name="Rectangle 12">
+            <a:extLst>
+              <a:ext uri="{FF2B5EF4-FFF2-40B4-BE49-F238E27FC236}">
+                <a16:creationId xmlns:a16="http://schemas.microsoft.com/office/drawing/2014/main" id="{8F035CD8-AE30-4146-96F2-036B0CE5E4F3}"/>
+              </a:ext>
+              <a:ext uri="{C183D7F6-B498-43B3-948B-1728B52AA6E4}">
+                <adec:decorative xmlns:adec="http://schemas.microsoft.com/office/drawing/2017/decorative" val="1"/>
+              </a:ext>
+            </a:extLst>
+          </p:cNvPr>
+          <p:cNvSpPr>
+            <a:spLocks noGrp="1" noRot="1" noChangeAspect="1" noMove="1" noResize="1" noEditPoints="1" noAdjustHandles="1" noChangeArrowheads="1" noChangeShapeType="1" noTextEdit="1"/>
+          </p:cNvSpPr>
+          <p:nvPr>
+            <p:extLst>
+              <p:ext uri="{386F3935-93C4-4BCD-93E2-E3B085C9AB24}">
+                <p16:designElem xmlns:p16="http://schemas.microsoft.com/office/powerpoint/2015/main" val="1"/>
+              </p:ext>
+            </p:extLst>
+          </p:nvPr>
+        </p:nvSpPr>
+        <p:spPr>
+          <a:xfrm flipH="1">
+            <a:off x="8115300" y="6406115"/>
+            <a:ext cx="4076698" cy="464399"/>
+          </a:xfrm>
+          <a:prstGeom prst="rect">
+            <a:avLst/>
+          </a:prstGeom>
+          <a:gradFill>
+            <a:gsLst>
+              <a:gs pos="19000">
+                <a:schemeClr val="accent6">
+                  <a:lumMod val="75000"/>
+                  <a:alpha val="61000"/>
+                </a:schemeClr>
+              </a:gs>
+              <a:gs pos="99000">
+                <a:schemeClr val="accent6">
+                  <a:alpha val="87000"/>
+                </a:schemeClr>
+              </a:gs>
+            </a:gsLst>
+            <a:lin ang="13200000" scaled="0"/>
+          </a:gradFill>
+          <a:ln>
+            <a:noFill/>
+          </a:ln>
+        </p:spPr>
+        <p:style>
+          <a:lnRef idx="2">
+            <a:schemeClr val="accent1">
+              <a:shade val="50000"/>
+            </a:schemeClr>
+          </a:lnRef>
+          <a:fillRef idx="1">
+            <a:schemeClr val="accent1"/>
+          </a:fillRef>
+          <a:effectRef idx="0">
+            <a:schemeClr val="accent1"/>
+          </a:effectRef>
+          <a:fontRef idx="minor">
+            <a:schemeClr val="lt1"/>
+          </a:fontRef>
+        </p:style>
+        <p:txBody>
+          <a:bodyPr rtlCol="0" anchor="ctr"/>
+          <a:lstStyle/>
+          <a:p>
+            <a:pPr algn="ctr"/>
+            <a:endParaRPr lang="en-US"/>
+          </a:p>
+        </p:txBody>
+      </p:sp>
+      <p:pic>
+        <p:nvPicPr>
+          <p:cNvPr id="18" name="Picture 4" descr="A 3D pattern of ring shapes connected by lines">
+            <a:extLst>
+              <a:ext uri="{FF2B5EF4-FFF2-40B4-BE49-F238E27FC236}">
+                <a16:creationId xmlns:a16="http://schemas.microsoft.com/office/drawing/2014/main" id="{8307D662-C896-820D-B560-4C6B3D66B8DC}"/>
+              </a:ext>
+            </a:extLst>
+          </p:cNvPr>
+          <p:cNvPicPr>
+            <a:picLocks noChangeAspect="1"/>
+          </p:cNvPicPr>
+          <p:nvPr/>
+        </p:nvPicPr>
+        <p:blipFill rotWithShape="1">
+          <a:blip r:embed="rId2"/>
+          <a:srcRect l="15776" r="48498" b="-1"/>
+          <a:stretch/>
+        </p:blipFill>
+        <p:spPr>
+          <a:xfrm>
+            <a:off x="8115300" y="-12515"/>
+            <a:ext cx="4076700" cy="6418631"/>
+          </a:xfrm>
+          <a:prstGeom prst="rect">
+            <a:avLst/>
+          </a:prstGeom>
+        </p:spPr>
+      </p:pic>
     </p:spTree>
     <p:extLst>
       <p:ext uri="{BB962C8B-B14F-4D97-AF65-F5344CB8AC3E}">
-        <p14:creationId xmlns:p14="http://schemas.microsoft.com/office/powerpoint/2010/main" val="2821412712"/>
+        <p14:creationId xmlns:p14="http://schemas.microsoft.com/office/powerpoint/2010/main" val="26346136"/>
       </p:ext>
     </p:extLst>
   </p:cSld>
@@ -10626,31 +10764,32 @@
           </a:p>
         </p:txBody>
       </p:sp>
-      <p:sp>
-        <p:nvSpPr>
-          <p:cNvPr id="3" name="Sisällön paikkamerkki 2">
+      <p:graphicFrame>
+        <p:nvGraphicFramePr>
+          <p:cNvPr id="5" name="Sisällön paikkamerkki 2">
             <a:extLst>
               <a:ext uri="{FF2B5EF4-FFF2-40B4-BE49-F238E27FC236}">
-                <a16:creationId xmlns:a16="http://schemas.microsoft.com/office/drawing/2014/main" id="{BF542814-7C36-9308-C7BE-5F3325E40711}"/>
+                <a16:creationId xmlns:a16="http://schemas.microsoft.com/office/drawing/2014/main" id="{7209AF88-A943-B504-06B4-27124CD95957}"/>
               </a:ext>
             </a:extLst>
           </p:cNvPr>
-          <p:cNvSpPr>
-            <a:spLocks noGrp="1"/>
-          </p:cNvSpPr>
+          <p:cNvGraphicFramePr>
+            <a:graphicFrameLocks noGrp="1"/>
+          </p:cNvGraphicFramePr>
           <p:nvPr>
             <p:ph idx="1"/>
           </p:nvPr>
-        </p:nvSpPr>
-        <p:spPr/>
-        <p:txBody>
-          <a:bodyPr/>
-          <a:lstStyle/>
-          <a:p>
-            <a:endParaRPr lang="fi-FI"/>
-          </a:p>
-        </p:txBody>
-      </p:sp>
+        </p:nvGraphicFramePr>
+        <p:xfrm>
+          <a:off x="1371600" y="2112264"/>
+          <a:ext cx="10241280" cy="3959352"/>
+        </p:xfrm>
+        <a:graphic>
+          <a:graphicData uri="http://schemas.openxmlformats.org/drawingml/2006/diagram">
+            <dgm:relIds xmlns:dgm="http://schemas.openxmlformats.org/drawingml/2006/diagram" xmlns:r="http://schemas.openxmlformats.org/officeDocument/2006/relationships" r:dm="rId2" r:lo="rId3" r:qs="rId4" r:cs="rId5"/>
+          </a:graphicData>
+        </a:graphic>
+      </p:graphicFrame>
     </p:spTree>
     <p:extLst>
       <p:ext uri="{BB962C8B-B14F-4D97-AF65-F5344CB8AC3E}">
@@ -10667,6 +10806,14 @@
 <file path=ppt/slides/slide5.xml><?xml version="1.0" encoding="utf-8"?>
 <p:sld xmlns:a="http://schemas.openxmlformats.org/drawingml/2006/main" xmlns:r="http://schemas.openxmlformats.org/officeDocument/2006/relationships" xmlns:p="http://schemas.openxmlformats.org/presentationml/2006/main">
   <p:cSld>
+    <p:bg>
+      <p:bgPr>
+        <a:solidFill>
+          <a:schemeClr val="bg1"/>
+        </a:solidFill>
+        <a:effectLst/>
+      </p:bgPr>
+    </p:bg>
     <p:spTree>
       <p:nvGrpSpPr>
         <p:cNvPr id="1" name=""/>
@@ -10683,6 +10830,532 @@
       </p:grpSpPr>
       <p:sp>
         <p:nvSpPr>
+          <p:cNvPr id="25" name="Rectangle 11">
+            <a:extLst>
+              <a:ext uri="{FF2B5EF4-FFF2-40B4-BE49-F238E27FC236}">
+                <a16:creationId xmlns:a16="http://schemas.microsoft.com/office/drawing/2014/main" id="{BD4C0BBB-0042-4603-A226-6117F3FD5B3C}"/>
+              </a:ext>
+              <a:ext uri="{C183D7F6-B498-43B3-948B-1728B52AA6E4}">
+                <adec:decorative xmlns:adec="http://schemas.microsoft.com/office/drawing/2017/decorative" val="1"/>
+              </a:ext>
+            </a:extLst>
+          </p:cNvPr>
+          <p:cNvSpPr>
+            <a:spLocks noGrp="1" noRot="1" noChangeAspect="1" noMove="1" noResize="1" noEditPoints="1" noAdjustHandles="1" noChangeArrowheads="1" noChangeShapeType="1" noTextEdit="1"/>
+          </p:cNvSpPr>
+          <p:nvPr>
+            <p:extLst>
+              <p:ext uri="{386F3935-93C4-4BCD-93E2-E3B085C9AB24}">
+                <p16:designElem xmlns:p16="http://schemas.microsoft.com/office/powerpoint/2015/main" val="1"/>
+              </p:ext>
+            </p:extLst>
+          </p:nvPr>
+        </p:nvSpPr>
+        <p:spPr>
+          <a:xfrm rot="10800000" flipH="1">
+            <a:off x="0" y="6400799"/>
+            <a:ext cx="12192000" cy="456773"/>
+          </a:xfrm>
+          <a:prstGeom prst="rect">
+            <a:avLst/>
+          </a:prstGeom>
+          <a:gradFill>
+            <a:gsLst>
+              <a:gs pos="14000">
+                <a:schemeClr val="accent4">
+                  <a:alpha val="28000"/>
+                </a:schemeClr>
+              </a:gs>
+              <a:gs pos="100000">
+                <a:schemeClr val="accent5">
+                  <a:alpha val="85000"/>
+                </a:schemeClr>
+              </a:gs>
+            </a:gsLst>
+            <a:lin ang="6000000" scaled="0"/>
+          </a:gradFill>
+          <a:ln>
+            <a:noFill/>
+          </a:ln>
+        </p:spPr>
+        <p:style>
+          <a:lnRef idx="2">
+            <a:schemeClr val="accent1">
+              <a:shade val="50000"/>
+            </a:schemeClr>
+          </a:lnRef>
+          <a:fillRef idx="1">
+            <a:schemeClr val="accent1"/>
+          </a:fillRef>
+          <a:effectRef idx="0">
+            <a:schemeClr val="accent1"/>
+          </a:effectRef>
+          <a:fontRef idx="minor">
+            <a:schemeClr val="lt1"/>
+          </a:fontRef>
+        </p:style>
+        <p:txBody>
+          <a:bodyPr rtlCol="0" anchor="ctr"/>
+          <a:lstStyle/>
+          <a:p>
+            <a:pPr algn="ctr"/>
+            <a:endParaRPr lang="en-US"/>
+          </a:p>
+        </p:txBody>
+      </p:sp>
+      <p:sp>
+        <p:nvSpPr>
+          <p:cNvPr id="26" name="Rectangle 13">
+            <a:extLst>
+              <a:ext uri="{FF2B5EF4-FFF2-40B4-BE49-F238E27FC236}">
+                <a16:creationId xmlns:a16="http://schemas.microsoft.com/office/drawing/2014/main" id="{EC44F520-2598-460E-9F91-B02F60830CA2}"/>
+              </a:ext>
+              <a:ext uri="{C183D7F6-B498-43B3-948B-1728B52AA6E4}">
+                <adec:decorative xmlns:adec="http://schemas.microsoft.com/office/drawing/2017/decorative" val="1"/>
+              </a:ext>
+            </a:extLst>
+          </p:cNvPr>
+          <p:cNvSpPr>
+            <a:spLocks noGrp="1" noRot="1" noChangeAspect="1" noMove="1" noResize="1" noEditPoints="1" noAdjustHandles="1" noChangeArrowheads="1" noChangeShapeType="1" noTextEdit="1"/>
+          </p:cNvSpPr>
+          <p:nvPr>
+            <p:extLst>
+              <p:ext uri="{386F3935-93C4-4BCD-93E2-E3B085C9AB24}">
+                <p16:designElem xmlns:p16="http://schemas.microsoft.com/office/powerpoint/2015/main" val="1"/>
+              </p:ext>
+            </p:extLst>
+          </p:nvPr>
+        </p:nvSpPr>
+        <p:spPr>
+          <a:xfrm flipH="1">
+            <a:off x="4038600" y="6400799"/>
+            <a:ext cx="8153398" cy="456772"/>
+          </a:xfrm>
+          <a:prstGeom prst="rect">
+            <a:avLst/>
+          </a:prstGeom>
+          <a:gradFill>
+            <a:gsLst>
+              <a:gs pos="9000">
+                <a:schemeClr val="accent2">
+                  <a:lumMod val="60000"/>
+                  <a:lumOff val="40000"/>
+                  <a:alpha val="55000"/>
+                </a:schemeClr>
+              </a:gs>
+              <a:gs pos="99000">
+                <a:schemeClr val="accent2"/>
+              </a:gs>
+            </a:gsLst>
+            <a:lin ang="14400000" scaled="0"/>
+          </a:gradFill>
+          <a:ln>
+            <a:noFill/>
+          </a:ln>
+        </p:spPr>
+        <p:style>
+          <a:lnRef idx="2">
+            <a:schemeClr val="accent1">
+              <a:shade val="50000"/>
+            </a:schemeClr>
+          </a:lnRef>
+          <a:fillRef idx="1">
+            <a:schemeClr val="accent1"/>
+          </a:fillRef>
+          <a:effectRef idx="0">
+            <a:schemeClr val="accent1"/>
+          </a:effectRef>
+          <a:fontRef idx="minor">
+            <a:schemeClr val="lt1"/>
+          </a:fontRef>
+        </p:style>
+        <p:txBody>
+          <a:bodyPr rtlCol="0" anchor="ctr"/>
+          <a:lstStyle/>
+          <a:p>
+            <a:pPr algn="ctr"/>
+            <a:endParaRPr lang="en-US"/>
+          </a:p>
+        </p:txBody>
+      </p:sp>
+      <p:sp useBgFill="1">
+        <p:nvSpPr>
+          <p:cNvPr id="27" name="Rectangle 15">
+            <a:extLst>
+              <a:ext uri="{FF2B5EF4-FFF2-40B4-BE49-F238E27FC236}">
+                <a16:creationId xmlns:a16="http://schemas.microsoft.com/office/drawing/2014/main" id="{A6776E11-D4F7-41F6-9387-F95E1CB7AA6B}"/>
+              </a:ext>
+              <a:ext uri="{C183D7F6-B498-43B3-948B-1728B52AA6E4}">
+                <adec:decorative xmlns:adec="http://schemas.microsoft.com/office/drawing/2017/decorative" val="1"/>
+              </a:ext>
+            </a:extLst>
+          </p:cNvPr>
+          <p:cNvSpPr>
+            <a:spLocks noGrp="1" noRot="1" noChangeAspect="1" noMove="1" noResize="1" noEditPoints="1" noAdjustHandles="1" noChangeArrowheads="1" noChangeShapeType="1" noTextEdit="1"/>
+          </p:cNvSpPr>
+          <p:nvPr>
+            <p:extLst>
+              <p:ext uri="{386F3935-93C4-4BCD-93E2-E3B085C9AB24}">
+                <p16:designElem xmlns:p16="http://schemas.microsoft.com/office/powerpoint/2015/main" val="1"/>
+              </p:ext>
+            </p:extLst>
+          </p:nvPr>
+        </p:nvSpPr>
+        <p:spPr>
+          <a:xfrm>
+            <a:off x="0" y="0"/>
+            <a:ext cx="12192000" cy="6858000"/>
+          </a:xfrm>
+          <a:prstGeom prst="rect">
+            <a:avLst/>
+          </a:prstGeom>
+          <a:ln w="12700" cap="flat" cmpd="sng" algn="ctr">
+            <a:noFill/>
+            <a:prstDash val="solid"/>
+            <a:miter lim="800000"/>
+          </a:ln>
+          <a:effectLst/>
+          <a:extLst>
+            <a:ext uri="{91240B29-F687-4F45-9708-019B960494DF}">
+              <a14:hiddenLine xmlns:a14="http://schemas.microsoft.com/office/drawing/2010/main" w="12700" cap="flat" cmpd="sng" algn="ctr">
+                <a:solidFill>
+                  <a:schemeClr val="accent1">
+                    <a:shade val="50000"/>
+                  </a:schemeClr>
+                </a:solidFill>
+                <a:prstDash val="solid"/>
+                <a:miter lim="800000"/>
+              </a14:hiddenLine>
+            </a:ext>
+          </a:extLst>
+        </p:spPr>
+        <p:style>
+          <a:lnRef idx="2">
+            <a:schemeClr val="accent1">
+              <a:shade val="50000"/>
+            </a:schemeClr>
+          </a:lnRef>
+          <a:fillRef idx="1">
+            <a:schemeClr val="accent1"/>
+          </a:fillRef>
+          <a:effectRef idx="0">
+            <a:schemeClr val="accent1"/>
+          </a:effectRef>
+          <a:fontRef idx="minor">
+            <a:schemeClr val="lt1"/>
+          </a:fontRef>
+        </p:style>
+        <p:txBody>
+          <a:bodyPr rtlCol="0" anchor="ctr"/>
+          <a:lstStyle/>
+          <a:p>
+            <a:pPr algn="ctr"/>
+            <a:endParaRPr lang="en-US"/>
+          </a:p>
+        </p:txBody>
+      </p:sp>
+      <p:sp>
+        <p:nvSpPr>
+          <p:cNvPr id="28" name="Rectangle 17">
+            <a:extLst>
+              <a:ext uri="{FF2B5EF4-FFF2-40B4-BE49-F238E27FC236}">
+                <a16:creationId xmlns:a16="http://schemas.microsoft.com/office/drawing/2014/main" id="{E75026FC-7ABC-4495-9B75-545BA29563BE}"/>
+              </a:ext>
+              <a:ext uri="{C183D7F6-B498-43B3-948B-1728B52AA6E4}">
+                <adec:decorative xmlns:adec="http://schemas.microsoft.com/office/drawing/2017/decorative" val="1"/>
+              </a:ext>
+            </a:extLst>
+          </p:cNvPr>
+          <p:cNvSpPr>
+            <a:spLocks noGrp="1" noRot="1" noChangeAspect="1" noMove="1" noResize="1" noEditPoints="1" noAdjustHandles="1" noChangeArrowheads="1" noChangeShapeType="1" noTextEdit="1"/>
+          </p:cNvSpPr>
+          <p:nvPr>
+            <p:extLst>
+              <p:ext uri="{386F3935-93C4-4BCD-93E2-E3B085C9AB24}">
+                <p16:designElem xmlns:p16="http://schemas.microsoft.com/office/powerpoint/2015/main" val="1"/>
+              </p:ext>
+            </p:extLst>
+          </p:nvPr>
+        </p:nvSpPr>
+        <p:spPr>
+          <a:xfrm>
+            <a:off x="0" y="5060236"/>
+            <a:ext cx="12198726" cy="1820735"/>
+          </a:xfrm>
+          <a:prstGeom prst="rect">
+            <a:avLst/>
+          </a:prstGeom>
+          <a:gradFill>
+            <a:gsLst>
+              <a:gs pos="0">
+                <a:schemeClr val="accent5">
+                  <a:alpha val="83000"/>
+                </a:schemeClr>
+              </a:gs>
+              <a:gs pos="100000">
+                <a:schemeClr val="accent4">
+                  <a:alpha val="74000"/>
+                </a:schemeClr>
+              </a:gs>
+            </a:gsLst>
+            <a:lin ang="15000000" scaled="0"/>
+          </a:gradFill>
+          <a:ln>
+            <a:noFill/>
+          </a:ln>
+        </p:spPr>
+        <p:style>
+          <a:lnRef idx="2">
+            <a:schemeClr val="accent1">
+              <a:shade val="50000"/>
+            </a:schemeClr>
+          </a:lnRef>
+          <a:fillRef idx="1">
+            <a:schemeClr val="accent1"/>
+          </a:fillRef>
+          <a:effectRef idx="0">
+            <a:schemeClr val="accent1"/>
+          </a:effectRef>
+          <a:fontRef idx="minor">
+            <a:schemeClr val="lt1"/>
+          </a:fontRef>
+        </p:style>
+        <p:txBody>
+          <a:bodyPr rtlCol="0" anchor="ctr"/>
+          <a:lstStyle/>
+          <a:p>
+            <a:pPr algn="ctr"/>
+            <a:endParaRPr lang="en-US"/>
+          </a:p>
+        </p:txBody>
+      </p:sp>
+      <p:sp>
+        <p:nvSpPr>
+          <p:cNvPr id="29" name="Rectangle 19">
+            <a:extLst>
+              <a:ext uri="{FF2B5EF4-FFF2-40B4-BE49-F238E27FC236}">
+                <a16:creationId xmlns:a16="http://schemas.microsoft.com/office/drawing/2014/main" id="{AED82C61-7131-49A1-A07A-B22E472B4D36}"/>
+              </a:ext>
+              <a:ext uri="{C183D7F6-B498-43B3-948B-1728B52AA6E4}">
+                <adec:decorative xmlns:adec="http://schemas.microsoft.com/office/drawing/2017/decorative" val="1"/>
+              </a:ext>
+            </a:extLst>
+          </p:cNvPr>
+          <p:cNvSpPr>
+            <a:spLocks noGrp="1" noRot="1" noChangeAspect="1" noMove="1" noResize="1" noEditPoints="1" noAdjustHandles="1" noChangeArrowheads="1" noChangeShapeType="1" noTextEdit="1"/>
+          </p:cNvSpPr>
+          <p:nvPr>
+            <p:extLst>
+              <p:ext uri="{386F3935-93C4-4BCD-93E2-E3B085C9AB24}">
+                <p16:designElem xmlns:p16="http://schemas.microsoft.com/office/powerpoint/2015/main" val="1"/>
+              </p:ext>
+            </p:extLst>
+          </p:nvPr>
+        </p:nvSpPr>
+        <p:spPr>
+          <a:xfrm rot="5400000" flipH="1">
+            <a:off x="3270744" y="1998314"/>
+            <a:ext cx="1605188" cy="8160125"/>
+          </a:xfrm>
+          <a:prstGeom prst="rect">
+            <a:avLst/>
+          </a:prstGeom>
+          <a:gradFill>
+            <a:gsLst>
+              <a:gs pos="5000">
+                <a:schemeClr val="accent2">
+                  <a:alpha val="63000"/>
+                </a:schemeClr>
+              </a:gs>
+              <a:gs pos="100000">
+                <a:schemeClr val="accent5">
+                  <a:alpha val="43000"/>
+                </a:schemeClr>
+              </a:gs>
+            </a:gsLst>
+            <a:lin ang="9600000" scaled="0"/>
+          </a:gradFill>
+          <a:ln>
+            <a:noFill/>
+          </a:ln>
+        </p:spPr>
+        <p:style>
+          <a:lnRef idx="2">
+            <a:schemeClr val="accent1">
+              <a:shade val="50000"/>
+            </a:schemeClr>
+          </a:lnRef>
+          <a:fillRef idx="1">
+            <a:schemeClr val="accent1"/>
+          </a:fillRef>
+          <a:effectRef idx="0">
+            <a:schemeClr val="accent1"/>
+          </a:effectRef>
+          <a:fontRef idx="minor">
+            <a:schemeClr val="lt1"/>
+          </a:fontRef>
+        </p:style>
+        <p:txBody>
+          <a:bodyPr rtlCol="0" anchor="ctr"/>
+          <a:lstStyle/>
+          <a:p>
+            <a:pPr algn="ctr"/>
+            <a:endParaRPr lang="en-US"/>
+          </a:p>
+        </p:txBody>
+      </p:sp>
+      <p:sp>
+        <p:nvSpPr>
+          <p:cNvPr id="30" name="Rectangle 21">
+            <a:extLst>
+              <a:ext uri="{FF2B5EF4-FFF2-40B4-BE49-F238E27FC236}">
+                <a16:creationId xmlns:a16="http://schemas.microsoft.com/office/drawing/2014/main" id="{F73D5C74-3AF5-4A74-8D32-8DF2C17CE6DE}"/>
+              </a:ext>
+              <a:ext uri="{C183D7F6-B498-43B3-948B-1728B52AA6E4}">
+                <adec:decorative xmlns:adec="http://schemas.microsoft.com/office/drawing/2017/decorative" val="1"/>
+              </a:ext>
+            </a:extLst>
+          </p:cNvPr>
+          <p:cNvSpPr>
+            <a:spLocks noGrp="1" noRot="1" noChangeAspect="1" noMove="1" noResize="1" noEditPoints="1" noAdjustHandles="1" noChangeArrowheads="1" noChangeShapeType="1" noTextEdit="1"/>
+          </p:cNvSpPr>
+          <p:nvPr>
+            <p:extLst>
+              <p:ext uri="{386F3935-93C4-4BCD-93E2-E3B085C9AB24}">
+                <p16:designElem xmlns:p16="http://schemas.microsoft.com/office/powerpoint/2015/main" val="1"/>
+              </p:ext>
+            </p:extLst>
+          </p:nvPr>
+        </p:nvSpPr>
+        <p:spPr>
+          <a:xfrm rot="16200000">
+            <a:off x="2742413" y="2532510"/>
+            <a:ext cx="1605189" cy="7090015"/>
+          </a:xfrm>
+          <a:prstGeom prst="rect">
+            <a:avLst/>
+          </a:prstGeom>
+          <a:gradFill>
+            <a:gsLst>
+              <a:gs pos="42000">
+                <a:schemeClr val="accent4">
+                  <a:alpha val="0"/>
+                </a:schemeClr>
+              </a:gs>
+              <a:gs pos="99000">
+                <a:schemeClr val="accent6">
+                  <a:alpha val="48000"/>
+                </a:schemeClr>
+              </a:gs>
+            </a:gsLst>
+            <a:lin ang="11400000" scaled="0"/>
+          </a:gradFill>
+          <a:ln>
+            <a:noFill/>
+          </a:ln>
+        </p:spPr>
+        <p:style>
+          <a:lnRef idx="2">
+            <a:schemeClr val="accent1">
+              <a:shade val="50000"/>
+            </a:schemeClr>
+          </a:lnRef>
+          <a:fillRef idx="1">
+            <a:schemeClr val="accent1"/>
+          </a:fillRef>
+          <a:effectRef idx="0">
+            <a:schemeClr val="accent1"/>
+          </a:effectRef>
+          <a:fontRef idx="minor">
+            <a:schemeClr val="lt1"/>
+          </a:fontRef>
+        </p:style>
+        <p:txBody>
+          <a:bodyPr rtlCol="0" anchor="ctr"/>
+          <a:lstStyle/>
+          <a:p>
+            <a:pPr algn="ctr"/>
+            <a:endParaRPr lang="en-US"/>
+          </a:p>
+        </p:txBody>
+      </p:sp>
+      <p:sp>
+        <p:nvSpPr>
+          <p:cNvPr id="24" name="Rectangle 23">
+            <a:extLst>
+              <a:ext uri="{FF2B5EF4-FFF2-40B4-BE49-F238E27FC236}">
+                <a16:creationId xmlns:a16="http://schemas.microsoft.com/office/drawing/2014/main" id="{C0E03176-380A-4A7E-879A-D179D5F46644}"/>
+              </a:ext>
+              <a:ext uri="{C183D7F6-B498-43B3-948B-1728B52AA6E4}">
+                <adec:decorative xmlns:adec="http://schemas.microsoft.com/office/drawing/2017/decorative" val="1"/>
+              </a:ext>
+            </a:extLst>
+          </p:cNvPr>
+          <p:cNvSpPr>
+            <a:spLocks noGrp="1" noRot="1" noChangeAspect="1" noMove="1" noResize="1" noEditPoints="1" noAdjustHandles="1" noChangeArrowheads="1" noChangeShapeType="1" noTextEdit="1"/>
+          </p:cNvSpPr>
+          <p:nvPr>
+            <p:extLst>
+              <p:ext uri="{386F3935-93C4-4BCD-93E2-E3B085C9AB24}">
+                <p16:designElem xmlns:p16="http://schemas.microsoft.com/office/powerpoint/2015/main" val="1"/>
+              </p:ext>
+            </p:extLst>
+          </p:nvPr>
+        </p:nvSpPr>
+        <p:spPr>
+          <a:xfrm rot="10800000">
+            <a:off x="4930450" y="5257800"/>
+            <a:ext cx="7275001" cy="1150514"/>
+          </a:xfrm>
+          <a:prstGeom prst="rect">
+            <a:avLst/>
+          </a:prstGeom>
+          <a:gradFill>
+            <a:gsLst>
+              <a:gs pos="0">
+                <a:schemeClr val="accent5">
+                  <a:alpha val="37000"/>
+                </a:schemeClr>
+              </a:gs>
+              <a:gs pos="56000">
+                <a:schemeClr val="accent5">
+                  <a:alpha val="0"/>
+                </a:schemeClr>
+              </a:gs>
+            </a:gsLst>
+            <a:lin ang="19800000" scaled="0"/>
+          </a:gradFill>
+          <a:ln>
+            <a:noFill/>
+          </a:ln>
+        </p:spPr>
+        <p:style>
+          <a:lnRef idx="2">
+            <a:schemeClr val="accent1">
+              <a:shade val="50000"/>
+            </a:schemeClr>
+          </a:lnRef>
+          <a:fillRef idx="1">
+            <a:schemeClr val="accent1"/>
+          </a:fillRef>
+          <a:effectRef idx="0">
+            <a:schemeClr val="accent1"/>
+          </a:effectRef>
+          <a:fontRef idx="minor">
+            <a:schemeClr val="lt1"/>
+          </a:fontRef>
+        </p:style>
+        <p:txBody>
+          <a:bodyPr rtlCol="0" anchor="ctr"/>
+          <a:lstStyle/>
+          <a:p>
+            <a:pPr algn="ctr"/>
+            <a:endParaRPr lang="en-US"/>
+          </a:p>
+        </p:txBody>
+      </p:sp>
+      <p:sp>
+        <p:nvSpPr>
           <p:cNvPr id="2" name="Otsikko 1">
             <a:extLst>
               <a:ext uri="{FF2B5EF4-FFF2-40B4-BE49-F238E27FC236}">
@@ -10697,44 +11370,87 @@
             <p:ph type="title"/>
           </p:nvPr>
         </p:nvSpPr>
-        <p:spPr/>
+        <p:spPr>
+          <a:xfrm>
+            <a:off x="920150" y="5564937"/>
+            <a:ext cx="6789497" cy="1040942"/>
+          </a:xfrm>
+        </p:spPr>
         <p:txBody>
-          <a:bodyPr/>
+          <a:bodyPr vert="horz" lIns="0" tIns="0" rIns="0" bIns="0" rtlCol="0" anchor="ctr">
+            <a:normAutofit/>
+          </a:bodyPr>
           <a:lstStyle/>
           <a:p>
             <a:r>
-              <a:rPr lang="fi-FI" dirty="0" err="1"/>
+              <a:rPr lang="en-US" sz="3200" spc="750">
+                <a:solidFill>
+                  <a:schemeClr val="bg1"/>
+                </a:solidFill>
+              </a:rPr>
               <a:t>Usage</a:t>
             </a:r>
-            <a:endParaRPr lang="fi-FI" dirty="0"/>
           </a:p>
         </p:txBody>
       </p:sp>
-      <p:sp>
-        <p:nvSpPr>
-          <p:cNvPr id="3" name="Sisällön paikkamerkki 2">
+      <p:pic>
+        <p:nvPicPr>
+          <p:cNvPr id="7" name="Kuva 6">
             <a:extLst>
               <a:ext uri="{FF2B5EF4-FFF2-40B4-BE49-F238E27FC236}">
-                <a16:creationId xmlns:a16="http://schemas.microsoft.com/office/drawing/2014/main" id="{B836AF91-F624-8859-4DED-379B93447FAF}"/>
+                <a16:creationId xmlns:a16="http://schemas.microsoft.com/office/drawing/2014/main" id="{B9145F7F-F5AE-AF3F-6D4D-E056752CB778}"/>
               </a:ext>
             </a:extLst>
           </p:cNvPr>
-          <p:cNvSpPr>
-            <a:spLocks noGrp="1"/>
-          </p:cNvSpPr>
+          <p:cNvPicPr>
+            <a:picLocks noChangeAspect="1"/>
+          </p:cNvPicPr>
+          <p:nvPr/>
+        </p:nvPicPr>
+        <p:blipFill rotWithShape="1">
+          <a:blip r:embed="rId2"/>
+          <a:srcRect r="-2" b="20556"/>
+          <a:stretch/>
+        </p:blipFill>
+        <p:spPr>
+          <a:xfrm>
+            <a:off x="3539468" y="182790"/>
+            <a:ext cx="8652530" cy="5602178"/>
+          </a:xfrm>
+          <a:prstGeom prst="rect">
+            <a:avLst/>
+          </a:prstGeom>
+        </p:spPr>
+      </p:pic>
+      <p:pic>
+        <p:nvPicPr>
+          <p:cNvPr id="11" name="Sisällön paikkamerkki 10">
+            <a:extLst>
+              <a:ext uri="{FF2B5EF4-FFF2-40B4-BE49-F238E27FC236}">
+                <a16:creationId xmlns:a16="http://schemas.microsoft.com/office/drawing/2014/main" id="{3B42EEE2-255C-7AC0-8BF8-777F89E9981B}"/>
+              </a:ext>
+            </a:extLst>
+          </p:cNvPr>
+          <p:cNvPicPr>
+            <a:picLocks noGrp="1" noChangeAspect="1"/>
+          </p:cNvPicPr>
           <p:nvPr>
             <p:ph idx="1"/>
           </p:nvPr>
-        </p:nvSpPr>
-        <p:spPr/>
-        <p:txBody>
-          <a:bodyPr/>
-          <a:lstStyle/>
-          <a:p>
-            <a:endParaRPr lang="fi-FI"/>
-          </a:p>
-        </p:txBody>
-      </p:sp>
+        </p:nvPicPr>
+        <p:blipFill>
+          <a:blip r:embed="rId3"/>
+          <a:stretch>
+            <a:fillRect/>
+          </a:stretch>
+        </p:blipFill>
+        <p:spPr>
+          <a:xfrm>
+            <a:off x="-1" y="-12510"/>
+            <a:ext cx="3552825" cy="5784968"/>
+          </a:xfrm>
+        </p:spPr>
+      </p:pic>
     </p:spTree>
     <p:extLst>
       <p:ext uri="{BB962C8B-B14F-4D97-AF65-F5344CB8AC3E}">
@@ -10751,6 +11467,14 @@
 <file path=ppt/slides/slide6.xml><?xml version="1.0" encoding="utf-8"?>
 <p:sld xmlns:a="http://schemas.openxmlformats.org/drawingml/2006/main" xmlns:r="http://schemas.openxmlformats.org/officeDocument/2006/relationships" xmlns:p="http://schemas.openxmlformats.org/presentationml/2006/main">
   <p:cSld>
+    <p:bg>
+      <p:bgPr>
+        <a:solidFill>
+          <a:schemeClr val="bg1"/>
+        </a:solidFill>
+        <a:effectLst/>
+      </p:bgPr>
+    </p:bg>
     <p:spTree>
       <p:nvGrpSpPr>
         <p:cNvPr id="1" name=""/>
@@ -10767,6 +11491,629 @@
       </p:grpSpPr>
       <p:sp>
         <p:nvSpPr>
+          <p:cNvPr id="10" name="Rectangle 9">
+            <a:extLst>
+              <a:ext uri="{FF2B5EF4-FFF2-40B4-BE49-F238E27FC236}">
+                <a16:creationId xmlns:a16="http://schemas.microsoft.com/office/drawing/2014/main" id="{BD4C0BBB-0042-4603-A226-6117F3FD5B3C}"/>
+              </a:ext>
+              <a:ext uri="{C183D7F6-B498-43B3-948B-1728B52AA6E4}">
+                <adec:decorative xmlns:adec="http://schemas.microsoft.com/office/drawing/2017/decorative" val="1"/>
+              </a:ext>
+            </a:extLst>
+          </p:cNvPr>
+          <p:cNvSpPr>
+            <a:spLocks noGrp="1" noRot="1" noChangeAspect="1" noMove="1" noResize="1" noEditPoints="1" noAdjustHandles="1" noChangeArrowheads="1" noChangeShapeType="1" noTextEdit="1"/>
+          </p:cNvSpPr>
+          <p:nvPr>
+            <p:extLst>
+              <p:ext uri="{386F3935-93C4-4BCD-93E2-E3B085C9AB24}">
+                <p16:designElem xmlns:p16="http://schemas.microsoft.com/office/powerpoint/2015/main" val="1"/>
+              </p:ext>
+            </p:extLst>
+          </p:nvPr>
+        </p:nvSpPr>
+        <p:spPr>
+          <a:xfrm rot="10800000" flipH="1">
+            <a:off x="0" y="6400799"/>
+            <a:ext cx="12192000" cy="456773"/>
+          </a:xfrm>
+          <a:prstGeom prst="rect">
+            <a:avLst/>
+          </a:prstGeom>
+          <a:gradFill>
+            <a:gsLst>
+              <a:gs pos="14000">
+                <a:schemeClr val="accent4">
+                  <a:alpha val="28000"/>
+                </a:schemeClr>
+              </a:gs>
+              <a:gs pos="100000">
+                <a:schemeClr val="accent5">
+                  <a:alpha val="85000"/>
+                </a:schemeClr>
+              </a:gs>
+            </a:gsLst>
+            <a:lin ang="6000000" scaled="0"/>
+          </a:gradFill>
+          <a:ln>
+            <a:noFill/>
+          </a:ln>
+        </p:spPr>
+        <p:style>
+          <a:lnRef idx="2">
+            <a:schemeClr val="accent1">
+              <a:shade val="50000"/>
+            </a:schemeClr>
+          </a:lnRef>
+          <a:fillRef idx="1">
+            <a:schemeClr val="accent1"/>
+          </a:fillRef>
+          <a:effectRef idx="0">
+            <a:schemeClr val="accent1"/>
+          </a:effectRef>
+          <a:fontRef idx="minor">
+            <a:schemeClr val="lt1"/>
+          </a:fontRef>
+        </p:style>
+        <p:txBody>
+          <a:bodyPr rtlCol="0" anchor="ctr"/>
+          <a:lstStyle/>
+          <a:p>
+            <a:pPr algn="ctr"/>
+            <a:endParaRPr lang="en-US"/>
+          </a:p>
+        </p:txBody>
+      </p:sp>
+      <p:sp>
+        <p:nvSpPr>
+          <p:cNvPr id="12" name="Rectangle 11">
+            <a:extLst>
+              <a:ext uri="{FF2B5EF4-FFF2-40B4-BE49-F238E27FC236}">
+                <a16:creationId xmlns:a16="http://schemas.microsoft.com/office/drawing/2014/main" id="{EC44F520-2598-460E-9F91-B02F60830CA2}"/>
+              </a:ext>
+              <a:ext uri="{C183D7F6-B498-43B3-948B-1728B52AA6E4}">
+                <adec:decorative xmlns:adec="http://schemas.microsoft.com/office/drawing/2017/decorative" val="1"/>
+              </a:ext>
+            </a:extLst>
+          </p:cNvPr>
+          <p:cNvSpPr>
+            <a:spLocks noGrp="1" noRot="1" noChangeAspect="1" noMove="1" noResize="1" noEditPoints="1" noAdjustHandles="1" noChangeArrowheads="1" noChangeShapeType="1" noTextEdit="1"/>
+          </p:cNvSpPr>
+          <p:nvPr>
+            <p:extLst>
+              <p:ext uri="{386F3935-93C4-4BCD-93E2-E3B085C9AB24}">
+                <p16:designElem xmlns:p16="http://schemas.microsoft.com/office/powerpoint/2015/main" val="1"/>
+              </p:ext>
+            </p:extLst>
+          </p:nvPr>
+        </p:nvSpPr>
+        <p:spPr>
+          <a:xfrm flipH="1">
+            <a:off x="4038600" y="6400799"/>
+            <a:ext cx="8153398" cy="456772"/>
+          </a:xfrm>
+          <a:prstGeom prst="rect">
+            <a:avLst/>
+          </a:prstGeom>
+          <a:gradFill>
+            <a:gsLst>
+              <a:gs pos="9000">
+                <a:schemeClr val="accent2">
+                  <a:lumMod val="60000"/>
+                  <a:lumOff val="40000"/>
+                  <a:alpha val="55000"/>
+                </a:schemeClr>
+              </a:gs>
+              <a:gs pos="99000">
+                <a:schemeClr val="accent2"/>
+              </a:gs>
+            </a:gsLst>
+            <a:lin ang="14400000" scaled="0"/>
+          </a:gradFill>
+          <a:ln>
+            <a:noFill/>
+          </a:ln>
+        </p:spPr>
+        <p:style>
+          <a:lnRef idx="2">
+            <a:schemeClr val="accent1">
+              <a:shade val="50000"/>
+            </a:schemeClr>
+          </a:lnRef>
+          <a:fillRef idx="1">
+            <a:schemeClr val="accent1"/>
+          </a:fillRef>
+          <a:effectRef idx="0">
+            <a:schemeClr val="accent1"/>
+          </a:effectRef>
+          <a:fontRef idx="minor">
+            <a:schemeClr val="lt1"/>
+          </a:fontRef>
+        </p:style>
+        <p:txBody>
+          <a:bodyPr rtlCol="0" anchor="ctr"/>
+          <a:lstStyle/>
+          <a:p>
+            <a:pPr algn="ctr"/>
+            <a:endParaRPr lang="en-US"/>
+          </a:p>
+        </p:txBody>
+      </p:sp>
+      <p:sp useBgFill="1">
+        <p:nvSpPr>
+          <p:cNvPr id="14" name="Rectangle 13">
+            <a:extLst>
+              <a:ext uri="{FF2B5EF4-FFF2-40B4-BE49-F238E27FC236}">
+                <a16:creationId xmlns:a16="http://schemas.microsoft.com/office/drawing/2014/main" id="{1DBC8414-BE7E-4B6C-A114-B2C3795C883F}"/>
+              </a:ext>
+              <a:ext uri="{C183D7F6-B498-43B3-948B-1728B52AA6E4}">
+                <adec:decorative xmlns:adec="http://schemas.microsoft.com/office/drawing/2017/decorative" val="1"/>
+              </a:ext>
+            </a:extLst>
+          </p:cNvPr>
+          <p:cNvSpPr>
+            <a:spLocks noGrp="1" noRot="1" noChangeAspect="1" noMove="1" noResize="1" noEditPoints="1" noAdjustHandles="1" noChangeArrowheads="1" noChangeShapeType="1" noTextEdit="1"/>
+          </p:cNvSpPr>
+          <p:nvPr>
+            <p:extLst>
+              <p:ext uri="{386F3935-93C4-4BCD-93E2-E3B085C9AB24}">
+                <p16:designElem xmlns:p16="http://schemas.microsoft.com/office/powerpoint/2015/main" val="1"/>
+              </p:ext>
+            </p:extLst>
+          </p:nvPr>
+        </p:nvSpPr>
+        <p:spPr>
+          <a:xfrm>
+            <a:off x="0" y="0"/>
+            <a:ext cx="12192000" cy="6858000"/>
+          </a:xfrm>
+          <a:prstGeom prst="rect">
+            <a:avLst/>
+          </a:prstGeom>
+          <a:ln w="12700" cap="flat" cmpd="sng" algn="ctr">
+            <a:noFill/>
+            <a:prstDash val="solid"/>
+            <a:miter lim="800000"/>
+          </a:ln>
+          <a:effectLst/>
+          <a:extLst>
+            <a:ext uri="{91240B29-F687-4F45-9708-019B960494DF}">
+              <a14:hiddenLine xmlns:a14="http://schemas.microsoft.com/office/drawing/2010/main" w="12700" cap="flat" cmpd="sng" algn="ctr">
+                <a:solidFill>
+                  <a:schemeClr val="accent1">
+                    <a:shade val="50000"/>
+                  </a:schemeClr>
+                </a:solidFill>
+                <a:prstDash val="solid"/>
+                <a:miter lim="800000"/>
+              </a14:hiddenLine>
+            </a:ext>
+          </a:extLst>
+        </p:spPr>
+        <p:style>
+          <a:lnRef idx="2">
+            <a:schemeClr val="accent1">
+              <a:shade val="50000"/>
+            </a:schemeClr>
+          </a:lnRef>
+          <a:fillRef idx="1">
+            <a:schemeClr val="accent1"/>
+          </a:fillRef>
+          <a:effectRef idx="0">
+            <a:schemeClr val="accent1"/>
+          </a:effectRef>
+          <a:fontRef idx="minor">
+            <a:schemeClr val="lt1"/>
+          </a:fontRef>
+        </p:style>
+        <p:txBody>
+          <a:bodyPr rtlCol="0" anchor="ctr"/>
+          <a:lstStyle/>
+          <a:p>
+            <a:pPr algn="ctr"/>
+            <a:endParaRPr lang="en-US"/>
+          </a:p>
+        </p:txBody>
+      </p:sp>
+      <p:sp>
+        <p:nvSpPr>
+          <p:cNvPr id="16" name="Rectangle 15">
+            <a:extLst>
+              <a:ext uri="{FF2B5EF4-FFF2-40B4-BE49-F238E27FC236}">
+                <a16:creationId xmlns:a16="http://schemas.microsoft.com/office/drawing/2014/main" id="{0EC398C5-5C2E-4038-9DB3-DE2B5A9BEFFB}"/>
+              </a:ext>
+              <a:ext uri="{C183D7F6-B498-43B3-948B-1728B52AA6E4}">
+                <adec:decorative xmlns:adec="http://schemas.microsoft.com/office/drawing/2017/decorative" val="1"/>
+              </a:ext>
+            </a:extLst>
+          </p:cNvPr>
+          <p:cNvSpPr>
+            <a:spLocks noGrp="1" noRot="1" noChangeAspect="1" noMove="1" noResize="1" noEditPoints="1" noAdjustHandles="1" noChangeArrowheads="1" noChangeShapeType="1" noTextEdit="1"/>
+          </p:cNvSpPr>
+          <p:nvPr>
+            <p:extLst>
+              <p:ext uri="{386F3935-93C4-4BCD-93E2-E3B085C9AB24}">
+                <p16:designElem xmlns:p16="http://schemas.microsoft.com/office/powerpoint/2015/main" val="1"/>
+              </p:ext>
+            </p:extLst>
+          </p:nvPr>
+        </p:nvSpPr>
+        <p:spPr>
+          <a:xfrm rot="5400000" flipH="1">
+            <a:off x="-1409318" y="1410082"/>
+            <a:ext cx="6858000" cy="4037835"/>
+          </a:xfrm>
+          <a:prstGeom prst="rect">
+            <a:avLst/>
+          </a:prstGeom>
+          <a:gradFill>
+            <a:gsLst>
+              <a:gs pos="8000">
+                <a:schemeClr val="accent6"/>
+              </a:gs>
+              <a:gs pos="100000">
+                <a:schemeClr val="accent5">
+                  <a:alpha val="89000"/>
+                </a:schemeClr>
+              </a:gs>
+            </a:gsLst>
+            <a:lin ang="3000000" scaled="0"/>
+          </a:gradFill>
+          <a:ln>
+            <a:noFill/>
+          </a:ln>
+        </p:spPr>
+        <p:style>
+          <a:lnRef idx="2">
+            <a:schemeClr val="accent1">
+              <a:shade val="50000"/>
+            </a:schemeClr>
+          </a:lnRef>
+          <a:fillRef idx="1">
+            <a:schemeClr val="accent1"/>
+          </a:fillRef>
+          <a:effectRef idx="0">
+            <a:schemeClr val="accent1"/>
+          </a:effectRef>
+          <a:fontRef idx="minor">
+            <a:schemeClr val="lt1"/>
+          </a:fontRef>
+        </p:style>
+        <p:txBody>
+          <a:bodyPr rtlCol="0" anchor="ctr"/>
+          <a:lstStyle/>
+          <a:p>
+            <a:pPr algn="ctr"/>
+            <a:endParaRPr lang="en-US"/>
+          </a:p>
+        </p:txBody>
+      </p:sp>
+      <p:sp>
+        <p:nvSpPr>
+          <p:cNvPr id="18" name="Rectangle 17">
+            <a:extLst>
+              <a:ext uri="{FF2B5EF4-FFF2-40B4-BE49-F238E27FC236}">
+                <a16:creationId xmlns:a16="http://schemas.microsoft.com/office/drawing/2014/main" id="{A2F10B26-073B-4B10-8AAA-161242DD82B0}"/>
+              </a:ext>
+              <a:ext uri="{C183D7F6-B498-43B3-948B-1728B52AA6E4}">
+                <adec:decorative xmlns:adec="http://schemas.microsoft.com/office/drawing/2017/decorative" val="1"/>
+              </a:ext>
+            </a:extLst>
+          </p:cNvPr>
+          <p:cNvSpPr>
+            <a:spLocks noGrp="1" noRot="1" noChangeAspect="1" noMove="1" noResize="1" noEditPoints="1" noAdjustHandles="1" noChangeArrowheads="1" noChangeShapeType="1" noTextEdit="1"/>
+          </p:cNvSpPr>
+          <p:nvPr>
+            <p:extLst>
+              <p:ext uri="{386F3935-93C4-4BCD-93E2-E3B085C9AB24}">
+                <p16:designElem xmlns:p16="http://schemas.microsoft.com/office/powerpoint/2015/main" val="1"/>
+              </p:ext>
+            </p:extLst>
+          </p:nvPr>
+        </p:nvSpPr>
+        <p:spPr>
+          <a:xfrm rot="5400000" flipH="1">
+            <a:off x="-1153806" y="1153804"/>
+            <a:ext cx="6346209" cy="4038601"/>
+          </a:xfrm>
+          <a:prstGeom prst="rect">
+            <a:avLst/>
+          </a:prstGeom>
+          <a:gradFill>
+            <a:gsLst>
+              <a:gs pos="0">
+                <a:schemeClr val="accent5">
+                  <a:lumMod val="60000"/>
+                  <a:lumOff val="40000"/>
+                  <a:alpha val="0"/>
+                </a:schemeClr>
+              </a:gs>
+              <a:gs pos="99000">
+                <a:schemeClr val="accent2">
+                  <a:alpha val="92000"/>
+                </a:schemeClr>
+              </a:gs>
+            </a:gsLst>
+            <a:lin ang="1800000" scaled="0"/>
+          </a:gradFill>
+          <a:ln>
+            <a:noFill/>
+          </a:ln>
+        </p:spPr>
+        <p:style>
+          <a:lnRef idx="2">
+            <a:schemeClr val="accent1">
+              <a:shade val="50000"/>
+            </a:schemeClr>
+          </a:lnRef>
+          <a:fillRef idx="1">
+            <a:schemeClr val="accent1"/>
+          </a:fillRef>
+          <a:effectRef idx="0">
+            <a:schemeClr val="accent1"/>
+          </a:effectRef>
+          <a:fontRef idx="minor">
+            <a:schemeClr val="lt1"/>
+          </a:fontRef>
+        </p:style>
+        <p:txBody>
+          <a:bodyPr rtlCol="0" anchor="ctr"/>
+          <a:lstStyle/>
+          <a:p>
+            <a:pPr algn="ctr"/>
+            <a:endParaRPr lang="en-US"/>
+          </a:p>
+        </p:txBody>
+      </p:sp>
+      <p:sp>
+        <p:nvSpPr>
+          <p:cNvPr id="20" name="Rectangle 19">
+            <a:extLst>
+              <a:ext uri="{FF2B5EF4-FFF2-40B4-BE49-F238E27FC236}">
+                <a16:creationId xmlns:a16="http://schemas.microsoft.com/office/drawing/2014/main" id="{610DBBC7-698F-4A54-B1CB-A99F9CC356DF}"/>
+              </a:ext>
+              <a:ext uri="{C183D7F6-B498-43B3-948B-1728B52AA6E4}">
+                <adec:decorative xmlns:adec="http://schemas.microsoft.com/office/drawing/2017/decorative" val="1"/>
+              </a:ext>
+            </a:extLst>
+          </p:cNvPr>
+          <p:cNvSpPr>
+            <a:spLocks noGrp="1" noRot="1" noChangeAspect="1" noMove="1" noResize="1" noEditPoints="1" noAdjustHandles="1" noChangeArrowheads="1" noChangeShapeType="1" noTextEdit="1"/>
+          </p:cNvSpPr>
+          <p:nvPr>
+            <p:extLst>
+              <p:ext uri="{386F3935-93C4-4BCD-93E2-E3B085C9AB24}">
+                <p16:designElem xmlns:p16="http://schemas.microsoft.com/office/powerpoint/2015/main" val="1"/>
+              </p:ext>
+            </p:extLst>
+          </p:nvPr>
+        </p:nvSpPr>
+        <p:spPr>
+          <a:xfrm rot="5400000" flipH="1">
+            <a:off x="759574" y="3578975"/>
+            <a:ext cx="2502407" cy="4055644"/>
+          </a:xfrm>
+          <a:prstGeom prst="rect">
+            <a:avLst/>
+          </a:prstGeom>
+          <a:gradFill>
+            <a:gsLst>
+              <a:gs pos="2000">
+                <a:schemeClr val="accent5">
+                  <a:alpha val="28000"/>
+                </a:schemeClr>
+              </a:gs>
+              <a:gs pos="100000">
+                <a:schemeClr val="accent4">
+                  <a:alpha val="0"/>
+                </a:schemeClr>
+              </a:gs>
+            </a:gsLst>
+            <a:lin ang="7800000" scaled="0"/>
+          </a:gradFill>
+          <a:ln>
+            <a:noFill/>
+          </a:ln>
+        </p:spPr>
+        <p:style>
+          <a:lnRef idx="2">
+            <a:schemeClr val="accent1">
+              <a:shade val="50000"/>
+            </a:schemeClr>
+          </a:lnRef>
+          <a:fillRef idx="1">
+            <a:schemeClr val="accent1"/>
+          </a:fillRef>
+          <a:effectRef idx="0">
+            <a:schemeClr val="accent1"/>
+          </a:effectRef>
+          <a:fontRef idx="minor">
+            <a:schemeClr val="lt1"/>
+          </a:fontRef>
+        </p:style>
+        <p:txBody>
+          <a:bodyPr rtlCol="0" anchor="ctr"/>
+          <a:lstStyle/>
+          <a:p>
+            <a:pPr algn="ctr"/>
+            <a:endParaRPr lang="en-US"/>
+          </a:p>
+        </p:txBody>
+      </p:sp>
+      <p:sp>
+        <p:nvSpPr>
+          <p:cNvPr id="22" name="Freeform: Shape 21">
+            <a:extLst>
+              <a:ext uri="{FF2B5EF4-FFF2-40B4-BE49-F238E27FC236}">
+                <a16:creationId xmlns:a16="http://schemas.microsoft.com/office/drawing/2014/main" id="{DE6E822A-8BCF-432C-83E6-BBE821476CD4}"/>
+              </a:ext>
+              <a:ext uri="{C183D7F6-B498-43B3-948B-1728B52AA6E4}">
+                <adec:decorative xmlns:adec="http://schemas.microsoft.com/office/drawing/2017/decorative" val="1"/>
+              </a:ext>
+            </a:extLst>
+          </p:cNvPr>
+          <p:cNvSpPr>
+            <a:spLocks noGrp="1" noRot="1" noChangeAspect="1" noMove="1" noResize="1" noEditPoints="1" noAdjustHandles="1" noChangeArrowheads="1" noChangeShapeType="1" noTextEdit="1"/>
+          </p:cNvSpPr>
+          <p:nvPr>
+            <p:extLst>
+              <p:ext uri="{386F3935-93C4-4BCD-93E2-E3B085C9AB24}">
+                <p16:designElem xmlns:p16="http://schemas.microsoft.com/office/powerpoint/2015/main" val="1"/>
+              </p:ext>
+            </p:extLst>
+          </p:nvPr>
+        </p:nvSpPr>
+        <p:spPr>
+          <a:xfrm rot="6097846">
+            <a:off x="-747355" y="1201312"/>
+            <a:ext cx="4808302" cy="4088666"/>
+          </a:xfrm>
+          <a:custGeom>
+            <a:avLst/>
+            <a:gdLst>
+              <a:gd name="connsiteX0" fmla="*/ 48844 w 4808302"/>
+              <a:gd name="connsiteY0" fmla="*/ 2888671 h 4088666"/>
+              <a:gd name="connsiteX1" fmla="*/ 0 w 4808302"/>
+              <a:gd name="connsiteY1" fmla="*/ 2404151 h 4088666"/>
+              <a:gd name="connsiteX2" fmla="*/ 2404151 w 4808302"/>
+              <a:gd name="connsiteY2" fmla="*/ 0 h 4088666"/>
+              <a:gd name="connsiteX3" fmla="*/ 4808302 w 4808302"/>
+              <a:gd name="connsiteY3" fmla="*/ 2404151 h 4088666"/>
+              <a:gd name="connsiteX4" fmla="*/ 4700216 w 4808302"/>
+              <a:gd name="connsiteY4" fmla="*/ 3119072 h 4088666"/>
+              <a:gd name="connsiteX5" fmla="*/ 4643143 w 4808302"/>
+              <a:gd name="connsiteY5" fmla="*/ 3275009 h 4088666"/>
+              <a:gd name="connsiteX6" fmla="*/ 690093 w 4808302"/>
+              <a:gd name="connsiteY6" fmla="*/ 4088666 h 4088666"/>
+              <a:gd name="connsiteX7" fmla="*/ 548991 w 4808302"/>
+              <a:gd name="connsiteY7" fmla="*/ 3933414 h 4088666"/>
+              <a:gd name="connsiteX8" fmla="*/ 48844 w 4808302"/>
+              <a:gd name="connsiteY8" fmla="*/ 2888671 h 4088666"/>
+            </a:gdLst>
+            <a:ahLst/>
+            <a:cxnLst>
+              <a:cxn ang="0">
+                <a:pos x="connsiteX0" y="connsiteY0"/>
+              </a:cxn>
+              <a:cxn ang="0">
+                <a:pos x="connsiteX1" y="connsiteY1"/>
+              </a:cxn>
+              <a:cxn ang="0">
+                <a:pos x="connsiteX2" y="connsiteY2"/>
+              </a:cxn>
+              <a:cxn ang="0">
+                <a:pos x="connsiteX3" y="connsiteY3"/>
+              </a:cxn>
+              <a:cxn ang="0">
+                <a:pos x="connsiteX4" y="connsiteY4"/>
+              </a:cxn>
+              <a:cxn ang="0">
+                <a:pos x="connsiteX5" y="connsiteY5"/>
+              </a:cxn>
+              <a:cxn ang="0">
+                <a:pos x="connsiteX6" y="connsiteY6"/>
+              </a:cxn>
+              <a:cxn ang="0">
+                <a:pos x="connsiteX7" y="connsiteY7"/>
+              </a:cxn>
+              <a:cxn ang="0">
+                <a:pos x="connsiteX8" y="connsiteY8"/>
+              </a:cxn>
+            </a:cxnLst>
+            <a:rect l="l" t="t" r="r" b="b"/>
+            <a:pathLst>
+              <a:path w="4808302" h="4088666">
+                <a:moveTo>
+                  <a:pt x="48844" y="2888671"/>
+                </a:moveTo>
+                <a:cubicBezTo>
+                  <a:pt x="16818" y="2732167"/>
+                  <a:pt x="0" y="2570123"/>
+                  <a:pt x="0" y="2404151"/>
+                </a:cubicBezTo>
+                <a:cubicBezTo>
+                  <a:pt x="0" y="1076375"/>
+                  <a:pt x="1076375" y="0"/>
+                  <a:pt x="2404151" y="0"/>
+                </a:cubicBezTo>
+                <a:cubicBezTo>
+                  <a:pt x="3731927" y="0"/>
+                  <a:pt x="4808302" y="1076375"/>
+                  <a:pt x="4808302" y="2404151"/>
+                </a:cubicBezTo>
+                <a:cubicBezTo>
+                  <a:pt x="4808302" y="2653109"/>
+                  <a:pt x="4770461" y="2893229"/>
+                  <a:pt x="4700216" y="3119072"/>
+                </a:cubicBezTo>
+                <a:lnTo>
+                  <a:pt x="4643143" y="3275009"/>
+                </a:lnTo>
+                <a:lnTo>
+                  <a:pt x="690093" y="4088666"/>
+                </a:lnTo>
+                <a:lnTo>
+                  <a:pt x="548991" y="3933414"/>
+                </a:lnTo>
+                <a:cubicBezTo>
+                  <a:pt x="304015" y="3636572"/>
+                  <a:pt x="128908" y="3279932"/>
+                  <a:pt x="48844" y="2888671"/>
+                </a:cubicBezTo>
+                <a:close/>
+              </a:path>
+            </a:pathLst>
+          </a:custGeom>
+          <a:gradFill>
+            <a:gsLst>
+              <a:gs pos="13000">
+                <a:schemeClr val="accent4">
+                  <a:lumMod val="20000"/>
+                  <a:lumOff val="80000"/>
+                  <a:alpha val="2000"/>
+                </a:schemeClr>
+              </a:gs>
+              <a:gs pos="100000">
+                <a:schemeClr val="accent6">
+                  <a:alpha val="29000"/>
+                </a:schemeClr>
+              </a:gs>
+            </a:gsLst>
+            <a:lin ang="16800000" scaled="0"/>
+          </a:gradFill>
+          <a:ln>
+            <a:noFill/>
+          </a:ln>
+        </p:spPr>
+        <p:style>
+          <a:lnRef idx="2">
+            <a:schemeClr val="accent1">
+              <a:shade val="50000"/>
+            </a:schemeClr>
+          </a:lnRef>
+          <a:fillRef idx="1">
+            <a:schemeClr val="accent1"/>
+          </a:fillRef>
+          <a:effectRef idx="0">
+            <a:schemeClr val="accent1"/>
+          </a:effectRef>
+          <a:fontRef idx="minor">
+            <a:schemeClr val="lt1"/>
+          </a:fontRef>
+        </p:style>
+        <p:txBody>
+          <a:bodyPr wrap="square" rtlCol="0" anchor="ctr">
+            <a:noAutofit/>
+          </a:bodyPr>
+          <a:lstStyle/>
+          <a:p>
+            <a:pPr algn="ctr"/>
+            <a:endParaRPr lang="en-US" dirty="0"/>
+          </a:p>
+        </p:txBody>
+      </p:sp>
+      <p:sp>
+        <p:nvSpPr>
           <p:cNvPr id="2" name="Otsikko 1">
             <a:extLst>
               <a:ext uri="{FF2B5EF4-FFF2-40B4-BE49-F238E27FC236}">
@@ -10781,44 +12128,69 @@
             <p:ph type="title"/>
           </p:nvPr>
         </p:nvSpPr>
-        <p:spPr/>
+        <p:spPr>
+          <a:xfrm>
+            <a:off x="474243" y="681317"/>
+            <a:ext cx="3236613" cy="3406187"/>
+          </a:xfrm>
+        </p:spPr>
         <p:txBody>
-          <a:bodyPr/>
+          <a:bodyPr vert="horz" lIns="0" tIns="0" rIns="0" bIns="0" rtlCol="0" anchor="b">
+            <a:normAutofit/>
+          </a:bodyPr>
           <a:lstStyle/>
           <a:p>
+            <a:pPr algn="r"/>
             <a:r>
-              <a:rPr lang="fi-FI" dirty="0" err="1"/>
+              <a:rPr lang="en-US" sz="3000" spc="750">
+                <a:solidFill>
+                  <a:schemeClr val="bg1"/>
+                </a:solidFill>
+              </a:rPr>
               <a:t>Questions</a:t>
             </a:r>
-            <a:endParaRPr lang="fi-FI" dirty="0"/>
           </a:p>
         </p:txBody>
       </p:sp>
-      <p:sp>
-        <p:nvSpPr>
-          <p:cNvPr id="3" name="Sisällön paikkamerkki 2">
+      <p:pic>
+        <p:nvPicPr>
+          <p:cNvPr id="7" name="Graphic 6" descr="Help">
             <a:extLst>
               <a:ext uri="{FF2B5EF4-FFF2-40B4-BE49-F238E27FC236}">
-                <a16:creationId xmlns:a16="http://schemas.microsoft.com/office/drawing/2014/main" id="{DD2B496B-3123-0701-6947-F3C408972198}"/>
+                <a16:creationId xmlns:a16="http://schemas.microsoft.com/office/drawing/2014/main" id="{91C66E2F-34E7-8B5F-D838-BFD4CA92C3E1}"/>
               </a:ext>
             </a:extLst>
           </p:cNvPr>
-          <p:cNvSpPr>
-            <a:spLocks noGrp="1"/>
-          </p:cNvSpPr>
-          <p:nvPr>
-            <p:ph idx="1"/>
-          </p:nvPr>
-        </p:nvSpPr>
-        <p:spPr/>
-        <p:txBody>
-          <a:bodyPr/>
-          <a:lstStyle/>
-          <a:p>
-            <a:endParaRPr lang="fi-FI"/>
-          </a:p>
-        </p:txBody>
-      </p:sp>
+          <p:cNvPicPr>
+            <a:picLocks noChangeAspect="1"/>
+          </p:cNvPicPr>
+          <p:nvPr/>
+        </p:nvPicPr>
+        <p:blipFill>
+          <a:blip r:embed="rId2">
+            <a:extLst>
+              <a:ext uri="{28A0092B-C50C-407E-A947-70E740481C1C}">
+                <a14:useLocalDpi xmlns:a14="http://schemas.microsoft.com/office/drawing/2010/main" val="0"/>
+              </a:ext>
+              <a:ext uri="{96DAC541-7B7A-43D3-8B79-37D633B846F1}">
+                <asvg:svgBlip xmlns:asvg="http://schemas.microsoft.com/office/drawing/2016/SVG/main" r:embed="rId3"/>
+              </a:ext>
+            </a:extLst>
+          </a:blip>
+          <a:stretch>
+            <a:fillRect/>
+          </a:stretch>
+        </p:blipFill>
+        <p:spPr>
+          <a:xfrm>
+            <a:off x="5135131" y="457200"/>
+            <a:ext cx="5951114" cy="5951114"/>
+          </a:xfrm>
+          <a:prstGeom prst="rect">
+            <a:avLst/>
+          </a:prstGeom>
+        </p:spPr>
+      </p:pic>
     </p:spTree>
     <p:extLst>
       <p:ext uri="{BB962C8B-B14F-4D97-AF65-F5344CB8AC3E}">
